--- a/docs/Architecture.pptx
+++ b/docs/Architecture.pptx
@@ -192,7 +192,7 @@
           <a:p>
             <a:fld id="{12C73BD1-E919-4514-A897-6086B61B6A01}" type="datetimeFigureOut">
               <a:rPr lang="en-CA" smtClean="0"/>
-              <a:t>2015-02-11</a:t>
+              <a:t>2015-02-18</a:t>
             </a:fld>
             <a:endParaRPr lang="en-CA"/>
           </a:p>
@@ -725,7 +725,7 @@
           <a:p>
             <a:fld id="{57E13E19-9712-4C08-A35C-78B78B9B3BC2}" type="datetimeFigureOut">
               <a:rPr lang="en-CA" smtClean="0"/>
-              <a:t>2015-02-11</a:t>
+              <a:t>2015-02-18</a:t>
             </a:fld>
             <a:endParaRPr lang="en-CA"/>
           </a:p>
@@ -895,7 +895,7 @@
           <a:p>
             <a:fld id="{57E13E19-9712-4C08-A35C-78B78B9B3BC2}" type="datetimeFigureOut">
               <a:rPr lang="en-CA" smtClean="0"/>
-              <a:t>2015-02-11</a:t>
+              <a:t>2015-02-18</a:t>
             </a:fld>
             <a:endParaRPr lang="en-CA"/>
           </a:p>
@@ -1075,7 +1075,7 @@
           <a:p>
             <a:fld id="{57E13E19-9712-4C08-A35C-78B78B9B3BC2}" type="datetimeFigureOut">
               <a:rPr lang="en-CA" smtClean="0"/>
-              <a:t>2015-02-11</a:t>
+              <a:t>2015-02-18</a:t>
             </a:fld>
             <a:endParaRPr lang="en-CA"/>
           </a:p>
@@ -1245,7 +1245,7 @@
           <a:p>
             <a:fld id="{57E13E19-9712-4C08-A35C-78B78B9B3BC2}" type="datetimeFigureOut">
               <a:rPr lang="en-CA" smtClean="0"/>
-              <a:t>2015-02-11</a:t>
+              <a:t>2015-02-18</a:t>
             </a:fld>
             <a:endParaRPr lang="en-CA"/>
           </a:p>
@@ -1491,7 +1491,7 @@
           <a:p>
             <a:fld id="{57E13E19-9712-4C08-A35C-78B78B9B3BC2}" type="datetimeFigureOut">
               <a:rPr lang="en-CA" smtClean="0"/>
-              <a:t>2015-02-11</a:t>
+              <a:t>2015-02-18</a:t>
             </a:fld>
             <a:endParaRPr lang="en-CA"/>
           </a:p>
@@ -1779,7 +1779,7 @@
           <a:p>
             <a:fld id="{57E13E19-9712-4C08-A35C-78B78B9B3BC2}" type="datetimeFigureOut">
               <a:rPr lang="en-CA" smtClean="0"/>
-              <a:t>2015-02-11</a:t>
+              <a:t>2015-02-18</a:t>
             </a:fld>
             <a:endParaRPr lang="en-CA"/>
           </a:p>
@@ -2201,7 +2201,7 @@
           <a:p>
             <a:fld id="{57E13E19-9712-4C08-A35C-78B78B9B3BC2}" type="datetimeFigureOut">
               <a:rPr lang="en-CA" smtClean="0"/>
-              <a:t>2015-02-11</a:t>
+              <a:t>2015-02-18</a:t>
             </a:fld>
             <a:endParaRPr lang="en-CA"/>
           </a:p>
@@ -2319,7 +2319,7 @@
           <a:p>
             <a:fld id="{57E13E19-9712-4C08-A35C-78B78B9B3BC2}" type="datetimeFigureOut">
               <a:rPr lang="en-CA" smtClean="0"/>
-              <a:t>2015-02-11</a:t>
+              <a:t>2015-02-18</a:t>
             </a:fld>
             <a:endParaRPr lang="en-CA"/>
           </a:p>
@@ -2414,7 +2414,7 @@
           <a:p>
             <a:fld id="{57E13E19-9712-4C08-A35C-78B78B9B3BC2}" type="datetimeFigureOut">
               <a:rPr lang="en-CA" smtClean="0"/>
-              <a:t>2015-02-11</a:t>
+              <a:t>2015-02-18</a:t>
             </a:fld>
             <a:endParaRPr lang="en-CA"/>
           </a:p>
@@ -2691,7 +2691,7 @@
           <a:p>
             <a:fld id="{57E13E19-9712-4C08-A35C-78B78B9B3BC2}" type="datetimeFigureOut">
               <a:rPr lang="en-CA" smtClean="0"/>
-              <a:t>2015-02-11</a:t>
+              <a:t>2015-02-18</a:t>
             </a:fld>
             <a:endParaRPr lang="en-CA"/>
           </a:p>
@@ -2944,7 +2944,7 @@
           <a:p>
             <a:fld id="{57E13E19-9712-4C08-A35C-78B78B9B3BC2}" type="datetimeFigureOut">
               <a:rPr lang="en-CA" smtClean="0"/>
-              <a:t>2015-02-11</a:t>
+              <a:t>2015-02-18</a:t>
             </a:fld>
             <a:endParaRPr lang="en-CA"/>
           </a:p>
@@ -3157,7 +3157,7 @@
           <a:p>
             <a:fld id="{57E13E19-9712-4C08-A35C-78B78B9B3BC2}" type="datetimeFigureOut">
               <a:rPr lang="en-CA" smtClean="0"/>
-              <a:t>2015-02-11</a:t>
+              <a:t>2015-02-18</a:t>
             </a:fld>
             <a:endParaRPr lang="en-CA"/>
           </a:p>
@@ -3542,15 +3542,17 @@
         </p:nvSpPr>
         <p:spPr>
           <a:xfrm>
-            <a:off x="271719" y="1568028"/>
-            <a:ext cx="6748553" cy="3949204"/>
+            <a:off x="271719" y="1015292"/>
+            <a:ext cx="6748553" cy="4573947"/>
           </a:xfrm>
           <a:prstGeom prst="roundRect">
             <a:avLst>
-              <a:gd name="adj" fmla="val 11757"/>
+              <a:gd name="adj" fmla="val 2079"/>
             </a:avLst>
           </a:prstGeom>
-          <a:noFill/>
+          <a:solidFill>
+            <a:srgbClr val="FCFCFC"/>
+          </a:solidFill>
           <a:ln>
             <a:solidFill>
               <a:schemeClr val="accent1">
@@ -3588,37 +3590,143 @@
               </a:rPr>
               <a:t>AWS</a:t>
             </a:r>
-            <a:endParaRPr lang="en-CA" sz="1200" b="1" dirty="0" smtClean="0">
+          </a:p>
+        </p:txBody>
+      </p:sp>
+      <p:grpSp>
+        <p:nvGrpSpPr>
+          <p:cNvPr id="135" name="Group 134"/>
+          <p:cNvGrpSpPr/>
+          <p:nvPr/>
+        </p:nvGrpSpPr>
+        <p:grpSpPr>
+          <a:xfrm>
+            <a:off x="7470831" y="315335"/>
+            <a:ext cx="1373607" cy="831979"/>
+            <a:chOff x="7470833" y="446111"/>
+            <a:chExt cx="1373607" cy="831979"/>
+          </a:xfrm>
+        </p:grpSpPr>
+        <p:pic>
+          <p:nvPicPr>
+            <p:cNvPr id="134" name="Picture 133"/>
+            <p:cNvPicPr>
+              <a:picLocks noChangeAspect="1"/>
+            </p:cNvPicPr>
+            <p:nvPr/>
+          </p:nvPicPr>
+          <p:blipFill>
+            <a:blip r:embed="rId4">
+              <a:extLst>
+                <a:ext uri="{28A0092B-C50C-407E-A947-70E740481C1C}">
+                  <a14:useLocalDpi xmlns:a14="http://schemas.microsoft.com/office/drawing/2010/main" val="0"/>
+                </a:ext>
+              </a:extLst>
+            </a:blip>
+            <a:stretch>
+              <a:fillRect/>
+            </a:stretch>
+          </p:blipFill>
+          <p:spPr>
+            <a:xfrm>
+              <a:off x="7654672" y="546894"/>
+              <a:ext cx="1005927" cy="525826"/>
+            </a:xfrm>
+            <a:prstGeom prst="rect">
+              <a:avLst/>
+            </a:prstGeom>
+          </p:spPr>
+        </p:pic>
+        <p:sp>
+          <p:nvSpPr>
+            <p:cNvPr id="141" name="Rounded Rectangle 140">
+              <a:hlinkClick r:id="rId3"/>
+            </p:cNvPr>
+            <p:cNvSpPr/>
+            <p:nvPr/>
+          </p:nvSpPr>
+          <p:spPr>
+            <a:xfrm>
+              <a:off x="7470833" y="446111"/>
+              <a:ext cx="1373607" cy="831979"/>
+            </a:xfrm>
+            <a:prstGeom prst="roundRect">
+              <a:avLst>
+                <a:gd name="adj" fmla="val 11757"/>
+              </a:avLst>
+            </a:prstGeom>
+            <a:noFill/>
+            <a:ln>
               <a:solidFill>
-                <a:schemeClr val="tx1"/>
+                <a:schemeClr val="accent1">
+                  <a:lumMod val="40000"/>
+                  <a:lumOff val="60000"/>
+                </a:schemeClr>
               </a:solidFill>
-            </a:endParaRPr>
-          </a:p>
-        </p:txBody>
-      </p:sp>
-      <p:sp>
-        <p:nvSpPr>
-          <p:cNvPr id="126" name="Rounded Rectangle 125">
-            <a:hlinkClick r:id="rId4"/>
+            </a:ln>
+          </p:spPr>
+          <p:style>
+            <a:lnRef idx="2">
+              <a:schemeClr val="accent1">
+                <a:shade val="50000"/>
+              </a:schemeClr>
+            </a:lnRef>
+            <a:fillRef idx="1">
+              <a:schemeClr val="accent1"/>
+            </a:fillRef>
+            <a:effectRef idx="0">
+              <a:schemeClr val="accent1"/>
+            </a:effectRef>
+            <a:fontRef idx="minor">
+              <a:schemeClr val="lt1"/>
+            </a:fontRef>
+          </p:style>
+          <p:txBody>
+            <a:bodyPr rtlCol="0" anchor="b" anchorCtr="0"/>
+            <a:lstStyle/>
+            <a:p>
+              <a:pPr algn="ctr"/>
+              <a:r>
+                <a:rPr lang="en-CA" sz="1200" b="1" dirty="0" smtClean="0">
+                  <a:solidFill>
+                    <a:schemeClr val="tx1"/>
+                  </a:solidFill>
+                </a:rPr>
+                <a:t>Mail Server</a:t>
+              </a:r>
+              <a:endParaRPr lang="en-CA" sz="1200" b="1" dirty="0" smtClean="0">
+                <a:solidFill>
+                  <a:schemeClr val="tx1"/>
+                </a:solidFill>
+              </a:endParaRPr>
+            </a:p>
+          </p:txBody>
+        </p:sp>
+      </p:grpSp>
+      <p:sp>
+        <p:nvSpPr>
+          <p:cNvPr id="52" name="Rounded Rectangle 51">
+            <a:hlinkClick r:id="rId5"/>
           </p:cNvPr>
           <p:cNvSpPr/>
           <p:nvPr/>
         </p:nvSpPr>
         <p:spPr>
           <a:xfrm>
-            <a:off x="1580786" y="1717885"/>
-            <a:ext cx="2559166" cy="1519129"/>
+            <a:off x="4161488" y="1161417"/>
+            <a:ext cx="1373719" cy="1519129"/>
           </a:xfrm>
           <a:prstGeom prst="roundRect">
-            <a:avLst/>
+            <a:avLst>
+              <a:gd name="adj" fmla="val 0"/>
+            </a:avLst>
           </a:prstGeom>
-          <a:noFill/>
+          <a:solidFill>
+            <a:srgbClr val="FCFCFC"/>
+          </a:solidFill>
           <a:ln>
             <a:solidFill>
-              <a:schemeClr val="accent1">
-                <a:lumMod val="40000"/>
-                <a:lumOff val="60000"/>
-              </a:schemeClr>
+              <a:srgbClr val="74B73F"/>
             </a:solidFill>
           </a:ln>
         </p:spPr>
@@ -3639,44 +3747,42 @@
           </a:fontRef>
         </p:style>
         <p:txBody>
-          <a:bodyPr rtlCol="0" anchor="t" anchorCtr="0"/>
+          <a:bodyPr rtlCol="0" anchor="b" anchorCtr="0"/>
           <a:lstStyle/>
           <a:p>
             <a:pPr algn="ctr"/>
-            <a:r>
-              <a:rPr lang="en-CA" sz="1200" b="1" dirty="0" smtClean="0">
-                <a:solidFill>
-                  <a:schemeClr val="tx1"/>
-                </a:solidFill>
-              </a:rPr>
-              <a:t>ETL Machine</a:t>
-            </a:r>
-          </a:p>
-        </p:txBody>
-      </p:sp>
-      <p:sp>
-        <p:nvSpPr>
-          <p:cNvPr id="84" name="Rounded Rectangle 83">
-            <a:hlinkClick r:id="rId4"/>
+            <a:endParaRPr lang="en-CA" sz="1200" b="1" dirty="0" smtClean="0">
+              <a:solidFill>
+                <a:schemeClr val="tx1"/>
+              </a:solidFill>
+            </a:endParaRPr>
+          </a:p>
+        </p:txBody>
+      </p:sp>
+      <p:sp>
+        <p:nvSpPr>
+          <p:cNvPr id="51" name="Rounded Rectangle 50">
+            <a:hlinkClick r:id="rId5"/>
           </p:cNvPr>
           <p:cNvSpPr/>
           <p:nvPr/>
         </p:nvSpPr>
         <p:spPr>
           <a:xfrm>
-            <a:off x="4434934" y="1717888"/>
-            <a:ext cx="1377143" cy="1460900"/>
+            <a:off x="4096168" y="1223048"/>
+            <a:ext cx="1377143" cy="1519129"/>
           </a:xfrm>
           <a:prstGeom prst="roundRect">
-            <a:avLst/>
+            <a:avLst>
+              <a:gd name="adj" fmla="val 0"/>
+            </a:avLst>
           </a:prstGeom>
-          <a:noFill/>
+          <a:solidFill>
+            <a:srgbClr val="FCFCFC"/>
+          </a:solidFill>
           <a:ln>
             <a:solidFill>
-              <a:schemeClr val="accent1">
-                <a:lumMod val="40000"/>
-                <a:lumOff val="60000"/>
-              </a:schemeClr>
+              <a:srgbClr val="74B73F"/>
             </a:solidFill>
           </a:ln>
         </p:spPr>
@@ -3701,6 +3807,276 @@
           <a:lstStyle/>
           <a:p>
             <a:pPr algn="ctr"/>
+            <a:endParaRPr lang="en-CA" sz="1200" b="1" dirty="0" smtClean="0">
+              <a:solidFill>
+                <a:schemeClr val="tx1"/>
+              </a:solidFill>
+            </a:endParaRPr>
+          </a:p>
+        </p:txBody>
+      </p:sp>
+      <p:sp>
+        <p:nvSpPr>
+          <p:cNvPr id="47" name="Rounded Rectangle 46">
+            <a:hlinkClick r:id="rId5"/>
+          </p:cNvPr>
+          <p:cNvSpPr/>
+          <p:nvPr/>
+        </p:nvSpPr>
+        <p:spPr>
+          <a:xfrm>
+            <a:off x="1742783" y="1164975"/>
+            <a:ext cx="1397633" cy="1519129"/>
+          </a:xfrm>
+          <a:prstGeom prst="roundRect">
+            <a:avLst>
+              <a:gd name="adj" fmla="val 0"/>
+            </a:avLst>
+          </a:prstGeom>
+          <a:solidFill>
+            <a:srgbClr val="FCFCFC"/>
+          </a:solidFill>
+          <a:ln>
+            <a:solidFill>
+              <a:schemeClr val="accent1">
+                <a:lumMod val="75000"/>
+              </a:schemeClr>
+            </a:solidFill>
+            <a:round/>
+          </a:ln>
+          <a:effectLst>
+            <a:outerShdw blurRad="127000" dist="50800" dir="2640000" algn="ctr" rotWithShape="0">
+              <a:srgbClr val="000000">
+                <a:alpha val="34000"/>
+              </a:srgbClr>
+            </a:outerShdw>
+          </a:effectLst>
+        </p:spPr>
+        <p:style>
+          <a:lnRef idx="2">
+            <a:schemeClr val="accent1">
+              <a:shade val="50000"/>
+            </a:schemeClr>
+          </a:lnRef>
+          <a:fillRef idx="1">
+            <a:schemeClr val="accent1"/>
+          </a:fillRef>
+          <a:effectRef idx="0">
+            <a:schemeClr val="accent1"/>
+          </a:effectRef>
+          <a:fontRef idx="minor">
+            <a:schemeClr val="lt1"/>
+          </a:fontRef>
+        </p:style>
+        <p:txBody>
+          <a:bodyPr rtlCol="0" anchor="t" anchorCtr="0"/>
+          <a:lstStyle/>
+          <a:p>
+            <a:pPr algn="ctr"/>
+            <a:endParaRPr lang="en-CA" sz="1200" b="1" dirty="0" smtClean="0">
+              <a:solidFill>
+                <a:schemeClr val="tx1"/>
+              </a:solidFill>
+            </a:endParaRPr>
+          </a:p>
+        </p:txBody>
+      </p:sp>
+      <p:sp>
+        <p:nvSpPr>
+          <p:cNvPr id="46" name="Rounded Rectangle 45">
+            <a:hlinkClick r:id="rId5"/>
+          </p:cNvPr>
+          <p:cNvSpPr/>
+          <p:nvPr/>
+        </p:nvSpPr>
+        <p:spPr>
+          <a:xfrm>
+            <a:off x="1661328" y="1226606"/>
+            <a:ext cx="1407080" cy="1519129"/>
+          </a:xfrm>
+          <a:prstGeom prst="roundRect">
+            <a:avLst>
+              <a:gd name="adj" fmla="val 0"/>
+            </a:avLst>
+          </a:prstGeom>
+          <a:solidFill>
+            <a:srgbClr val="FCFCFC"/>
+          </a:solidFill>
+          <a:ln>
+            <a:solidFill>
+              <a:schemeClr val="accent1">
+                <a:lumMod val="75000"/>
+              </a:schemeClr>
+            </a:solidFill>
+            <a:round/>
+          </a:ln>
+          <a:effectLst>
+            <a:outerShdw blurRad="127000" dist="50800" dir="2640000" algn="ctr" rotWithShape="0">
+              <a:srgbClr val="000000">
+                <a:alpha val="34000"/>
+              </a:srgbClr>
+            </a:outerShdw>
+          </a:effectLst>
+        </p:spPr>
+        <p:style>
+          <a:lnRef idx="2">
+            <a:schemeClr val="accent1">
+              <a:shade val="50000"/>
+            </a:schemeClr>
+          </a:lnRef>
+          <a:fillRef idx="1">
+            <a:schemeClr val="accent1"/>
+          </a:fillRef>
+          <a:effectRef idx="0">
+            <a:schemeClr val="accent1"/>
+          </a:effectRef>
+          <a:fontRef idx="minor">
+            <a:schemeClr val="lt1"/>
+          </a:fontRef>
+        </p:style>
+        <p:txBody>
+          <a:bodyPr rtlCol="0" anchor="t" anchorCtr="0"/>
+          <a:lstStyle/>
+          <a:p>
+            <a:pPr algn="ctr"/>
+            <a:endParaRPr lang="en-CA" sz="1200" b="1" dirty="0" smtClean="0">
+              <a:solidFill>
+                <a:schemeClr val="tx1"/>
+              </a:solidFill>
+            </a:endParaRPr>
+          </a:p>
+        </p:txBody>
+      </p:sp>
+      <p:sp>
+        <p:nvSpPr>
+          <p:cNvPr id="126" name="Rounded Rectangle 125">
+            <a:hlinkClick r:id="rId5"/>
+          </p:cNvPr>
+          <p:cNvSpPr/>
+          <p:nvPr/>
+        </p:nvSpPr>
+        <p:spPr>
+          <a:xfrm>
+            <a:off x="1589362" y="1292421"/>
+            <a:ext cx="1407038" cy="1519129"/>
+          </a:xfrm>
+          <a:prstGeom prst="roundRect">
+            <a:avLst>
+              <a:gd name="adj" fmla="val 0"/>
+            </a:avLst>
+          </a:prstGeom>
+          <a:solidFill>
+            <a:srgbClr val="FCFCFC"/>
+          </a:solidFill>
+          <a:ln>
+            <a:solidFill>
+              <a:schemeClr val="accent1">
+                <a:lumMod val="75000"/>
+              </a:schemeClr>
+            </a:solidFill>
+            <a:round/>
+          </a:ln>
+          <a:effectLst>
+            <a:outerShdw blurRad="127000" dist="50800" dir="2640000" algn="ctr" rotWithShape="0">
+              <a:srgbClr val="000000">
+                <a:alpha val="34000"/>
+              </a:srgbClr>
+            </a:outerShdw>
+          </a:effectLst>
+        </p:spPr>
+        <p:style>
+          <a:lnRef idx="2">
+            <a:schemeClr val="accent1">
+              <a:shade val="50000"/>
+            </a:schemeClr>
+          </a:lnRef>
+          <a:fillRef idx="1">
+            <a:schemeClr val="accent1"/>
+          </a:fillRef>
+          <a:effectRef idx="0">
+            <a:schemeClr val="accent1"/>
+          </a:effectRef>
+          <a:fontRef idx="minor">
+            <a:schemeClr val="lt1"/>
+          </a:fontRef>
+        </p:style>
+        <p:txBody>
+          <a:bodyPr rtlCol="0" anchor="t" anchorCtr="0"/>
+          <a:lstStyle/>
+          <a:p>
+            <a:pPr algn="ctr"/>
+            <a:r>
+              <a:rPr lang="en-CA" sz="1200" b="1" dirty="0" smtClean="0">
+                <a:solidFill>
+                  <a:schemeClr val="tx1"/>
+                </a:solidFill>
+              </a:rPr>
+              <a:t>ETL </a:t>
+            </a:r>
+            <a:r>
+              <a:rPr lang="en-CA" sz="1200" b="1" dirty="0" smtClean="0">
+                <a:solidFill>
+                  <a:schemeClr val="tx1"/>
+                </a:solidFill>
+              </a:rPr>
+              <a:t>Machines</a:t>
+            </a:r>
+            <a:endParaRPr lang="en-CA" sz="1200" b="1" dirty="0" smtClean="0">
+              <a:solidFill>
+                <a:schemeClr val="tx1"/>
+              </a:solidFill>
+            </a:endParaRPr>
+          </a:p>
+        </p:txBody>
+      </p:sp>
+      <p:sp>
+        <p:nvSpPr>
+          <p:cNvPr id="84" name="Rounded Rectangle 83">
+            <a:hlinkClick r:id="rId5"/>
+          </p:cNvPr>
+          <p:cNvSpPr/>
+          <p:nvPr/>
+        </p:nvSpPr>
+        <p:spPr>
+          <a:xfrm>
+            <a:off x="4038564" y="1288867"/>
+            <a:ext cx="1377143" cy="1519126"/>
+          </a:xfrm>
+          <a:prstGeom prst="roundRect">
+            <a:avLst>
+              <a:gd name="adj" fmla="val 0"/>
+            </a:avLst>
+          </a:prstGeom>
+          <a:solidFill>
+            <a:srgbClr val="FCFCFC"/>
+          </a:solidFill>
+          <a:ln>
+            <a:solidFill>
+              <a:srgbClr val="74B73F"/>
+            </a:solidFill>
+          </a:ln>
+        </p:spPr>
+        <p:style>
+          <a:lnRef idx="2">
+            <a:schemeClr val="accent1">
+              <a:shade val="50000"/>
+            </a:schemeClr>
+          </a:lnRef>
+          <a:fillRef idx="1">
+            <a:schemeClr val="accent1"/>
+          </a:fillRef>
+          <a:effectRef idx="0">
+            <a:schemeClr val="accent1"/>
+          </a:effectRef>
+          <a:fontRef idx="minor">
+            <a:schemeClr val="lt1"/>
+          </a:fontRef>
+        </p:style>
+        <p:txBody>
+          <a:bodyPr rtlCol="0" anchor="b" anchorCtr="0"/>
+          <a:lstStyle/>
+          <a:p>
+            <a:pPr algn="ctr"/>
             <a:r>
               <a:rPr lang="en-CA" sz="1200" b="1" dirty="0" smtClean="0">
                 <a:solidFill>
@@ -3720,7 +4096,7 @@
         </p:nvGrpSpPr>
         <p:grpSpPr>
           <a:xfrm>
-            <a:off x="4580576" y="1787560"/>
+            <a:off x="4184206" y="1358539"/>
             <a:ext cx="1070483" cy="936115"/>
             <a:chOff x="1944668" y="1262408"/>
             <a:chExt cx="875038" cy="670402"/>
@@ -3735,7 +4111,7 @@
             <p:nvPr/>
           </p:nvPicPr>
           <p:blipFill>
-            <a:blip r:embed="rId5" cstate="print">
+            <a:blip r:embed="rId6" cstate="print">
               <a:extLst>
                 <a:ext uri="{28A0092B-C50C-407E-A947-70E740481C1C}">
                   <a14:useLocalDpi xmlns:a14="http://schemas.microsoft.com/office/drawing/2010/main" val="0"/>
@@ -3765,7 +4141,7 @@
             <p:nvPr/>
           </p:nvPicPr>
           <p:blipFill>
-            <a:blip r:embed="rId5" cstate="print">
+            <a:blip r:embed="rId6" cstate="print">
               <a:extLst>
                 <a:ext uri="{28A0092B-C50C-407E-A947-70E740481C1C}">
                   <a14:useLocalDpi xmlns:a14="http://schemas.microsoft.com/office/drawing/2010/main" val="0"/>
@@ -3795,7 +4171,7 @@
             <p:nvPr/>
           </p:nvPicPr>
           <p:blipFill>
-            <a:blip r:embed="rId5" cstate="print">
+            <a:blip r:embed="rId6" cstate="print">
               <a:extLst>
                 <a:ext uri="{28A0092B-C50C-407E-A947-70E740481C1C}">
                   <a14:useLocalDpi xmlns:a14="http://schemas.microsoft.com/office/drawing/2010/main" val="0"/>
@@ -3820,15 +4196,15 @@
       <p:sp>
         <p:nvSpPr>
           <p:cNvPr id="94" name="Rounded Rectangle 93">
-            <a:hlinkClick r:id="rId6"/>
+            <a:hlinkClick r:id="rId7"/>
           </p:cNvPr>
           <p:cNvSpPr/>
           <p:nvPr/>
         </p:nvSpPr>
         <p:spPr>
           <a:xfrm>
-            <a:off x="6156176" y="1717886"/>
-            <a:ext cx="665621" cy="1460900"/>
+            <a:off x="6164752" y="1299262"/>
+            <a:ext cx="665621" cy="1498337"/>
           </a:xfrm>
           <a:prstGeom prst="roundRect">
             <a:avLst/>
@@ -3957,14 +4333,14 @@
       <p:sp>
         <p:nvSpPr>
           <p:cNvPr id="39" name="Rounded Rectangle 38">
-            <a:hlinkClick r:id="rId6"/>
+            <a:hlinkClick r:id="rId7"/>
           </p:cNvPr>
           <p:cNvSpPr/>
           <p:nvPr/>
         </p:nvSpPr>
         <p:spPr>
           <a:xfrm>
-            <a:off x="6020935" y="5772626"/>
+            <a:off x="7780908" y="4191120"/>
             <a:ext cx="936105" cy="334776"/>
           </a:xfrm>
           <a:prstGeom prst="roundRect">
@@ -4044,7 +4420,7 @@
           <p:nvPr/>
         </p:nvPicPr>
         <p:blipFill>
-          <a:blip r:embed="rId7" cstate="print">
+          <a:blip r:embed="rId8" cstate="print">
             <a:extLst>
               <a:ext uri="{28A0092B-C50C-407E-A947-70E740481C1C}">
                 <a14:useLocalDpi xmlns:a14="http://schemas.microsoft.com/office/drawing/2010/main" val="0"/>
@@ -4075,7 +4451,7 @@
         </p:nvCxnSpPr>
         <p:spPr>
           <a:xfrm rot="10800000">
-            <a:off x="271719" y="2099598"/>
+            <a:off x="248020" y="5332517"/>
             <a:ext cx="238994" cy="1"/>
           </a:xfrm>
           <a:prstGeom prst="bentConnector3">
@@ -4113,7 +4489,7 @@
         </p:nvGrpSpPr>
         <p:grpSpPr>
           <a:xfrm>
-            <a:off x="2502291" y="3969401"/>
+            <a:off x="2787950" y="3542691"/>
             <a:ext cx="999734" cy="1367562"/>
             <a:chOff x="7682389" y="870322"/>
             <a:chExt cx="1238982" cy="1684280"/>
@@ -4128,7 +4504,7 @@
             <p:nvPr/>
           </p:nvPicPr>
           <p:blipFill>
-            <a:blip r:embed="rId8" cstate="print">
+            <a:blip r:embed="rId9" cstate="print">
               <a:extLst>
                 <a:ext uri="{28A0092B-C50C-407E-A947-70E740481C1C}">
                   <a14:useLocalDpi xmlns:a14="http://schemas.microsoft.com/office/drawing/2010/main" val="0"/>
@@ -4183,7 +4559,6 @@
                 <a:rPr lang="en-CA" sz="1200" b="1" dirty="0" smtClean="0"/>
                 <a:t>Intermediate</a:t>
               </a:r>
-              <a:endParaRPr lang="en-CA" sz="1200" b="1" dirty="0" smtClean="0"/>
             </a:p>
           </p:txBody>
         </p:sp>
@@ -4196,7 +4571,7 @@
         </p:nvGrpSpPr>
         <p:grpSpPr>
           <a:xfrm>
-            <a:off x="341047" y="3641256"/>
+            <a:off x="349623" y="3215792"/>
             <a:ext cx="610473" cy="1168633"/>
             <a:chOff x="7682389" y="870322"/>
             <a:chExt cx="701475" cy="1476117"/>
@@ -4211,7 +4586,7 @@
             <p:nvPr/>
           </p:nvPicPr>
           <p:blipFill>
-            <a:blip r:embed="rId9" cstate="print">
+            <a:blip r:embed="rId10" cstate="print">
               <a:extLst>
                 <a:ext uri="{28A0092B-C50C-407E-A947-70E740481C1C}">
                   <a14:useLocalDpi xmlns:a14="http://schemas.microsoft.com/office/drawing/2010/main" val="0"/>
@@ -4273,7 +4648,6 @@
                 <a:rPr lang="en-CA" sz="1200" b="1" dirty="0" smtClean="0"/>
                 <a:t>Logs</a:t>
               </a:r>
-              <a:endParaRPr lang="en-CA" sz="1200" b="1" dirty="0" smtClean="0"/>
             </a:p>
           </p:txBody>
         </p:sp>
@@ -4281,14 +4655,14 @@
       <p:sp>
         <p:nvSpPr>
           <p:cNvPr id="79" name="Rounded Rectangle 78">
-            <a:hlinkClick r:id="rId6"/>
+            <a:hlinkClick r:id="rId7"/>
           </p:cNvPr>
           <p:cNvSpPr/>
           <p:nvPr/>
         </p:nvSpPr>
         <p:spPr>
           <a:xfrm>
-            <a:off x="510713" y="1932210"/>
+            <a:off x="487014" y="5165129"/>
             <a:ext cx="936105" cy="334776"/>
           </a:xfrm>
           <a:prstGeom prst="roundRect">
@@ -4349,7 +4723,22 @@
                   <a:schemeClr val="tx1"/>
                 </a:solidFill>
               </a:rPr>
-              <a:t>Pulse Logger</a:t>
+              <a:t>Pulse</a:t>
+            </a:r>
+            <a:br>
+              <a:rPr lang="en-CA" sz="1200" b="1" dirty="0" smtClean="0">
+                <a:solidFill>
+                  <a:schemeClr val="tx1"/>
+                </a:solidFill>
+              </a:rPr>
+            </a:br>
+            <a:r>
+              <a:rPr lang="en-CA" sz="1200" b="1" dirty="0" smtClean="0">
+                <a:solidFill>
+                  <a:schemeClr val="tx1"/>
+                </a:solidFill>
+              </a:rPr>
+              <a:t>Logger</a:t>
             </a:r>
             <a:endParaRPr lang="en-CA" sz="1200" b="1" dirty="0">
               <a:solidFill>
@@ -4362,14 +4751,14 @@
       <p:sp>
         <p:nvSpPr>
           <p:cNvPr id="80" name="Rounded Rectangle 79">
-            <a:hlinkClick r:id="rId6"/>
+            <a:hlinkClick r:id="rId7"/>
           </p:cNvPr>
           <p:cNvSpPr/>
           <p:nvPr/>
         </p:nvSpPr>
         <p:spPr>
           <a:xfrm>
-            <a:off x="1714753" y="2647349"/>
+            <a:off x="1824830" y="2221887"/>
             <a:ext cx="936105" cy="334776"/>
           </a:xfrm>
           <a:prstGeom prst="roundRect">
@@ -4450,13 +4839,13 @@
           <p:nvPr/>
         </p:nvCxnSpPr>
         <p:spPr>
-          <a:xfrm rot="10800000" flipH="1">
-            <a:off x="341045" y="2099599"/>
-            <a:ext cx="169667" cy="1819335"/>
+          <a:xfrm rot="10800000" flipH="1" flipV="1">
+            <a:off x="349622" y="3493469"/>
+            <a:ext cx="137391" cy="1839048"/>
           </a:xfrm>
           <a:prstGeom prst="bentConnector3">
             <a:avLst>
-              <a:gd name="adj1" fmla="val -134735"/>
+              <a:gd name="adj1" fmla="val -166386"/>
             </a:avLst>
           </a:prstGeom>
           <a:ln w="31750">
@@ -4492,8 +4881,8 @@
         </p:nvCxnSpPr>
         <p:spPr>
           <a:xfrm rot="5400000" flipH="1" flipV="1">
-            <a:off x="1012550" y="3216732"/>
-            <a:ext cx="1104197" cy="300209"/>
+            <a:off x="1071878" y="2740518"/>
+            <a:ext cx="1104195" cy="401710"/>
           </a:xfrm>
           <a:prstGeom prst="bentConnector2">
             <a:avLst/>
@@ -4531,8 +4920,8 @@
         </p:nvCxnSpPr>
         <p:spPr>
           <a:xfrm rot="10800000">
-            <a:off x="5123507" y="3178788"/>
-            <a:ext cx="897429" cy="2761226"/>
+            <a:off x="4727136" y="2807994"/>
+            <a:ext cx="3053772" cy="1550515"/>
           </a:xfrm>
           <a:prstGeom prst="bentConnector2">
             <a:avLst/>
@@ -4569,7 +4958,7 @@
         </p:nvCxnSpPr>
         <p:spPr>
           <a:xfrm rot="10800000" flipV="1">
-            <a:off x="5718427" y="5940013"/>
+            <a:off x="7478400" y="4358507"/>
             <a:ext cx="302509" cy="1"/>
           </a:xfrm>
           <a:prstGeom prst="bentConnector3">
@@ -4609,7 +4998,7 @@
         </p:nvCxnSpPr>
         <p:spPr>
           <a:xfrm rot="5400000" flipH="1" flipV="1">
-            <a:off x="617153" y="2843866"/>
+            <a:off x="625729" y="2418402"/>
             <a:ext cx="826520" cy="768260"/>
           </a:xfrm>
           <a:prstGeom prst="bentConnector3">
@@ -4642,13 +5031,15 @@
       <p:cxnSp>
         <p:nvCxnSpPr>
           <p:cNvPr id="115" name="Elbow Connector 114"/>
-          <p:cNvCxnSpPr/>
+          <p:cNvCxnSpPr>
+            <a:endCxn id="80" idx="1"/>
+          </p:cNvCxnSpPr>
           <p:nvPr/>
         </p:nvCxnSpPr>
         <p:spPr>
           <a:xfrm>
-            <a:off x="1446818" y="2814737"/>
-            <a:ext cx="267937" cy="2"/>
+            <a:off x="1455394" y="2389274"/>
+            <a:ext cx="369436" cy="1"/>
           </a:xfrm>
           <a:prstGeom prst="bentConnector3">
             <a:avLst>
@@ -4680,14 +5071,14 @@
       <p:sp>
         <p:nvSpPr>
           <p:cNvPr id="145" name="Rounded Rectangle 144">
-            <a:hlinkClick r:id="rId6"/>
+            <a:hlinkClick r:id="rId7"/>
           </p:cNvPr>
           <p:cNvSpPr/>
           <p:nvPr/>
         </p:nvSpPr>
         <p:spPr>
           <a:xfrm>
-            <a:off x="2984729" y="2280948"/>
+            <a:off x="1824828" y="1784970"/>
             <a:ext cx="936105" cy="334776"/>
           </a:xfrm>
           <a:prstGeom prst="roundRect">
@@ -4760,87 +5151,6 @@
       </p:sp>
       <p:cxnSp>
         <p:nvCxnSpPr>
-          <p:cNvPr id="155" name="Elbow Connector 154"/>
-          <p:cNvCxnSpPr>
-            <a:stCxn id="262" idx="0"/>
-            <a:endCxn id="80" idx="2"/>
-          </p:cNvCxnSpPr>
-          <p:nvPr/>
-        </p:nvCxnSpPr>
-        <p:spPr>
-          <a:xfrm rot="16200000" flipV="1">
-            <a:off x="1877778" y="3287153"/>
-            <a:ext cx="610232" cy="175"/>
-          </a:xfrm>
-          <a:prstGeom prst="bentConnector3">
-            <a:avLst>
-              <a:gd name="adj1" fmla="val 50000"/>
-            </a:avLst>
-          </a:prstGeom>
-          <a:ln w="31750">
-            <a:solidFill>
-              <a:schemeClr val="tx1"/>
-            </a:solidFill>
-            <a:tailEnd type="none"/>
-          </a:ln>
-        </p:spPr>
-        <p:style>
-          <a:lnRef idx="1">
-            <a:schemeClr val="accent1"/>
-          </a:lnRef>
-          <a:fillRef idx="0">
-            <a:schemeClr val="accent1"/>
-          </a:fillRef>
-          <a:effectRef idx="0">
-            <a:schemeClr val="accent1"/>
-          </a:effectRef>
-          <a:fontRef idx="minor">
-            <a:schemeClr val="tx1"/>
-          </a:fontRef>
-        </p:style>
-      </p:cxnSp>
-      <p:cxnSp>
-        <p:nvCxnSpPr>
-          <p:cNvPr id="161" name="Elbow Connector 160"/>
-          <p:cNvCxnSpPr>
-            <a:stCxn id="80" idx="2"/>
-          </p:cNvCxnSpPr>
-          <p:nvPr/>
-        </p:nvCxnSpPr>
-        <p:spPr>
-          <a:xfrm rot="16200000" flipH="1">
-            <a:off x="2055448" y="3109482"/>
-            <a:ext cx="254889" cy="173"/>
-          </a:xfrm>
-          <a:prstGeom prst="bentConnector3">
-            <a:avLst>
-              <a:gd name="adj1" fmla="val 50000"/>
-            </a:avLst>
-          </a:prstGeom>
-          <a:ln w="31750">
-            <a:solidFill>
-              <a:schemeClr val="tx1"/>
-            </a:solidFill>
-            <a:tailEnd type="arrow"/>
-          </a:ln>
-        </p:spPr>
-        <p:style>
-          <a:lnRef idx="1">
-            <a:schemeClr val="accent1"/>
-          </a:lnRef>
-          <a:fillRef idx="0">
-            <a:schemeClr val="accent1"/>
-          </a:fillRef>
-          <a:effectRef idx="0">
-            <a:schemeClr val="accent1"/>
-          </a:effectRef>
-          <a:fontRef idx="minor">
-            <a:schemeClr val="tx1"/>
-          </a:fontRef>
-        </p:style>
-      </p:cxnSp>
-      <p:cxnSp>
-        <p:nvCxnSpPr>
           <p:cNvPr id="188" name="Elbow Connector 187"/>
           <p:cNvCxnSpPr>
             <a:stCxn id="84" idx="3"/>
@@ -4849,9 +5159,9 @@
           <p:nvPr/>
         </p:nvCxnSpPr>
         <p:spPr>
-          <a:xfrm flipV="1">
-            <a:off x="5812077" y="2448336"/>
-            <a:ext cx="344099" cy="2"/>
+          <a:xfrm>
+            <a:off x="5415707" y="2048430"/>
+            <a:ext cx="749045" cy="1"/>
           </a:xfrm>
           <a:prstGeom prst="bentConnector3">
             <a:avLst>
@@ -4891,8 +5201,8 @@
         </p:nvCxnSpPr>
         <p:spPr>
           <a:xfrm>
-            <a:off x="6821797" y="2448336"/>
-            <a:ext cx="716177" cy="2"/>
+            <a:off x="6830373" y="2048431"/>
+            <a:ext cx="707601" cy="399907"/>
           </a:xfrm>
           <a:prstGeom prst="bentConnector3">
             <a:avLst>
@@ -4925,21 +5235,18 @@
         <p:nvCxnSpPr>
           <p:cNvPr id="205" name="Elbow Connector 204"/>
           <p:cNvCxnSpPr>
-            <a:stCxn id="60" idx="3"/>
-            <a:endCxn id="145" idx="2"/>
+            <a:stCxn id="60" idx="0"/>
+            <a:endCxn id="145" idx="3"/>
           </p:cNvCxnSpPr>
           <p:nvPr/>
         </p:nvCxnSpPr>
         <p:spPr>
-          <a:xfrm flipH="1" flipV="1">
-            <a:off x="3452782" y="2615724"/>
-            <a:ext cx="49243" cy="1856677"/>
-          </a:xfrm>
-          <a:prstGeom prst="bentConnector4">
-            <a:avLst>
-              <a:gd name="adj1" fmla="val -464228"/>
-              <a:gd name="adj2" fmla="val 63546"/>
-            </a:avLst>
+          <a:xfrm rot="16200000" flipV="1">
+            <a:off x="2229209" y="2484083"/>
+            <a:ext cx="1590333" cy="526884"/>
+          </a:xfrm>
+          <a:prstGeom prst="bentConnector2">
+            <a:avLst/>
           </a:prstGeom>
           <a:ln w="31750">
             <a:solidFill>
@@ -4971,7 +5278,7 @@
         </p:nvGrpSpPr>
         <p:grpSpPr>
           <a:xfrm>
-            <a:off x="897852" y="3918934"/>
+            <a:off x="906428" y="3493470"/>
             <a:ext cx="1033383" cy="1423232"/>
             <a:chOff x="7682388" y="870322"/>
             <a:chExt cx="1205701" cy="1695375"/>
@@ -4986,7 +5293,7 @@
             <p:nvPr/>
           </p:nvPicPr>
           <p:blipFill>
-            <a:blip r:embed="rId8" cstate="print">
+            <a:blip r:embed="rId9" cstate="print">
               <a:extLst>
                 <a:ext uri="{28A0092B-C50C-407E-A947-70E740481C1C}">
                   <a14:useLocalDpi xmlns:a14="http://schemas.microsoft.com/office/drawing/2010/main" val="0"/>
@@ -5041,7 +5348,6 @@
                 <a:rPr lang="en-CA" sz="1200" b="1" dirty="0" smtClean="0"/>
                 <a:t>Structured Logs</a:t>
               </a:r>
-              <a:endParaRPr lang="en-CA" sz="1200" b="1" dirty="0" smtClean="0"/>
             </a:p>
           </p:txBody>
         </p:sp>
@@ -5050,14 +5356,14 @@
         <p:nvCxnSpPr>
           <p:cNvPr id="215" name="Elbow Connector 214"/>
           <p:cNvCxnSpPr>
-            <a:stCxn id="145" idx="3"/>
+            <a:stCxn id="145" idx="0"/>
           </p:cNvCxnSpPr>
           <p:nvPr/>
         </p:nvCxnSpPr>
         <p:spPr>
-          <a:xfrm flipV="1">
-            <a:off x="3920834" y="2448334"/>
-            <a:ext cx="266326" cy="2"/>
+          <a:xfrm rot="5400000" flipH="1" flipV="1">
+            <a:off x="2182085" y="1674172"/>
+            <a:ext cx="221594" cy="2"/>
           </a:xfrm>
           <a:prstGeom prst="bentConnector3">
             <a:avLst>
@@ -5091,18 +5397,19 @@
           <p:cNvPr id="216" name="Elbow Connector 215"/>
           <p:cNvCxnSpPr>
             <a:stCxn id="84" idx="1"/>
-            <a:endCxn id="145" idx="3"/>
+            <a:endCxn id="145" idx="0"/>
           </p:cNvCxnSpPr>
           <p:nvPr/>
         </p:nvCxnSpPr>
         <p:spPr>
           <a:xfrm rot="10800000">
-            <a:off x="3920834" y="2448336"/>
-            <a:ext cx="514100" cy="2"/>
-          </a:xfrm>
-          <a:prstGeom prst="bentConnector3">
+            <a:off x="2292882" y="1784970"/>
+            <a:ext cx="1745683" cy="263460"/>
+          </a:xfrm>
+          <a:prstGeom prst="bentConnector4">
             <a:avLst>
-              <a:gd name="adj1" fmla="val 50000"/>
+              <a:gd name="adj1" fmla="val 36594"/>
+              <a:gd name="adj2" fmla="val 186768"/>
             </a:avLst>
           </a:prstGeom>
           <a:ln w="31750">
@@ -5167,8 +5474,8 @@
         </p:nvCxnSpPr>
         <p:spPr>
           <a:xfrm rot="16200000" flipV="1">
-            <a:off x="2249176" y="3216419"/>
-            <a:ext cx="1154664" cy="351300"/>
+            <a:off x="2447668" y="2702542"/>
+            <a:ext cx="1153416" cy="526882"/>
           </a:xfrm>
           <a:prstGeom prst="bentConnector2">
             <a:avLst/>
@@ -5204,9 +5511,9 @@
           <p:nvPr/>
         </p:nvCxnSpPr>
         <p:spPr>
-          <a:xfrm>
-            <a:off x="2650858" y="2814737"/>
-            <a:ext cx="257032" cy="2"/>
+          <a:xfrm flipV="1">
+            <a:off x="2760935" y="2389272"/>
+            <a:ext cx="190538" cy="3"/>
           </a:xfrm>
           <a:prstGeom prst="bentConnector3">
             <a:avLst>
@@ -5246,8 +5553,8 @@
         </p:nvCxnSpPr>
         <p:spPr>
           <a:xfrm rot="16200000" flipH="1">
-            <a:off x="5192067" y="4475705"/>
-            <a:ext cx="2593840" cy="1"/>
+            <a:off x="6676502" y="2618660"/>
+            <a:ext cx="1393521" cy="1751398"/>
           </a:xfrm>
           <a:prstGeom prst="bentConnector3">
             <a:avLst>
@@ -5278,28 +5585,80 @@
       </p:cxnSp>
       <p:grpSp>
         <p:nvGrpSpPr>
-          <p:cNvPr id="281" name="Group 280"/>
+          <p:cNvPr id="129" name="Group 128"/>
           <p:cNvGrpSpPr/>
           <p:nvPr/>
         </p:nvGrpSpPr>
         <p:grpSpPr>
           <a:xfrm>
-            <a:off x="1928025" y="3641256"/>
-            <a:ext cx="610473" cy="1168633"/>
-            <a:chOff x="7682389" y="870322"/>
-            <a:chExt cx="701475" cy="1476117"/>
+            <a:off x="7709748" y="5332517"/>
+            <a:ext cx="967824" cy="1166217"/>
+            <a:chOff x="1147624" y="188640"/>
+            <a:chExt cx="967824" cy="1166217"/>
           </a:xfrm>
         </p:grpSpPr>
+        <p:sp>
+          <p:nvSpPr>
+            <p:cNvPr id="125" name="Rectangle 124"/>
+            <p:cNvSpPr/>
+            <p:nvPr/>
+          </p:nvSpPr>
+          <p:spPr>
+            <a:xfrm>
+              <a:off x="1147624" y="192388"/>
+              <a:ext cx="967824" cy="1162469"/>
+            </a:xfrm>
+            <a:prstGeom prst="rect">
+              <a:avLst/>
+            </a:prstGeom>
+            <a:solidFill>
+              <a:srgbClr val="2249B1"/>
+            </a:solidFill>
+            <a:ln>
+              <a:solidFill>
+                <a:schemeClr val="tx1"/>
+              </a:solidFill>
+            </a:ln>
+          </p:spPr>
+          <p:style>
+            <a:lnRef idx="2">
+              <a:schemeClr val="accent1">
+                <a:shade val="50000"/>
+              </a:schemeClr>
+            </a:lnRef>
+            <a:fillRef idx="1">
+              <a:schemeClr val="accent1"/>
+            </a:fillRef>
+            <a:effectRef idx="0">
+              <a:schemeClr val="accent1"/>
+            </a:effectRef>
+            <a:fontRef idx="minor">
+              <a:schemeClr val="lt1"/>
+            </a:fontRef>
+          </p:style>
+          <p:txBody>
+            <a:bodyPr rtlCol="0" anchor="b" anchorCtr="0"/>
+            <a:lstStyle/>
+            <a:p>
+              <a:pPr algn="ctr"/>
+              <a:endParaRPr lang="en-CA">
+                <a:solidFill>
+                  <a:schemeClr val="bg1"/>
+                </a:solidFill>
+              </a:endParaRPr>
+            </a:p>
+          </p:txBody>
+        </p:sp>
         <p:pic>
           <p:nvPicPr>
-            <p:cNvPr id="282" name="Picture 281"/>
+            <p:cNvPr id="124" name="Picture 123"/>
             <p:cNvPicPr>
               <a:picLocks noChangeAspect="1"/>
             </p:cNvPicPr>
             <p:nvPr/>
           </p:nvPicPr>
           <p:blipFill>
-            <a:blip r:embed="rId9" cstate="print">
+            <a:blip r:embed="rId11">
               <a:extLst>
                 <a:ext uri="{28A0092B-C50C-407E-A947-70E740481C1C}">
                   <a14:useLocalDpi xmlns:a14="http://schemas.microsoft.com/office/drawing/2010/main" val="0"/>
@@ -5312,24 +5671,31 @@
           </p:blipFill>
           <p:spPr>
             <a:xfrm>
-              <a:off x="7682389" y="870322"/>
-              <a:ext cx="701475" cy="701474"/>
+              <a:off x="1147624" y="188640"/>
+              <a:ext cx="967824" cy="967824"/>
             </a:xfrm>
             <a:prstGeom prst="rect">
               <a:avLst/>
             </a:prstGeom>
+            <a:ln w="25400">
+              <a:solidFill>
+                <a:schemeClr val="tx1">
+                  <a:alpha val="0"/>
+                </a:schemeClr>
+              </a:solidFill>
+            </a:ln>
           </p:spPr>
         </p:pic>
         <p:sp>
           <p:nvSpPr>
-            <p:cNvPr id="283" name="TextBox 282"/>
+            <p:cNvPr id="128" name="TextBox 127"/>
             <p:cNvSpPr txBox="1"/>
             <p:nvPr/>
           </p:nvSpPr>
           <p:spPr>
             <a:xfrm>
-              <a:off x="7741247" y="1530049"/>
-              <a:ext cx="583754" cy="816390"/>
+              <a:off x="1311152" y="971798"/>
+              <a:ext cx="683200" cy="369332"/>
             </a:xfrm>
             <a:prstGeom prst="rect">
               <a:avLst/>
@@ -5342,31 +5708,306 @@
             </a:bodyPr>
             <a:lstStyle/>
             <a:p>
-              <a:pPr algn="ctr"/>
               <a:r>
-                <a:rPr lang="en-CA" sz="1200" b="1" dirty="0" smtClean="0"/>
-                <a:t>S3</a:t>
+                <a:rPr lang="en-CA" dirty="0" smtClean="0">
+                  <a:solidFill>
+                    <a:schemeClr val="bg1"/>
+                  </a:solidFill>
+                </a:rPr>
+                <a:t>Pulse</a:t>
               </a:r>
+              <a:endParaRPr lang="en-CA" dirty="0">
+                <a:solidFill>
+                  <a:schemeClr val="bg1"/>
+                </a:solidFill>
+              </a:endParaRPr>
             </a:p>
+          </p:txBody>
+        </p:sp>
+        <p:sp>
+          <p:nvSpPr>
+            <p:cNvPr id="147" name="Rectangle 146"/>
+            <p:cNvSpPr/>
+            <p:nvPr/>
+          </p:nvSpPr>
+          <p:spPr>
+            <a:xfrm>
+              <a:off x="1147624" y="192388"/>
+              <a:ext cx="967824" cy="1162469"/>
+            </a:xfrm>
+            <a:prstGeom prst="rect">
+              <a:avLst/>
+            </a:prstGeom>
+            <a:noFill/>
+            <a:ln>
+              <a:solidFill>
+                <a:schemeClr val="tx1"/>
+              </a:solidFill>
+            </a:ln>
+          </p:spPr>
+          <p:style>
+            <a:lnRef idx="2">
+              <a:schemeClr val="accent1">
+                <a:shade val="50000"/>
+              </a:schemeClr>
+            </a:lnRef>
+            <a:fillRef idx="1">
+              <a:schemeClr val="accent1"/>
+            </a:fillRef>
+            <a:effectRef idx="0">
+              <a:schemeClr val="accent1"/>
+            </a:effectRef>
+            <a:fontRef idx="minor">
+              <a:schemeClr val="lt1"/>
+            </a:fontRef>
+          </p:style>
+          <p:txBody>
+            <a:bodyPr rtlCol="0" anchor="b" anchorCtr="0"/>
+            <a:lstStyle/>
             <a:p>
               <a:pPr algn="ctr"/>
-              <a:r>
-                <a:rPr lang="en-CA" sz="1200" b="1" dirty="0" err="1" smtClean="0"/>
-                <a:t>Talos</a:t>
-              </a:r>
-              <a:endParaRPr lang="en-CA" sz="1200" b="1" dirty="0" smtClean="0"/>
-            </a:p>
-            <a:p>
-              <a:pPr algn="ctr"/>
-              <a:r>
-                <a:rPr lang="en-CA" sz="1200" b="1" dirty="0" smtClean="0"/>
-                <a:t>Logs</a:t>
-              </a:r>
-              <a:endParaRPr lang="en-CA" sz="1200" b="1" dirty="0" smtClean="0"/>
+              <a:endParaRPr lang="en-CA">
+                <a:solidFill>
+                  <a:schemeClr val="bg1"/>
+                </a:solidFill>
+              </a:endParaRPr>
             </a:p>
           </p:txBody>
         </p:sp>
       </p:grpSp>
+      <p:cxnSp>
+        <p:nvCxnSpPr>
+          <p:cNvPr id="152" name="Straight Arrow Connector 106"/>
+          <p:cNvCxnSpPr>
+            <a:stCxn id="147" idx="1"/>
+            <a:endCxn id="79" idx="3"/>
+          </p:cNvCxnSpPr>
+          <p:nvPr/>
+        </p:nvCxnSpPr>
+        <p:spPr>
+          <a:xfrm rot="10800000">
+            <a:off x="1423120" y="5332518"/>
+            <a:ext cx="6286629" cy="584983"/>
+          </a:xfrm>
+          <a:prstGeom prst="bentConnector3">
+            <a:avLst>
+              <a:gd name="adj1" fmla="val 50000"/>
+            </a:avLst>
+          </a:prstGeom>
+          <a:ln w="31750">
+            <a:solidFill>
+              <a:schemeClr val="tx1"/>
+            </a:solidFill>
+            <a:tailEnd type="arrow"/>
+          </a:ln>
+        </p:spPr>
+        <p:style>
+          <a:lnRef idx="1">
+            <a:schemeClr val="accent1"/>
+          </a:lnRef>
+          <a:fillRef idx="0">
+            <a:schemeClr val="accent1"/>
+          </a:fillRef>
+          <a:effectRef idx="0">
+            <a:schemeClr val="accent1"/>
+          </a:effectRef>
+          <a:fontRef idx="minor">
+            <a:schemeClr val="tx1"/>
+          </a:fontRef>
+        </p:style>
+      </p:cxnSp>
+      <p:cxnSp>
+        <p:nvCxnSpPr>
+          <p:cNvPr id="189" name="Elbow Connector 188"/>
+          <p:cNvCxnSpPr>
+            <a:stCxn id="141" idx="1"/>
+            <a:endCxn id="94" idx="0"/>
+          </p:cNvCxnSpPr>
+          <p:nvPr/>
+        </p:nvCxnSpPr>
+        <p:spPr>
+          <a:xfrm rot="10800000" flipV="1">
+            <a:off x="6497563" y="731324"/>
+            <a:ext cx="973268" cy="567937"/>
+          </a:xfrm>
+          <a:prstGeom prst="bentConnector2">
+            <a:avLst/>
+          </a:prstGeom>
+          <a:ln w="31750">
+            <a:solidFill>
+              <a:schemeClr val="tx1"/>
+            </a:solidFill>
+            <a:tailEnd type="none"/>
+          </a:ln>
+        </p:spPr>
+        <p:style>
+          <a:lnRef idx="1">
+            <a:schemeClr val="accent1"/>
+          </a:lnRef>
+          <a:fillRef idx="0">
+            <a:schemeClr val="accent1"/>
+          </a:fillRef>
+          <a:effectRef idx="0">
+            <a:schemeClr val="accent1"/>
+          </a:effectRef>
+          <a:fontRef idx="minor">
+            <a:schemeClr val="tx1"/>
+          </a:fontRef>
+        </p:style>
+      </p:cxnSp>
+      <p:cxnSp>
+        <p:nvCxnSpPr>
+          <p:cNvPr id="197" name="Elbow Connector 196"/>
+          <p:cNvCxnSpPr/>
+          <p:nvPr/>
+        </p:nvCxnSpPr>
+        <p:spPr>
+          <a:xfrm rot="5400000" flipH="1" flipV="1">
+            <a:off x="6322327" y="1117183"/>
+            <a:ext cx="350474" cy="1"/>
+          </a:xfrm>
+          <a:prstGeom prst="bentConnector3">
+            <a:avLst>
+              <a:gd name="adj1" fmla="val 50000"/>
+            </a:avLst>
+          </a:prstGeom>
+          <a:ln w="31750">
+            <a:solidFill>
+              <a:schemeClr val="tx1"/>
+            </a:solidFill>
+            <a:tailEnd type="arrow"/>
+          </a:ln>
+        </p:spPr>
+        <p:style>
+          <a:lnRef idx="1">
+            <a:schemeClr val="accent1"/>
+          </a:lnRef>
+          <a:fillRef idx="0">
+            <a:schemeClr val="accent1"/>
+          </a:fillRef>
+          <a:effectRef idx="0">
+            <a:schemeClr val="accent1"/>
+          </a:effectRef>
+          <a:fontRef idx="minor">
+            <a:schemeClr val="tx1"/>
+          </a:fontRef>
+        </p:style>
+      </p:cxnSp>
+      <p:cxnSp>
+        <p:nvCxnSpPr>
+          <p:cNvPr id="200" name="Elbow Connector 199"/>
+          <p:cNvCxnSpPr>
+            <a:stCxn id="141" idx="1"/>
+            <a:endCxn id="126" idx="0"/>
+          </p:cNvCxnSpPr>
+          <p:nvPr/>
+        </p:nvCxnSpPr>
+        <p:spPr>
+          <a:xfrm rot="10800000" flipV="1">
+            <a:off x="2292881" y="731325"/>
+            <a:ext cx="5177950" cy="561096"/>
+          </a:xfrm>
+          <a:prstGeom prst="bentConnector2">
+            <a:avLst/>
+          </a:prstGeom>
+          <a:ln w="31750">
+            <a:solidFill>
+              <a:schemeClr val="tx1"/>
+            </a:solidFill>
+            <a:tailEnd type="none"/>
+          </a:ln>
+        </p:spPr>
+        <p:style>
+          <a:lnRef idx="1">
+            <a:schemeClr val="accent1"/>
+          </a:lnRef>
+          <a:fillRef idx="0">
+            <a:schemeClr val="accent1"/>
+          </a:fillRef>
+          <a:effectRef idx="0">
+            <a:schemeClr val="accent1"/>
+          </a:effectRef>
+          <a:fontRef idx="minor">
+            <a:schemeClr val="tx1"/>
+          </a:fontRef>
+        </p:style>
+      </p:cxnSp>
+      <p:cxnSp>
+        <p:nvCxnSpPr>
+          <p:cNvPr id="203" name="Elbow Connector 202"/>
+          <p:cNvCxnSpPr/>
+          <p:nvPr/>
+        </p:nvCxnSpPr>
+        <p:spPr>
+          <a:xfrm rot="5400000" flipH="1" flipV="1">
+            <a:off x="2112810" y="1108085"/>
+            <a:ext cx="350474" cy="1"/>
+          </a:xfrm>
+          <a:prstGeom prst="bentConnector3">
+            <a:avLst>
+              <a:gd name="adj1" fmla="val 50000"/>
+            </a:avLst>
+          </a:prstGeom>
+          <a:ln w="31750">
+            <a:solidFill>
+              <a:schemeClr val="tx1"/>
+            </a:solidFill>
+            <a:tailEnd type="arrow"/>
+          </a:ln>
+        </p:spPr>
+        <p:style>
+          <a:lnRef idx="1">
+            <a:schemeClr val="accent1"/>
+          </a:lnRef>
+          <a:fillRef idx="0">
+            <a:schemeClr val="accent1"/>
+          </a:fillRef>
+          <a:effectRef idx="0">
+            <a:schemeClr val="accent1"/>
+          </a:effectRef>
+          <a:fontRef idx="minor">
+            <a:schemeClr val="tx1"/>
+          </a:fontRef>
+        </p:style>
+      </p:cxnSp>
+      <p:sp>
+        <p:nvSpPr>
+          <p:cNvPr id="199" name="TextBox 198"/>
+          <p:cNvSpPr txBox="1"/>
+          <p:nvPr/>
+        </p:nvSpPr>
+        <p:spPr>
+          <a:xfrm>
+            <a:off x="263532" y="216063"/>
+            <a:ext cx="4657942" cy="400110"/>
+          </a:xfrm>
+          <a:prstGeom prst="rect">
+            <a:avLst/>
+          </a:prstGeom>
+          <a:noFill/>
+        </p:spPr>
+        <p:txBody>
+          <a:bodyPr wrap="none" rtlCol="0">
+            <a:spAutoFit/>
+          </a:bodyPr>
+          <a:lstStyle/>
+          <a:p>
+            <a:r>
+              <a:rPr lang="en-CA" sz="2000" b="1" dirty="0" smtClean="0"/>
+              <a:t>Relevant Machines for </a:t>
+            </a:r>
+            <a:r>
+              <a:rPr lang="en-CA" sz="2000" b="1" dirty="0" err="1" smtClean="0"/>
+              <a:t>Unittest</a:t>
+            </a:r>
+            <a:r>
+              <a:rPr lang="en-CA" sz="2000" b="1" dirty="0" smtClean="0"/>
+              <a:t> Data Flow </a:t>
+            </a:r>
+            <a:endParaRPr lang="en-CA" sz="2000" b="1" dirty="0"/>
+          </a:p>
+        </p:txBody>
+      </p:sp>
     </p:spTree>
     <p:extLst>
       <p:ext uri="{BB962C8B-B14F-4D97-AF65-F5344CB8AC3E}">

--- a/docs/Architecture.pptx
+++ b/docs/Architecture.pptx
@@ -3694,11 +3694,6 @@
                 </a:rPr>
                 <a:t>Mail Server</a:t>
               </a:r>
-              <a:endParaRPr lang="en-CA" sz="1200" b="1" dirty="0" smtClean="0">
-                <a:solidFill>
-                  <a:schemeClr val="tx1"/>
-                </a:solidFill>
-              </a:endParaRPr>
             </a:p>
           </p:txBody>
         </p:sp>
@@ -4011,21 +4006,8 @@
                   <a:schemeClr val="tx1"/>
                 </a:solidFill>
               </a:rPr>
-              <a:t>ETL </a:t>
-            </a:r>
-            <a:r>
-              <a:rPr lang="en-CA" sz="1200" b="1" dirty="0" smtClean="0">
-                <a:solidFill>
-                  <a:schemeClr val="tx1"/>
-                </a:solidFill>
-              </a:rPr>
-              <a:t>Machines</a:t>
-            </a:r>
-            <a:endParaRPr lang="en-CA" sz="1200" b="1" dirty="0" smtClean="0">
-              <a:solidFill>
-                <a:schemeClr val="tx1"/>
-              </a:solidFill>
-            </a:endParaRPr>
+              <a:t>ETL Machines</a:t>
+            </a:r>
           </a:p>
         </p:txBody>
       </p:sp>
@@ -4078,13 +4060,26 @@
           <a:p>
             <a:pPr algn="ctr"/>
             <a:r>
+              <a:rPr lang="en-CA" sz="1200" b="1" dirty="0" err="1" smtClean="0">
+                <a:solidFill>
+                  <a:schemeClr val="tx1"/>
+                </a:solidFill>
+              </a:rPr>
+              <a:t>ElasticSearch</a:t>
+            </a:r>
+            <a:r>
               <a:rPr lang="en-CA" sz="1200" b="1" dirty="0" smtClean="0">
                 <a:solidFill>
                   <a:schemeClr val="tx1"/>
                 </a:solidFill>
               </a:rPr>
-              <a:t>ES Cluster</a:t>
-            </a:r>
+              <a:t> Machines</a:t>
+            </a:r>
+            <a:endParaRPr lang="en-CA" sz="1200" b="1" dirty="0" smtClean="0">
+              <a:solidFill>
+                <a:schemeClr val="tx1"/>
+              </a:solidFill>
+            </a:endParaRPr>
           </a:p>
         </p:txBody>
       </p:sp>
@@ -6005,6 +6000,96 @@
               <a:t> Data Flow </a:t>
             </a:r>
             <a:endParaRPr lang="en-CA" sz="2000" b="1" dirty="0"/>
+          </a:p>
+        </p:txBody>
+      </p:sp>
+      <p:sp>
+        <p:nvSpPr>
+          <p:cNvPr id="2" name="TextBox 1"/>
+          <p:cNvSpPr txBox="1"/>
+          <p:nvPr/>
+        </p:nvSpPr>
+        <p:spPr>
+          <a:xfrm>
+            <a:off x="6264058" y="489215"/>
+            <a:ext cx="1225015" cy="253916"/>
+          </a:xfrm>
+          <a:prstGeom prst="rect">
+            <a:avLst/>
+          </a:prstGeom>
+          <a:noFill/>
+        </p:spPr>
+        <p:txBody>
+          <a:bodyPr wrap="none" rtlCol="0">
+            <a:spAutoFit/>
+          </a:bodyPr>
+          <a:lstStyle/>
+          <a:p>
+            <a:r>
+              <a:rPr lang="en-CA" sz="1050" dirty="0" smtClean="0"/>
+              <a:t>Programmer Alerts</a:t>
+            </a:r>
+            <a:endParaRPr lang="en-CA" sz="1050" dirty="0"/>
+          </a:p>
+        </p:txBody>
+      </p:sp>
+      <p:sp>
+        <p:nvSpPr>
+          <p:cNvPr id="65" name="TextBox 64"/>
+          <p:cNvSpPr txBox="1"/>
+          <p:nvPr/>
+        </p:nvSpPr>
+        <p:spPr>
+          <a:xfrm>
+            <a:off x="6830373" y="1774567"/>
+            <a:ext cx="583814" cy="253916"/>
+          </a:xfrm>
+          <a:prstGeom prst="rect">
+            <a:avLst/>
+          </a:prstGeom>
+          <a:noFill/>
+        </p:spPr>
+        <p:txBody>
+          <a:bodyPr wrap="none" rtlCol="0">
+            <a:spAutoFit/>
+          </a:bodyPr>
+          <a:lstStyle/>
+          <a:p>
+            <a:r>
+              <a:rPr lang="en-CA" sz="1050" dirty="0" smtClean="0"/>
+              <a:t>Port 80</a:t>
+            </a:r>
+            <a:endParaRPr lang="en-CA" sz="1050" dirty="0"/>
+          </a:p>
+        </p:txBody>
+      </p:sp>
+      <p:sp>
+        <p:nvSpPr>
+          <p:cNvPr id="66" name="TextBox 65"/>
+          <p:cNvSpPr txBox="1"/>
+          <p:nvPr/>
+        </p:nvSpPr>
+        <p:spPr>
+          <a:xfrm>
+            <a:off x="4727135" y="2839024"/>
+            <a:ext cx="721672" cy="253916"/>
+          </a:xfrm>
+          <a:prstGeom prst="rect">
+            <a:avLst/>
+          </a:prstGeom>
+          <a:noFill/>
+        </p:spPr>
+        <p:txBody>
+          <a:bodyPr wrap="none" rtlCol="0">
+            <a:spAutoFit/>
+          </a:bodyPr>
+          <a:lstStyle/>
+          <a:p>
+            <a:r>
+              <a:rPr lang="en-CA" sz="1050" dirty="0" smtClean="0"/>
+              <a:t>Port 9200</a:t>
+            </a:r>
+            <a:endParaRPr lang="en-CA" sz="1050" dirty="0"/>
           </a:p>
         </p:txBody>
       </p:sp>

--- a/docs/Architecture.pptx
+++ b/docs/Architecture.pptx
@@ -192,7 +192,7 @@
           <a:p>
             <a:fld id="{12C73BD1-E919-4514-A897-6086B61B6A01}" type="datetimeFigureOut">
               <a:rPr lang="en-CA" smtClean="0"/>
-              <a:t>2015-02-18</a:t>
+              <a:t>2015-03-16</a:t>
             </a:fld>
             <a:endParaRPr lang="en-CA"/>
           </a:p>
@@ -725,7 +725,7 @@
           <a:p>
             <a:fld id="{57E13E19-9712-4C08-A35C-78B78B9B3BC2}" type="datetimeFigureOut">
               <a:rPr lang="en-CA" smtClean="0"/>
-              <a:t>2015-02-18</a:t>
+              <a:t>2015-03-16</a:t>
             </a:fld>
             <a:endParaRPr lang="en-CA"/>
           </a:p>
@@ -895,7 +895,7 @@
           <a:p>
             <a:fld id="{57E13E19-9712-4C08-A35C-78B78B9B3BC2}" type="datetimeFigureOut">
               <a:rPr lang="en-CA" smtClean="0"/>
-              <a:t>2015-02-18</a:t>
+              <a:t>2015-03-16</a:t>
             </a:fld>
             <a:endParaRPr lang="en-CA"/>
           </a:p>
@@ -1075,7 +1075,7 @@
           <a:p>
             <a:fld id="{57E13E19-9712-4C08-A35C-78B78B9B3BC2}" type="datetimeFigureOut">
               <a:rPr lang="en-CA" smtClean="0"/>
-              <a:t>2015-02-18</a:t>
+              <a:t>2015-03-16</a:t>
             </a:fld>
             <a:endParaRPr lang="en-CA"/>
           </a:p>
@@ -1245,7 +1245,7 @@
           <a:p>
             <a:fld id="{57E13E19-9712-4C08-A35C-78B78B9B3BC2}" type="datetimeFigureOut">
               <a:rPr lang="en-CA" smtClean="0"/>
-              <a:t>2015-02-18</a:t>
+              <a:t>2015-03-16</a:t>
             </a:fld>
             <a:endParaRPr lang="en-CA"/>
           </a:p>
@@ -1491,7 +1491,7 @@
           <a:p>
             <a:fld id="{57E13E19-9712-4C08-A35C-78B78B9B3BC2}" type="datetimeFigureOut">
               <a:rPr lang="en-CA" smtClean="0"/>
-              <a:t>2015-02-18</a:t>
+              <a:t>2015-03-16</a:t>
             </a:fld>
             <a:endParaRPr lang="en-CA"/>
           </a:p>
@@ -1779,7 +1779,7 @@
           <a:p>
             <a:fld id="{57E13E19-9712-4C08-A35C-78B78B9B3BC2}" type="datetimeFigureOut">
               <a:rPr lang="en-CA" smtClean="0"/>
-              <a:t>2015-02-18</a:t>
+              <a:t>2015-03-16</a:t>
             </a:fld>
             <a:endParaRPr lang="en-CA"/>
           </a:p>
@@ -2201,7 +2201,7 @@
           <a:p>
             <a:fld id="{57E13E19-9712-4C08-A35C-78B78B9B3BC2}" type="datetimeFigureOut">
               <a:rPr lang="en-CA" smtClean="0"/>
-              <a:t>2015-02-18</a:t>
+              <a:t>2015-03-16</a:t>
             </a:fld>
             <a:endParaRPr lang="en-CA"/>
           </a:p>
@@ -2319,7 +2319,7 @@
           <a:p>
             <a:fld id="{57E13E19-9712-4C08-A35C-78B78B9B3BC2}" type="datetimeFigureOut">
               <a:rPr lang="en-CA" smtClean="0"/>
-              <a:t>2015-02-18</a:t>
+              <a:t>2015-03-16</a:t>
             </a:fld>
             <a:endParaRPr lang="en-CA"/>
           </a:p>
@@ -2414,7 +2414,7 @@
           <a:p>
             <a:fld id="{57E13E19-9712-4C08-A35C-78B78B9B3BC2}" type="datetimeFigureOut">
               <a:rPr lang="en-CA" smtClean="0"/>
-              <a:t>2015-02-18</a:t>
+              <a:t>2015-03-16</a:t>
             </a:fld>
             <a:endParaRPr lang="en-CA"/>
           </a:p>
@@ -2691,7 +2691,7 @@
           <a:p>
             <a:fld id="{57E13E19-9712-4C08-A35C-78B78B9B3BC2}" type="datetimeFigureOut">
               <a:rPr lang="en-CA" smtClean="0"/>
-              <a:t>2015-02-18</a:t>
+              <a:t>2015-03-16</a:t>
             </a:fld>
             <a:endParaRPr lang="en-CA"/>
           </a:p>
@@ -2944,7 +2944,7 @@
           <a:p>
             <a:fld id="{57E13E19-9712-4C08-A35C-78B78B9B3BC2}" type="datetimeFigureOut">
               <a:rPr lang="en-CA" smtClean="0"/>
-              <a:t>2015-02-18</a:t>
+              <a:t>2015-03-16</a:t>
             </a:fld>
             <a:endParaRPr lang="en-CA"/>
           </a:p>
@@ -3157,7 +3157,7 @@
           <a:p>
             <a:fld id="{57E13E19-9712-4C08-A35C-78B78B9B3BC2}" type="datetimeFigureOut">
               <a:rPr lang="en-CA" smtClean="0"/>
-              <a:t>2015-02-18</a:t>
+              <a:t>2015-03-16</a:t>
             </a:fld>
             <a:endParaRPr lang="en-CA"/>
           </a:p>
@@ -3543,7 +3543,7 @@
         <p:spPr>
           <a:xfrm>
             <a:off x="271719" y="1015292"/>
-            <a:ext cx="6748553" cy="4573947"/>
+            <a:ext cx="6850561" cy="5100383"/>
           </a:xfrm>
           <a:prstGeom prst="roundRect">
             <a:avLst>
@@ -3593,6 +3593,154 @@
           </a:p>
         </p:txBody>
       </p:sp>
+      <p:sp>
+        <p:nvSpPr>
+          <p:cNvPr id="106" name="Rounded Rectangle 105">
+            <a:hlinkClick r:id="rId4"/>
+          </p:cNvPr>
+          <p:cNvSpPr/>
+          <p:nvPr/>
+        </p:nvSpPr>
+        <p:spPr>
+          <a:xfrm>
+            <a:off x="433795" y="5092950"/>
+            <a:ext cx="1080050" cy="723480"/>
+          </a:xfrm>
+          <a:prstGeom prst="roundRect">
+            <a:avLst>
+              <a:gd name="adj" fmla="val 0"/>
+            </a:avLst>
+          </a:prstGeom>
+          <a:solidFill>
+            <a:srgbClr val="FCFCFC"/>
+          </a:solidFill>
+          <a:ln>
+            <a:solidFill>
+              <a:schemeClr val="accent1">
+                <a:lumMod val="75000"/>
+              </a:schemeClr>
+            </a:solidFill>
+            <a:round/>
+          </a:ln>
+          <a:effectLst>
+            <a:outerShdw blurRad="127000" dist="50800" dir="2640000" algn="ctr" rotWithShape="0">
+              <a:srgbClr val="000000">
+                <a:alpha val="34000"/>
+              </a:srgbClr>
+            </a:outerShdw>
+          </a:effectLst>
+        </p:spPr>
+        <p:style>
+          <a:lnRef idx="2">
+            <a:schemeClr val="accent1">
+              <a:shade val="50000"/>
+            </a:schemeClr>
+          </a:lnRef>
+          <a:fillRef idx="1">
+            <a:schemeClr val="accent1"/>
+          </a:fillRef>
+          <a:effectRef idx="0">
+            <a:schemeClr val="accent1"/>
+          </a:effectRef>
+          <a:fontRef idx="minor">
+            <a:schemeClr val="lt1"/>
+          </a:fontRef>
+        </p:style>
+        <p:txBody>
+          <a:bodyPr rtlCol="0" anchor="b" anchorCtr="0"/>
+          <a:lstStyle/>
+          <a:p>
+            <a:pPr algn="ctr"/>
+            <a:r>
+              <a:rPr lang="en-CA" sz="1200" b="1" dirty="0" smtClean="0">
+                <a:solidFill>
+                  <a:schemeClr val="tx1"/>
+                </a:solidFill>
+              </a:rPr>
+              <a:t>t2.small</a:t>
+            </a:r>
+            <a:endParaRPr lang="en-CA" sz="1200" b="1" dirty="0" smtClean="0">
+              <a:solidFill>
+                <a:schemeClr val="tx1"/>
+              </a:solidFill>
+            </a:endParaRPr>
+          </a:p>
+        </p:txBody>
+      </p:sp>
+      <p:sp>
+        <p:nvSpPr>
+          <p:cNvPr id="67" name="Rounded Rectangle 66">
+            <a:hlinkClick r:id="rId4"/>
+          </p:cNvPr>
+          <p:cNvSpPr/>
+          <p:nvPr/>
+        </p:nvSpPr>
+        <p:spPr>
+          <a:xfrm>
+            <a:off x="5904148" y="1484783"/>
+            <a:ext cx="1080050" cy="1326767"/>
+          </a:xfrm>
+          <a:prstGeom prst="roundRect">
+            <a:avLst>
+              <a:gd name="adj" fmla="val 0"/>
+            </a:avLst>
+          </a:prstGeom>
+          <a:solidFill>
+            <a:srgbClr val="FCFCFC"/>
+          </a:solidFill>
+          <a:ln>
+            <a:solidFill>
+              <a:schemeClr val="accent1">
+                <a:lumMod val="75000"/>
+              </a:schemeClr>
+            </a:solidFill>
+            <a:round/>
+          </a:ln>
+          <a:effectLst>
+            <a:outerShdw blurRad="127000" dist="50800" dir="2640000" algn="ctr" rotWithShape="0">
+              <a:srgbClr val="000000">
+                <a:alpha val="34000"/>
+              </a:srgbClr>
+            </a:outerShdw>
+          </a:effectLst>
+        </p:spPr>
+        <p:style>
+          <a:lnRef idx="2">
+            <a:schemeClr val="accent1">
+              <a:shade val="50000"/>
+            </a:schemeClr>
+          </a:lnRef>
+          <a:fillRef idx="1">
+            <a:schemeClr val="accent1"/>
+          </a:fillRef>
+          <a:effectRef idx="0">
+            <a:schemeClr val="accent1"/>
+          </a:effectRef>
+          <a:fontRef idx="minor">
+            <a:schemeClr val="lt1"/>
+          </a:fontRef>
+        </p:style>
+        <p:txBody>
+          <a:bodyPr rtlCol="0" anchor="b" anchorCtr="0"/>
+          <a:lstStyle/>
+          <a:p>
+            <a:pPr algn="ctr"/>
+            <a:r>
+              <a:rPr lang="en-CA" sz="1200" b="1" dirty="0" smtClean="0">
+                <a:solidFill>
+                  <a:schemeClr val="tx1"/>
+                </a:solidFill>
+              </a:rPr>
+              <a:t>(t2.medium)</a:t>
+            </a:r>
+            <a:endParaRPr lang="en-CA" sz="1200" b="1" dirty="0" smtClean="0">
+              <a:solidFill>
+                <a:schemeClr val="tx1"/>
+              </a:solidFill>
+            </a:endParaRPr>
+          </a:p>
+        </p:txBody>
+      </p:sp>
       <p:grpSp>
         <p:nvGrpSpPr>
           <p:cNvPr id="135" name="Group 134"/>
@@ -3616,7 +3764,7 @@
             <p:nvPr/>
           </p:nvPicPr>
           <p:blipFill>
-            <a:blip r:embed="rId4">
+            <a:blip r:embed="rId5">
               <a:extLst>
                 <a:ext uri="{28A0092B-C50C-407E-A947-70E740481C1C}">
                   <a14:useLocalDpi xmlns:a14="http://schemas.microsoft.com/office/drawing/2010/main" val="0"/>
@@ -3701,7 +3849,7 @@
       <p:sp>
         <p:nvSpPr>
           <p:cNvPr id="52" name="Rounded Rectangle 51">
-            <a:hlinkClick r:id="rId5"/>
+            <a:hlinkClick r:id="rId4"/>
           </p:cNvPr>
           <p:cNvSpPr/>
           <p:nvPr/>
@@ -3757,14 +3905,14 @@
       <p:sp>
         <p:nvSpPr>
           <p:cNvPr id="51" name="Rounded Rectangle 50">
-            <a:hlinkClick r:id="rId5"/>
+            <a:hlinkClick r:id="rId4"/>
           </p:cNvPr>
           <p:cNvSpPr/>
           <p:nvPr/>
         </p:nvSpPr>
         <p:spPr>
           <a:xfrm>
-            <a:off x="4096168" y="1223048"/>
+            <a:off x="4096167" y="1223047"/>
             <a:ext cx="1377143" cy="1519129"/>
           </a:xfrm>
           <a:prstGeom prst="roundRect">
@@ -3812,16 +3960,16 @@
       </p:sp>
       <p:sp>
         <p:nvSpPr>
-          <p:cNvPr id="47" name="Rounded Rectangle 46">
-            <a:hlinkClick r:id="rId5"/>
+          <p:cNvPr id="46" name="Rounded Rectangle 45">
+            <a:hlinkClick r:id="rId4"/>
           </p:cNvPr>
           <p:cNvSpPr/>
           <p:nvPr/>
         </p:nvSpPr>
         <p:spPr>
           <a:xfrm>
-            <a:off x="1742783" y="1164975"/>
-            <a:ext cx="1397633" cy="1519129"/>
+            <a:off x="1661328" y="1226606"/>
+            <a:ext cx="1407080" cy="1519129"/>
           </a:xfrm>
           <a:prstGeom prst="roundRect">
             <a:avLst>
@@ -3878,16 +4026,16 @@
       </p:sp>
       <p:sp>
         <p:nvSpPr>
-          <p:cNvPr id="46" name="Rounded Rectangle 45">
-            <a:hlinkClick r:id="rId5"/>
+          <p:cNvPr id="126" name="Rounded Rectangle 125">
+            <a:hlinkClick r:id="rId4"/>
           </p:cNvPr>
           <p:cNvSpPr/>
           <p:nvPr/>
         </p:nvSpPr>
         <p:spPr>
           <a:xfrm>
-            <a:off x="1661328" y="1226606"/>
-            <a:ext cx="1407080" cy="1519129"/>
+            <a:off x="1589362" y="1292421"/>
+            <a:ext cx="1407038" cy="1519129"/>
           </a:xfrm>
           <a:prstGeom prst="roundRect">
             <a:avLst>
@@ -3934,6 +4082,30 @@
           <a:lstStyle/>
           <a:p>
             <a:pPr algn="ctr"/>
+            <a:r>
+              <a:rPr lang="en-CA" sz="1200" b="1" dirty="0" smtClean="0">
+                <a:solidFill>
+                  <a:schemeClr val="tx1"/>
+                </a:solidFill>
+              </a:rPr>
+              <a:t>ETL </a:t>
+            </a:r>
+            <a:r>
+              <a:rPr lang="en-CA" sz="1200" b="1" dirty="0">
+                <a:solidFill>
+                  <a:schemeClr val="tx1"/>
+                </a:solidFill>
+              </a:rPr>
+              <a:t>(</a:t>
+            </a:r>
+            <a:r>
+              <a:rPr lang="en-CA" sz="1200" b="1" dirty="0" smtClean="0">
+                <a:solidFill>
+                  <a:schemeClr val="tx1"/>
+                </a:solidFill>
+              </a:rPr>
+              <a:t>c4.4xlarge)</a:t>
+            </a:r>
             <a:endParaRPr lang="en-CA" sz="1200" b="1" dirty="0" smtClean="0">
               <a:solidFill>
                 <a:schemeClr val="tx1"/>
@@ -3944,77 +4116,8 @@
       </p:sp>
       <p:sp>
         <p:nvSpPr>
-          <p:cNvPr id="126" name="Rounded Rectangle 125">
-            <a:hlinkClick r:id="rId5"/>
-          </p:cNvPr>
-          <p:cNvSpPr/>
-          <p:nvPr/>
-        </p:nvSpPr>
-        <p:spPr>
-          <a:xfrm>
-            <a:off x="1589362" y="1292421"/>
-            <a:ext cx="1407038" cy="1519129"/>
-          </a:xfrm>
-          <a:prstGeom prst="roundRect">
-            <a:avLst>
-              <a:gd name="adj" fmla="val 0"/>
-            </a:avLst>
-          </a:prstGeom>
-          <a:solidFill>
-            <a:srgbClr val="FCFCFC"/>
-          </a:solidFill>
-          <a:ln>
-            <a:solidFill>
-              <a:schemeClr val="accent1">
-                <a:lumMod val="75000"/>
-              </a:schemeClr>
-            </a:solidFill>
-            <a:round/>
-          </a:ln>
-          <a:effectLst>
-            <a:outerShdw blurRad="127000" dist="50800" dir="2640000" algn="ctr" rotWithShape="0">
-              <a:srgbClr val="000000">
-                <a:alpha val="34000"/>
-              </a:srgbClr>
-            </a:outerShdw>
-          </a:effectLst>
-        </p:spPr>
-        <p:style>
-          <a:lnRef idx="2">
-            <a:schemeClr val="accent1">
-              <a:shade val="50000"/>
-            </a:schemeClr>
-          </a:lnRef>
-          <a:fillRef idx="1">
-            <a:schemeClr val="accent1"/>
-          </a:fillRef>
-          <a:effectRef idx="0">
-            <a:schemeClr val="accent1"/>
-          </a:effectRef>
-          <a:fontRef idx="minor">
-            <a:schemeClr val="lt1"/>
-          </a:fontRef>
-        </p:style>
-        <p:txBody>
-          <a:bodyPr rtlCol="0" anchor="t" anchorCtr="0"/>
-          <a:lstStyle/>
-          <a:p>
-            <a:pPr algn="ctr"/>
-            <a:r>
-              <a:rPr lang="en-CA" sz="1200" b="1" dirty="0" smtClean="0">
-                <a:solidFill>
-                  <a:schemeClr val="tx1"/>
-                </a:solidFill>
-              </a:rPr>
-              <a:t>ETL Machines</a:t>
-            </a:r>
-          </a:p>
-        </p:txBody>
-      </p:sp>
-      <p:sp>
-        <p:nvSpPr>
           <p:cNvPr id="84" name="Rounded Rectangle 83">
-            <a:hlinkClick r:id="rId5"/>
+            <a:hlinkClick r:id="rId4"/>
           </p:cNvPr>
           <p:cNvSpPr/>
           <p:nvPr/>
@@ -4073,7 +4176,23 @@
                   <a:schemeClr val="tx1"/>
                 </a:solidFill>
               </a:rPr>
-              <a:t> Machines</a:t>
+              <a:t> </a:t>
+            </a:r>
+            <a:r>
+              <a:rPr lang="en-CA" sz="1200" b="1" dirty="0">
+                <a:solidFill>
+                  <a:schemeClr val="tx1"/>
+                </a:solidFill>
+              </a:rPr>
+              <a:t>(</a:t>
+            </a:r>
+            <a:r>
+              <a:rPr lang="en-CA" sz="1200" b="1" dirty="0" smtClean="0">
+                <a:solidFill>
+                  <a:schemeClr val="tx1"/>
+                </a:solidFill>
+              </a:rPr>
+              <a:t>r3.xlarge)</a:t>
             </a:r>
             <a:endParaRPr lang="en-CA" sz="1200" b="1" dirty="0" smtClean="0">
               <a:solidFill>
@@ -4198,8 +4317,8 @@
         </p:nvSpPr>
         <p:spPr>
           <a:xfrm>
-            <a:off x="6164752" y="1299262"/>
-            <a:ext cx="665621" cy="1498337"/>
+            <a:off x="6111362" y="1674173"/>
+            <a:ext cx="665621" cy="746019"/>
           </a:xfrm>
           <a:prstGeom prst="roundRect">
             <a:avLst/>
@@ -4299,7 +4418,7 @@
         </p:nvSpPr>
         <p:spPr>
           <a:xfrm>
-            <a:off x="1006912" y="5772626"/>
+            <a:off x="4666210" y="4923021"/>
             <a:ext cx="2352134" cy="600164"/>
           </a:xfrm>
           <a:prstGeom prst="rect">
@@ -4406,36 +4525,6 @@
           </a:p>
         </p:txBody>
       </p:sp>
-      <p:pic>
-        <p:nvPicPr>
-          <p:cNvPr id="42" name="Picture 41"/>
-          <p:cNvPicPr>
-            <a:picLocks noChangeAspect="1"/>
-          </p:cNvPicPr>
-          <p:nvPr/>
-        </p:nvPicPr>
-        <p:blipFill>
-          <a:blip r:embed="rId8" cstate="print">
-            <a:extLst>
-              <a:ext uri="{28A0092B-C50C-407E-A947-70E740481C1C}">
-                <a14:useLocalDpi xmlns:a14="http://schemas.microsoft.com/office/drawing/2010/main" val="0"/>
-              </a:ext>
-            </a:extLst>
-          </a:blip>
-          <a:stretch>
-            <a:fillRect/>
-          </a:stretch>
-        </p:blipFill>
-        <p:spPr>
-          <a:xfrm>
-            <a:off x="7537974" y="1855490"/>
-            <a:ext cx="1311374" cy="1185696"/>
-          </a:xfrm>
-          <a:prstGeom prst="rect">
-            <a:avLst/>
-          </a:prstGeom>
-        </p:spPr>
-      </p:pic>
       <p:cxnSp>
         <p:nvCxnSpPr>
           <p:cNvPr id="53" name="Elbow Connector 52"/>
@@ -4446,8 +4535,8 @@
         </p:nvCxnSpPr>
         <p:spPr>
           <a:xfrm rot="10800000">
-            <a:off x="248020" y="5332517"/>
-            <a:ext cx="238994" cy="1"/>
+            <a:off x="271719" y="5357297"/>
+            <a:ext cx="303838" cy="1"/>
           </a:xfrm>
           <a:prstGeom prst="bentConnector3">
             <a:avLst>
@@ -4484,10 +4573,10 @@
         </p:nvGrpSpPr>
         <p:grpSpPr>
           <a:xfrm>
-            <a:off x="2787950" y="3542691"/>
-            <a:ext cx="999734" cy="1367562"/>
+            <a:off x="2787955" y="3542691"/>
+            <a:ext cx="999735" cy="1454375"/>
             <a:chOff x="7682389" y="870322"/>
-            <a:chExt cx="1238982" cy="1684280"/>
+            <a:chExt cx="1238982" cy="1791198"/>
           </a:xfrm>
         </p:grpSpPr>
         <p:pic>
@@ -4499,7 +4588,7 @@
             <p:nvPr/>
           </p:nvPicPr>
           <p:blipFill>
-            <a:blip r:embed="rId9" cstate="print">
+            <a:blip r:embed="rId8" cstate="print">
               <a:extLst>
                 <a:ext uri="{28A0092B-C50C-407E-A947-70E740481C1C}">
                   <a14:useLocalDpi xmlns:a14="http://schemas.microsoft.com/office/drawing/2010/main" val="0"/>
@@ -4528,8 +4617,8 @@
           </p:nvSpPr>
           <p:spPr>
             <a:xfrm>
-              <a:off x="7813348" y="2092937"/>
-              <a:ext cx="1016497" cy="461665"/>
+              <a:off x="7745040" y="2092937"/>
+              <a:ext cx="1153114" cy="568583"/>
             </a:xfrm>
             <a:prstGeom prst="rect">
               <a:avLst/>
@@ -4552,8 +4641,9 @@
               <a:pPr algn="ctr"/>
               <a:r>
                 <a:rPr lang="en-CA" sz="1200" b="1" dirty="0" smtClean="0"/>
-                <a:t>Intermediate</a:t>
+                <a:t>Test Results</a:t>
               </a:r>
+              <a:endParaRPr lang="en-CA" sz="1200" b="1" dirty="0" smtClean="0"/>
             </a:p>
           </p:txBody>
         </p:sp>
@@ -4581,7 +4671,7 @@
             <p:nvPr/>
           </p:nvPicPr>
           <p:blipFill>
-            <a:blip r:embed="rId10" cstate="print">
+            <a:blip r:embed="rId9" cstate="print">
               <a:extLst>
                 <a:ext uri="{28A0092B-C50C-407E-A947-70E740481C1C}">
                   <a14:useLocalDpi xmlns:a14="http://schemas.microsoft.com/office/drawing/2010/main" val="0"/>
@@ -4657,8 +4747,8 @@
         </p:nvSpPr>
         <p:spPr>
           <a:xfrm>
-            <a:off x="487014" y="5165129"/>
-            <a:ext cx="936105" cy="334776"/>
+            <a:off x="575557" y="5161357"/>
+            <a:ext cx="756084" cy="391879"/>
           </a:xfrm>
           <a:prstGeom prst="roundRect">
             <a:avLst/>
@@ -4814,7 +4904,7 @@
                   <a:schemeClr val="tx1"/>
                 </a:solidFill>
               </a:rPr>
-              <a:t>Backup</a:t>
+              <a:t>ETL</a:t>
             </a:r>
             <a:endParaRPr lang="en-CA" sz="1200" b="1" dirty="0">
               <a:solidFill>
@@ -4835,12 +4925,12 @@
         </p:nvCxnSpPr>
         <p:spPr>
           <a:xfrm rot="10800000" flipH="1" flipV="1">
-            <a:off x="349622" y="3493469"/>
-            <a:ext cx="137391" cy="1839048"/>
+            <a:off x="349623" y="3493469"/>
+            <a:ext cx="225934" cy="1863828"/>
           </a:xfrm>
           <a:prstGeom prst="bentConnector3">
             <a:avLst>
-              <a:gd name="adj1" fmla="val -166386"/>
+              <a:gd name="adj1" fmla="val -101180"/>
             </a:avLst>
           </a:prstGeom>
           <a:ln w="31750">
@@ -5134,7 +5224,7 @@
                   <a:schemeClr val="tx1"/>
                 </a:solidFill>
               </a:rPr>
-              <a:t>ETL</a:t>
+              <a:t>Copy</a:t>
             </a:r>
             <a:endParaRPr lang="en-CA" sz="1200" b="1" dirty="0">
               <a:solidFill>
@@ -5154,9 +5244,9 @@
           <p:nvPr/>
         </p:nvCxnSpPr>
         <p:spPr>
-          <a:xfrm>
-            <a:off x="5415707" y="2048430"/>
-            <a:ext cx="749045" cy="1"/>
+          <a:xfrm flipV="1">
+            <a:off x="5415707" y="2047183"/>
+            <a:ext cx="695655" cy="1247"/>
           </a:xfrm>
           <a:prstGeom prst="bentConnector3">
             <a:avLst>
@@ -5195,9 +5285,9 @@
           <p:nvPr/>
         </p:nvCxnSpPr>
         <p:spPr>
-          <a:xfrm>
-            <a:off x="6830373" y="2048431"/>
-            <a:ext cx="707601" cy="399907"/>
+          <a:xfrm flipV="1">
+            <a:off x="6776983" y="2047182"/>
+            <a:ext cx="756081" cy="1"/>
           </a:xfrm>
           <a:prstGeom prst="bentConnector3">
             <a:avLst>
@@ -5288,7 +5378,7 @@
             <p:nvPr/>
           </p:nvPicPr>
           <p:blipFill>
-            <a:blip r:embed="rId9" cstate="print">
+            <a:blip r:embed="rId8" cstate="print">
               <a:extLst>
                 <a:ext uri="{28A0092B-C50C-407E-A947-70E740481C1C}">
                   <a14:useLocalDpi xmlns:a14="http://schemas.microsoft.com/office/drawing/2010/main" val="0"/>
@@ -5429,35 +5519,80 @@
           </a:fontRef>
         </p:style>
       </p:cxnSp>
-      <p:sp>
-        <p:nvSpPr>
-          <p:cNvPr id="150" name="TextBox 149"/>
-          <p:cNvSpPr txBox="1"/>
+      <p:grpSp>
+        <p:nvGrpSpPr>
+          <p:cNvPr id="69" name="Group 68"/>
+          <p:cNvGrpSpPr/>
           <p:nvPr/>
-        </p:nvSpPr>
-        <p:spPr>
+        </p:nvGrpSpPr>
+        <p:grpSpPr>
           <a:xfrm>
-            <a:off x="7721127" y="2276532"/>
-            <a:ext cx="945067" cy="369332"/>
-          </a:xfrm>
-          <a:prstGeom prst="rect">
-            <a:avLst/>
-          </a:prstGeom>
-          <a:noFill/>
-        </p:spPr>
-        <p:txBody>
-          <a:bodyPr wrap="none" rtlCol="0">
-            <a:spAutoFit/>
-          </a:bodyPr>
-          <a:lstStyle/>
-          <a:p>
-            <a:r>
-              <a:rPr lang="en-CA" dirty="0" smtClean="0"/>
-              <a:t>Internet</a:t>
-            </a:r>
-          </a:p>
-        </p:txBody>
-      </p:sp>
+            <a:off x="7533064" y="1454334"/>
+            <a:ext cx="1311374" cy="1185696"/>
+            <a:chOff x="7537974" y="1855490"/>
+            <a:chExt cx="1311374" cy="1185696"/>
+          </a:xfrm>
+        </p:grpSpPr>
+        <p:pic>
+          <p:nvPicPr>
+            <p:cNvPr id="42" name="Picture 41"/>
+            <p:cNvPicPr>
+              <a:picLocks noChangeAspect="1"/>
+            </p:cNvPicPr>
+            <p:nvPr/>
+          </p:nvPicPr>
+          <p:blipFill>
+            <a:blip r:embed="rId10" cstate="print">
+              <a:extLst>
+                <a:ext uri="{28A0092B-C50C-407E-A947-70E740481C1C}">
+                  <a14:useLocalDpi xmlns:a14="http://schemas.microsoft.com/office/drawing/2010/main" val="0"/>
+                </a:ext>
+              </a:extLst>
+            </a:blip>
+            <a:stretch>
+              <a:fillRect/>
+            </a:stretch>
+          </p:blipFill>
+          <p:spPr>
+            <a:xfrm>
+              <a:off x="7537974" y="1855490"/>
+              <a:ext cx="1311374" cy="1185696"/>
+            </a:xfrm>
+            <a:prstGeom prst="rect">
+              <a:avLst/>
+            </a:prstGeom>
+          </p:spPr>
+        </p:pic>
+        <p:sp>
+          <p:nvSpPr>
+            <p:cNvPr id="150" name="TextBox 149"/>
+            <p:cNvSpPr txBox="1"/>
+            <p:nvPr/>
+          </p:nvSpPr>
+          <p:spPr>
+            <a:xfrm>
+              <a:off x="7721127" y="2276532"/>
+              <a:ext cx="945067" cy="369332"/>
+            </a:xfrm>
+            <a:prstGeom prst="rect">
+              <a:avLst/>
+            </a:prstGeom>
+            <a:noFill/>
+          </p:spPr>
+          <p:txBody>
+            <a:bodyPr wrap="none" rtlCol="0">
+              <a:spAutoFit/>
+            </a:bodyPr>
+            <a:lstStyle/>
+            <a:p>
+              <a:r>
+                <a:rPr lang="en-CA" dirty="0" smtClean="0"/>
+                <a:t>Internet</a:t>
+              </a:r>
+            </a:p>
+          </p:txBody>
+        </p:sp>
+      </p:grpSp>
       <p:cxnSp>
         <p:nvCxnSpPr>
           <p:cNvPr id="265" name="Elbow Connector 264"/>
@@ -5548,8 +5683,8 @@
         </p:nvCxnSpPr>
         <p:spPr>
           <a:xfrm rot="16200000" flipH="1">
-            <a:off x="6676502" y="2618660"/>
-            <a:ext cx="1393521" cy="1751398"/>
+            <a:off x="6461103" y="2403262"/>
+            <a:ext cx="1770928" cy="1804788"/>
           </a:xfrm>
           <a:prstGeom prst="bentConnector3">
             <a:avLst>
@@ -5781,8 +5916,8 @@
         </p:nvCxnSpPr>
         <p:spPr>
           <a:xfrm rot="10800000">
-            <a:off x="1423120" y="5332518"/>
-            <a:ext cx="6286629" cy="584983"/>
+            <a:off x="1331642" y="5357298"/>
+            <a:ext cx="6378107" cy="560203"/>
           </a:xfrm>
           <a:prstGeom prst="bentConnector3">
             <a:avLst>
@@ -5822,8 +5957,8 @@
         </p:nvCxnSpPr>
         <p:spPr>
           <a:xfrm rot="10800000" flipV="1">
-            <a:off x="6497563" y="731324"/>
-            <a:ext cx="973268" cy="567937"/>
+            <a:off x="6444173" y="731325"/>
+            <a:ext cx="1026658" cy="942848"/>
           </a:xfrm>
           <a:prstGeom prst="bentConnector2">
             <a:avLst/>
@@ -5858,7 +5993,7 @@
         </p:nvCxnSpPr>
         <p:spPr>
           <a:xfrm rot="5400000" flipH="1" flipV="1">
-            <a:off x="6322327" y="1117183"/>
+            <a:off x="6268937" y="1471886"/>
             <a:ext cx="350474" cy="1"/>
           </a:xfrm>
           <a:prstGeom prst="bentConnector3">
@@ -6041,7 +6176,7 @@
         </p:nvSpPr>
         <p:spPr>
           <a:xfrm>
-            <a:off x="6830373" y="1774567"/>
+            <a:off x="6732240" y="1814516"/>
             <a:ext cx="583814" cy="253916"/>
           </a:xfrm>
           <a:prstGeom prst="rect">

--- a/docs/Architecture.pptx
+++ b/docs/Architecture.pptx
@@ -192,7 +192,7 @@
           <a:p>
             <a:fld id="{12C73BD1-E919-4514-A897-6086B61B6A01}" type="datetimeFigureOut">
               <a:rPr lang="en-CA" smtClean="0"/>
-              <a:t>2015-03-16</a:t>
+              <a:t>2015-03-21</a:t>
             </a:fld>
             <a:endParaRPr lang="en-CA"/>
           </a:p>
@@ -725,7 +725,7 @@
           <a:p>
             <a:fld id="{57E13E19-9712-4C08-A35C-78B78B9B3BC2}" type="datetimeFigureOut">
               <a:rPr lang="en-CA" smtClean="0"/>
-              <a:t>2015-03-16</a:t>
+              <a:t>2015-03-21</a:t>
             </a:fld>
             <a:endParaRPr lang="en-CA"/>
           </a:p>
@@ -895,7 +895,7 @@
           <a:p>
             <a:fld id="{57E13E19-9712-4C08-A35C-78B78B9B3BC2}" type="datetimeFigureOut">
               <a:rPr lang="en-CA" smtClean="0"/>
-              <a:t>2015-03-16</a:t>
+              <a:t>2015-03-21</a:t>
             </a:fld>
             <a:endParaRPr lang="en-CA"/>
           </a:p>
@@ -1075,7 +1075,7 @@
           <a:p>
             <a:fld id="{57E13E19-9712-4C08-A35C-78B78B9B3BC2}" type="datetimeFigureOut">
               <a:rPr lang="en-CA" smtClean="0"/>
-              <a:t>2015-03-16</a:t>
+              <a:t>2015-03-21</a:t>
             </a:fld>
             <a:endParaRPr lang="en-CA"/>
           </a:p>
@@ -1245,7 +1245,7 @@
           <a:p>
             <a:fld id="{57E13E19-9712-4C08-A35C-78B78B9B3BC2}" type="datetimeFigureOut">
               <a:rPr lang="en-CA" smtClean="0"/>
-              <a:t>2015-03-16</a:t>
+              <a:t>2015-03-21</a:t>
             </a:fld>
             <a:endParaRPr lang="en-CA"/>
           </a:p>
@@ -1491,7 +1491,7 @@
           <a:p>
             <a:fld id="{57E13E19-9712-4C08-A35C-78B78B9B3BC2}" type="datetimeFigureOut">
               <a:rPr lang="en-CA" smtClean="0"/>
-              <a:t>2015-03-16</a:t>
+              <a:t>2015-03-21</a:t>
             </a:fld>
             <a:endParaRPr lang="en-CA"/>
           </a:p>
@@ -1779,7 +1779,7 @@
           <a:p>
             <a:fld id="{57E13E19-9712-4C08-A35C-78B78B9B3BC2}" type="datetimeFigureOut">
               <a:rPr lang="en-CA" smtClean="0"/>
-              <a:t>2015-03-16</a:t>
+              <a:t>2015-03-21</a:t>
             </a:fld>
             <a:endParaRPr lang="en-CA"/>
           </a:p>
@@ -2201,7 +2201,7 @@
           <a:p>
             <a:fld id="{57E13E19-9712-4C08-A35C-78B78B9B3BC2}" type="datetimeFigureOut">
               <a:rPr lang="en-CA" smtClean="0"/>
-              <a:t>2015-03-16</a:t>
+              <a:t>2015-03-21</a:t>
             </a:fld>
             <a:endParaRPr lang="en-CA"/>
           </a:p>
@@ -2319,7 +2319,7 @@
           <a:p>
             <a:fld id="{57E13E19-9712-4C08-A35C-78B78B9B3BC2}" type="datetimeFigureOut">
               <a:rPr lang="en-CA" smtClean="0"/>
-              <a:t>2015-03-16</a:t>
+              <a:t>2015-03-21</a:t>
             </a:fld>
             <a:endParaRPr lang="en-CA"/>
           </a:p>
@@ -2414,7 +2414,7 @@
           <a:p>
             <a:fld id="{57E13E19-9712-4C08-A35C-78B78B9B3BC2}" type="datetimeFigureOut">
               <a:rPr lang="en-CA" smtClean="0"/>
-              <a:t>2015-03-16</a:t>
+              <a:t>2015-03-21</a:t>
             </a:fld>
             <a:endParaRPr lang="en-CA"/>
           </a:p>
@@ -2691,7 +2691,7 @@
           <a:p>
             <a:fld id="{57E13E19-9712-4C08-A35C-78B78B9B3BC2}" type="datetimeFigureOut">
               <a:rPr lang="en-CA" smtClean="0"/>
-              <a:t>2015-03-16</a:t>
+              <a:t>2015-03-21</a:t>
             </a:fld>
             <a:endParaRPr lang="en-CA"/>
           </a:p>
@@ -2944,7 +2944,7 @@
           <a:p>
             <a:fld id="{57E13E19-9712-4C08-A35C-78B78B9B3BC2}" type="datetimeFigureOut">
               <a:rPr lang="en-CA" smtClean="0"/>
-              <a:t>2015-03-16</a:t>
+              <a:t>2015-03-21</a:t>
             </a:fld>
             <a:endParaRPr lang="en-CA"/>
           </a:p>
@@ -3157,7 +3157,7 @@
           <a:p>
             <a:fld id="{57E13E19-9712-4C08-A35C-78B78B9B3BC2}" type="datetimeFigureOut">
               <a:rPr lang="en-CA" smtClean="0"/>
-              <a:t>2015-03-16</a:t>
+              <a:t>2015-03-21</a:t>
             </a:fld>
             <a:endParaRPr lang="en-CA"/>
           </a:p>
@@ -3543,7 +3543,7 @@
         <p:spPr>
           <a:xfrm>
             <a:off x="271719" y="1015292"/>
-            <a:ext cx="6850561" cy="5100383"/>
+            <a:ext cx="6850561" cy="4984967"/>
           </a:xfrm>
           <a:prstGeom prst="roundRect">
             <a:avLst>
@@ -3659,11 +3659,6 @@
               </a:rPr>
               <a:t>t2.small</a:t>
             </a:r>
-            <a:endParaRPr lang="en-CA" sz="1200" b="1" dirty="0" smtClean="0">
-              <a:solidFill>
-                <a:schemeClr val="tx1"/>
-              </a:solidFill>
-            </a:endParaRPr>
           </a:p>
         </p:txBody>
       </p:sp>
@@ -3733,11 +3728,6 @@
               </a:rPr>
               <a:t>(t2.medium)</a:t>
             </a:r>
-            <a:endParaRPr lang="en-CA" sz="1200" b="1" dirty="0" smtClean="0">
-              <a:solidFill>
-                <a:schemeClr val="tx1"/>
-              </a:solidFill>
-            </a:endParaRPr>
           </a:p>
         </p:txBody>
       </p:sp>
@@ -3960,7 +3950,7 @@
       </p:sp>
       <p:sp>
         <p:nvSpPr>
-          <p:cNvPr id="46" name="Rounded Rectangle 45">
+          <p:cNvPr id="126" name="Rounded Rectangle 125">
             <a:hlinkClick r:id="rId4"/>
           </p:cNvPr>
           <p:cNvSpPr/>
@@ -3968,8 +3958,8 @@
         </p:nvSpPr>
         <p:spPr>
           <a:xfrm>
-            <a:off x="1661328" y="1226606"/>
-            <a:ext cx="1407080" cy="1519129"/>
+            <a:off x="1589362" y="1292421"/>
+            <a:ext cx="1407038" cy="1519129"/>
           </a:xfrm>
           <a:prstGeom prst="roundRect">
             <a:avLst>
@@ -4016,72 +4006,6 @@
           <a:lstStyle/>
           <a:p>
             <a:pPr algn="ctr"/>
-            <a:endParaRPr lang="en-CA" sz="1200" b="1" dirty="0" smtClean="0">
-              <a:solidFill>
-                <a:schemeClr val="tx1"/>
-              </a:solidFill>
-            </a:endParaRPr>
-          </a:p>
-        </p:txBody>
-      </p:sp>
-      <p:sp>
-        <p:nvSpPr>
-          <p:cNvPr id="126" name="Rounded Rectangle 125">
-            <a:hlinkClick r:id="rId4"/>
-          </p:cNvPr>
-          <p:cNvSpPr/>
-          <p:nvPr/>
-        </p:nvSpPr>
-        <p:spPr>
-          <a:xfrm>
-            <a:off x="1589362" y="1292421"/>
-            <a:ext cx="1407038" cy="1519129"/>
-          </a:xfrm>
-          <a:prstGeom prst="roundRect">
-            <a:avLst>
-              <a:gd name="adj" fmla="val 0"/>
-            </a:avLst>
-          </a:prstGeom>
-          <a:solidFill>
-            <a:srgbClr val="FCFCFC"/>
-          </a:solidFill>
-          <a:ln>
-            <a:solidFill>
-              <a:schemeClr val="accent1">
-                <a:lumMod val="75000"/>
-              </a:schemeClr>
-            </a:solidFill>
-            <a:round/>
-          </a:ln>
-          <a:effectLst>
-            <a:outerShdw blurRad="127000" dist="50800" dir="2640000" algn="ctr" rotWithShape="0">
-              <a:srgbClr val="000000">
-                <a:alpha val="34000"/>
-              </a:srgbClr>
-            </a:outerShdw>
-          </a:effectLst>
-        </p:spPr>
-        <p:style>
-          <a:lnRef idx="2">
-            <a:schemeClr val="accent1">
-              <a:shade val="50000"/>
-            </a:schemeClr>
-          </a:lnRef>
-          <a:fillRef idx="1">
-            <a:schemeClr val="accent1"/>
-          </a:fillRef>
-          <a:effectRef idx="0">
-            <a:schemeClr val="accent1"/>
-          </a:effectRef>
-          <a:fontRef idx="minor">
-            <a:schemeClr val="lt1"/>
-          </a:fontRef>
-        </p:style>
-        <p:txBody>
-          <a:bodyPr rtlCol="0" anchor="t" anchorCtr="0"/>
-          <a:lstStyle/>
-          <a:p>
-            <a:pPr algn="ctr"/>
             <a:r>
               <a:rPr lang="en-CA" sz="1200" b="1" dirty="0" smtClean="0">
                 <a:solidFill>
@@ -4106,11 +4030,6 @@
               </a:rPr>
               <a:t>c4.4xlarge)</a:t>
             </a:r>
-            <a:endParaRPr lang="en-CA" sz="1200" b="1" dirty="0" smtClean="0">
-              <a:solidFill>
-                <a:schemeClr val="tx1"/>
-              </a:solidFill>
-            </a:endParaRPr>
           </a:p>
         </p:txBody>
       </p:sp>
@@ -4194,11 +4113,6 @@
               </a:rPr>
               <a:t>r3.xlarge)</a:t>
             </a:r>
-            <a:endParaRPr lang="en-CA" sz="1200" b="1" dirty="0" smtClean="0">
-              <a:solidFill>
-                <a:schemeClr val="tx1"/>
-              </a:solidFill>
-            </a:endParaRPr>
           </a:p>
         </p:txBody>
       </p:sp>
@@ -4418,7 +4332,7 @@
         </p:nvSpPr>
         <p:spPr>
           <a:xfrm>
-            <a:off x="4666210" y="4923021"/>
+            <a:off x="6492304" y="6129300"/>
             <a:ext cx="2352134" cy="600164"/>
           </a:xfrm>
           <a:prstGeom prst="rect">
@@ -4441,87 +4355,6 @@
               <a:t>Arrow heads indicate which side initiates connection, and logical direction of data flow.</a:t>
             </a:r>
             <a:endParaRPr lang="en-CA" sz="1100" dirty="0"/>
-          </a:p>
-        </p:txBody>
-      </p:sp>
-      <p:sp>
-        <p:nvSpPr>
-          <p:cNvPr id="39" name="Rounded Rectangle 38">
-            <a:hlinkClick r:id="rId7"/>
-          </p:cNvPr>
-          <p:cNvSpPr/>
-          <p:nvPr/>
-        </p:nvSpPr>
-        <p:spPr>
-          <a:xfrm>
-            <a:off x="7780908" y="4191120"/>
-            <a:ext cx="936105" cy="334776"/>
-          </a:xfrm>
-          <a:prstGeom prst="roundRect">
-            <a:avLst/>
-          </a:prstGeom>
-          <a:gradFill>
-            <a:gsLst>
-              <a:gs pos="0">
-                <a:schemeClr val="bg1">
-                  <a:lumMod val="95000"/>
-                </a:schemeClr>
-              </a:gs>
-              <a:gs pos="50000">
-                <a:schemeClr val="bg1">
-                  <a:lumMod val="95000"/>
-                </a:schemeClr>
-              </a:gs>
-              <a:gs pos="100000">
-                <a:schemeClr val="bg1">
-                  <a:lumMod val="85000"/>
-                </a:schemeClr>
-              </a:gs>
-            </a:gsLst>
-            <a:lin ang="5400000" scaled="0"/>
-          </a:gradFill>
-          <a:ln>
-            <a:solidFill>
-              <a:schemeClr val="accent6">
-                <a:lumMod val="75000"/>
-              </a:schemeClr>
-            </a:solidFill>
-          </a:ln>
-        </p:spPr>
-        <p:style>
-          <a:lnRef idx="2">
-            <a:schemeClr val="accent1">
-              <a:shade val="50000"/>
-            </a:schemeClr>
-          </a:lnRef>
-          <a:fillRef idx="1">
-            <a:schemeClr val="accent1"/>
-          </a:fillRef>
-          <a:effectRef idx="0">
-            <a:schemeClr val="accent1"/>
-          </a:effectRef>
-          <a:fontRef idx="minor">
-            <a:schemeClr val="lt1"/>
-          </a:fontRef>
-        </p:style>
-        <p:txBody>
-          <a:bodyPr rtlCol="0" anchor="ctr"/>
-          <a:lstStyle/>
-          <a:p>
-            <a:pPr algn="ctr"/>
-            <a:r>
-              <a:rPr lang="en-CA" sz="1200" b="1" dirty="0" smtClean="0">
-                <a:solidFill>
-                  <a:schemeClr val="tx1"/>
-                </a:solidFill>
-              </a:rPr>
-              <a:t>Tests</a:t>
-            </a:r>
-            <a:endParaRPr lang="en-CA" sz="1200" b="1" dirty="0">
-              <a:solidFill>
-                <a:schemeClr val="tx1"/>
-              </a:solidFill>
-            </a:endParaRPr>
           </a:p>
         </p:txBody>
       </p:sp>
@@ -4643,7 +4476,6 @@
                 <a:rPr lang="en-CA" sz="1200" b="1" dirty="0" smtClean="0"/>
                 <a:t>Test Results</a:t>
               </a:r>
-              <a:endParaRPr lang="en-CA" sz="1200" b="1" dirty="0" smtClean="0"/>
             </a:p>
           </p:txBody>
         </p:sp>
@@ -4977,85 +4809,6 @@
               <a:schemeClr val="tx1"/>
             </a:solidFill>
             <a:tailEnd type="none"/>
-          </a:ln>
-        </p:spPr>
-        <p:style>
-          <a:lnRef idx="1">
-            <a:schemeClr val="accent1"/>
-          </a:lnRef>
-          <a:fillRef idx="0">
-            <a:schemeClr val="accent1"/>
-          </a:fillRef>
-          <a:effectRef idx="0">
-            <a:schemeClr val="accent1"/>
-          </a:effectRef>
-          <a:fontRef idx="minor">
-            <a:schemeClr val="tx1"/>
-          </a:fontRef>
-        </p:style>
-      </p:cxnSp>
-      <p:cxnSp>
-        <p:nvCxnSpPr>
-          <p:cNvPr id="97" name="Elbow Connector 96"/>
-          <p:cNvCxnSpPr>
-            <a:stCxn id="39" idx="1"/>
-            <a:endCxn id="84" idx="2"/>
-          </p:cNvCxnSpPr>
-          <p:nvPr/>
-        </p:nvCxnSpPr>
-        <p:spPr>
-          <a:xfrm rot="10800000">
-            <a:off x="4727136" y="2807994"/>
-            <a:ext cx="3053772" cy="1550515"/>
-          </a:xfrm>
-          <a:prstGeom prst="bentConnector2">
-            <a:avLst/>
-          </a:prstGeom>
-          <a:ln w="31750">
-            <a:solidFill>
-              <a:schemeClr val="tx1"/>
-            </a:solidFill>
-            <a:tailEnd type="none"/>
-          </a:ln>
-        </p:spPr>
-        <p:style>
-          <a:lnRef idx="1">
-            <a:schemeClr val="accent1"/>
-          </a:lnRef>
-          <a:fillRef idx="0">
-            <a:schemeClr val="accent1"/>
-          </a:fillRef>
-          <a:effectRef idx="0">
-            <a:schemeClr val="accent1"/>
-          </a:effectRef>
-          <a:fontRef idx="minor">
-            <a:schemeClr val="tx1"/>
-          </a:fontRef>
-        </p:style>
-      </p:cxnSp>
-      <p:cxnSp>
-        <p:nvCxnSpPr>
-          <p:cNvPr id="100" name="Elbow Connector 99"/>
-          <p:cNvCxnSpPr>
-            <a:stCxn id="39" idx="1"/>
-          </p:cNvCxnSpPr>
-          <p:nvPr/>
-        </p:nvCxnSpPr>
-        <p:spPr>
-          <a:xfrm rot="10800000" flipV="1">
-            <a:off x="7478400" y="4358507"/>
-            <a:ext cx="302509" cy="1"/>
-          </a:xfrm>
-          <a:prstGeom prst="bentConnector3">
-            <a:avLst>
-              <a:gd name="adj1" fmla="val 50000"/>
-            </a:avLst>
-          </a:prstGeom>
-          <a:ln w="31750">
-            <a:solidFill>
-              <a:schemeClr val="tx1"/>
-            </a:solidFill>
-            <a:tailEnd type="arrow"/>
           </a:ln>
         </p:spPr>
         <p:style>
@@ -5672,47 +5425,6 @@
           </a:fontRef>
         </p:style>
       </p:cxnSp>
-      <p:cxnSp>
-        <p:nvCxnSpPr>
-          <p:cNvPr id="278" name="Elbow Connector 277"/>
-          <p:cNvCxnSpPr>
-            <a:stCxn id="94" idx="2"/>
-            <a:endCxn id="39" idx="0"/>
-          </p:cNvCxnSpPr>
-          <p:nvPr/>
-        </p:nvCxnSpPr>
-        <p:spPr>
-          <a:xfrm rot="16200000" flipH="1">
-            <a:off x="6461103" y="2403262"/>
-            <a:ext cx="1770928" cy="1804788"/>
-          </a:xfrm>
-          <a:prstGeom prst="bentConnector3">
-            <a:avLst>
-              <a:gd name="adj1" fmla="val 50000"/>
-            </a:avLst>
-          </a:prstGeom>
-          <a:ln w="31750">
-            <a:solidFill>
-              <a:schemeClr val="tx1"/>
-            </a:solidFill>
-            <a:tailEnd type="arrow"/>
-          </a:ln>
-        </p:spPr>
-        <p:style>
-          <a:lnRef idx="1">
-            <a:schemeClr val="accent1"/>
-          </a:lnRef>
-          <a:fillRef idx="0">
-            <a:schemeClr val="accent1"/>
-          </a:fillRef>
-          <a:effectRef idx="0">
-            <a:schemeClr val="accent1"/>
-          </a:effectRef>
-          <a:fontRef idx="minor">
-            <a:schemeClr val="tx1"/>
-          </a:fontRef>
-        </p:style>
-      </p:cxnSp>
       <p:grpSp>
         <p:nvGrpSpPr>
           <p:cNvPr id="129" name="Group 128"/>
@@ -5721,7 +5433,7 @@
         </p:nvGrpSpPr>
         <p:grpSpPr>
           <a:xfrm>
-            <a:off x="7709748" y="5332517"/>
+            <a:off x="7714676" y="4774189"/>
             <a:ext cx="967824" cy="1166217"/>
             <a:chOff x="1147624" y="188640"/>
             <a:chExt cx="967824" cy="1166217"/>
@@ -5917,7 +5629,7 @@
         <p:spPr>
           <a:xfrm rot="10800000">
             <a:off x="1331642" y="5357298"/>
-            <a:ext cx="6378107" cy="560203"/>
+            <a:ext cx="6383035" cy="1875"/>
           </a:xfrm>
           <a:prstGeom prst="bentConnector3">
             <a:avLst>
@@ -6206,7 +5918,7 @@
         </p:nvSpPr>
         <p:spPr>
           <a:xfrm>
-            <a:off x="4727135" y="2839024"/>
+            <a:off x="4673420" y="2814415"/>
             <a:ext cx="721672" cy="253916"/>
           </a:xfrm>
           <a:prstGeom prst="rect">
@@ -6228,6 +5940,225 @@
           </a:p>
         </p:txBody>
       </p:sp>
+      <p:sp>
+        <p:nvSpPr>
+          <p:cNvPr id="68" name="Rounded Rectangle 67">
+            <a:hlinkClick r:id="rId7"/>
+          </p:cNvPr>
+          <p:cNvSpPr/>
+          <p:nvPr/>
+        </p:nvSpPr>
+        <p:spPr>
+          <a:xfrm>
+            <a:off x="7708441" y="2965982"/>
+            <a:ext cx="1033788" cy="650781"/>
+          </a:xfrm>
+          <a:prstGeom prst="roundRect">
+            <a:avLst/>
+          </a:prstGeom>
+          <a:gradFill>
+            <a:gsLst>
+              <a:gs pos="0">
+                <a:schemeClr val="bg1">
+                  <a:lumMod val="95000"/>
+                </a:schemeClr>
+              </a:gs>
+              <a:gs pos="50000">
+                <a:schemeClr val="bg1">
+                  <a:lumMod val="95000"/>
+                </a:schemeClr>
+              </a:gs>
+              <a:gs pos="100000">
+                <a:schemeClr val="bg1">
+                  <a:lumMod val="85000"/>
+                </a:schemeClr>
+              </a:gs>
+            </a:gsLst>
+            <a:lin ang="5400000" scaled="0"/>
+          </a:gradFill>
+          <a:ln>
+            <a:solidFill>
+              <a:schemeClr val="accent6">
+                <a:lumMod val="75000"/>
+              </a:schemeClr>
+            </a:solidFill>
+          </a:ln>
+        </p:spPr>
+        <p:style>
+          <a:lnRef idx="2">
+            <a:schemeClr val="accent1">
+              <a:shade val="50000"/>
+            </a:schemeClr>
+          </a:lnRef>
+          <a:fillRef idx="1">
+            <a:schemeClr val="accent1"/>
+          </a:fillRef>
+          <a:effectRef idx="0">
+            <a:schemeClr val="accent1"/>
+          </a:effectRef>
+          <a:fontRef idx="minor">
+            <a:schemeClr val="lt1"/>
+          </a:fontRef>
+        </p:style>
+        <p:txBody>
+          <a:bodyPr rtlCol="0" anchor="ctr"/>
+          <a:lstStyle/>
+          <a:p>
+            <a:pPr algn="ctr"/>
+            <a:r>
+              <a:rPr lang="en-CA" sz="1200" b="1" dirty="0" smtClean="0">
+                <a:solidFill>
+                  <a:schemeClr val="tx1"/>
+                </a:solidFill>
+              </a:rPr>
+              <a:t>Verification</a:t>
+            </a:r>
+            <a:br>
+              <a:rPr lang="en-CA" sz="1200" b="1" dirty="0" smtClean="0">
+                <a:solidFill>
+                  <a:schemeClr val="tx1"/>
+                </a:solidFill>
+              </a:rPr>
+            </a:br>
+            <a:r>
+              <a:rPr lang="en-CA" sz="1200" b="1" dirty="0" smtClean="0">
+                <a:solidFill>
+                  <a:schemeClr val="tx1"/>
+                </a:solidFill>
+              </a:rPr>
+              <a:t>and</a:t>
+            </a:r>
+            <a:br>
+              <a:rPr lang="en-CA" sz="1200" b="1" dirty="0" smtClean="0">
+                <a:solidFill>
+                  <a:schemeClr val="tx1"/>
+                </a:solidFill>
+              </a:rPr>
+            </a:br>
+            <a:r>
+              <a:rPr lang="en-CA" sz="1200" b="1" dirty="0" smtClean="0">
+                <a:solidFill>
+                  <a:schemeClr val="tx1"/>
+                </a:solidFill>
+              </a:rPr>
+              <a:t>Retrigger</a:t>
+            </a:r>
+            <a:endParaRPr lang="en-CA" sz="1200" b="1" dirty="0">
+              <a:solidFill>
+                <a:schemeClr val="tx1"/>
+              </a:solidFill>
+            </a:endParaRPr>
+          </a:p>
+        </p:txBody>
+      </p:sp>
+      <p:cxnSp>
+        <p:nvCxnSpPr>
+          <p:cNvPr id="75" name="Elbow Connector 74"/>
+          <p:cNvCxnSpPr>
+            <a:stCxn id="84" idx="2"/>
+            <a:endCxn id="68" idx="1"/>
+          </p:cNvCxnSpPr>
+          <p:nvPr/>
+        </p:nvCxnSpPr>
+        <p:spPr>
+          <a:xfrm rot="16200000" flipH="1">
+            <a:off x="5976098" y="1559030"/>
+            <a:ext cx="483380" cy="2981305"/>
+          </a:xfrm>
+          <a:prstGeom prst="bentConnector2">
+            <a:avLst/>
+          </a:prstGeom>
+          <a:ln w="31750">
+            <a:solidFill>
+              <a:schemeClr val="tx1"/>
+            </a:solidFill>
+            <a:tailEnd type="arrow"/>
+          </a:ln>
+        </p:spPr>
+        <p:style>
+          <a:lnRef idx="1">
+            <a:schemeClr val="accent1"/>
+          </a:lnRef>
+          <a:fillRef idx="0">
+            <a:schemeClr val="accent1"/>
+          </a:fillRef>
+          <a:effectRef idx="0">
+            <a:schemeClr val="accent1"/>
+          </a:effectRef>
+          <a:fontRef idx="minor">
+            <a:schemeClr val="tx1"/>
+          </a:fontRef>
+        </p:style>
+      </p:cxnSp>
+      <p:sp>
+        <p:nvSpPr>
+          <p:cNvPr id="78" name="TextBox 77"/>
+          <p:cNvSpPr txBox="1"/>
+          <p:nvPr/>
+        </p:nvSpPr>
+        <p:spPr>
+          <a:xfrm>
+            <a:off x="5174371" y="1825400"/>
+            <a:ext cx="721672" cy="253916"/>
+          </a:xfrm>
+          <a:prstGeom prst="rect">
+            <a:avLst/>
+          </a:prstGeom>
+          <a:noFill/>
+        </p:spPr>
+        <p:txBody>
+          <a:bodyPr wrap="none" rtlCol="0">
+            <a:spAutoFit/>
+          </a:bodyPr>
+          <a:lstStyle/>
+          <a:p>
+            <a:r>
+              <a:rPr lang="en-CA" sz="1050" dirty="0" smtClean="0"/>
+              <a:t>Port 9200</a:t>
+            </a:r>
+            <a:endParaRPr lang="en-CA" sz="1050" dirty="0"/>
+          </a:p>
+        </p:txBody>
+      </p:sp>
+      <p:cxnSp>
+        <p:nvCxnSpPr>
+          <p:cNvPr id="82" name="Elbow Connector 81"/>
+          <p:cNvCxnSpPr>
+            <a:stCxn id="60" idx="3"/>
+            <a:endCxn id="68" idx="2"/>
+          </p:cNvCxnSpPr>
+          <p:nvPr/>
+        </p:nvCxnSpPr>
+        <p:spPr>
+          <a:xfrm flipV="1">
+            <a:off x="3787690" y="3616763"/>
+            <a:ext cx="4437645" cy="428928"/>
+          </a:xfrm>
+          <a:prstGeom prst="bentConnector2">
+            <a:avLst/>
+          </a:prstGeom>
+          <a:ln w="31750">
+            <a:solidFill>
+              <a:schemeClr val="tx1"/>
+            </a:solidFill>
+            <a:tailEnd type="arrow"/>
+          </a:ln>
+        </p:spPr>
+        <p:style>
+          <a:lnRef idx="1">
+            <a:schemeClr val="accent1"/>
+          </a:lnRef>
+          <a:fillRef idx="0">
+            <a:schemeClr val="accent1"/>
+          </a:fillRef>
+          <a:effectRef idx="0">
+            <a:schemeClr val="accent1"/>
+          </a:effectRef>
+          <a:fontRef idx="minor">
+            <a:schemeClr val="tx1"/>
+          </a:fontRef>
+        </p:style>
+      </p:cxnSp>
     </p:spTree>
     <p:extLst>
       <p:ext uri="{BB962C8B-B14F-4D97-AF65-F5344CB8AC3E}">

--- a/docs/Architecture.pptx
+++ b/docs/Architecture.pptx
@@ -192,7 +192,7 @@
           <a:p>
             <a:fld id="{12C73BD1-E919-4514-A897-6086B61B6A01}" type="datetimeFigureOut">
               <a:rPr lang="en-CA" smtClean="0"/>
-              <a:t>2015-03-21</a:t>
+              <a:t>2015-06-17</a:t>
             </a:fld>
             <a:endParaRPr lang="en-CA"/>
           </a:p>
@@ -725,7 +725,7 @@
           <a:p>
             <a:fld id="{57E13E19-9712-4C08-A35C-78B78B9B3BC2}" type="datetimeFigureOut">
               <a:rPr lang="en-CA" smtClean="0"/>
-              <a:t>2015-03-21</a:t>
+              <a:t>2015-06-17</a:t>
             </a:fld>
             <a:endParaRPr lang="en-CA"/>
           </a:p>
@@ -895,7 +895,7 @@
           <a:p>
             <a:fld id="{57E13E19-9712-4C08-A35C-78B78B9B3BC2}" type="datetimeFigureOut">
               <a:rPr lang="en-CA" smtClean="0"/>
-              <a:t>2015-03-21</a:t>
+              <a:t>2015-06-17</a:t>
             </a:fld>
             <a:endParaRPr lang="en-CA"/>
           </a:p>
@@ -1075,7 +1075,7 @@
           <a:p>
             <a:fld id="{57E13E19-9712-4C08-A35C-78B78B9B3BC2}" type="datetimeFigureOut">
               <a:rPr lang="en-CA" smtClean="0"/>
-              <a:t>2015-03-21</a:t>
+              <a:t>2015-06-17</a:t>
             </a:fld>
             <a:endParaRPr lang="en-CA"/>
           </a:p>
@@ -1245,7 +1245,7 @@
           <a:p>
             <a:fld id="{57E13E19-9712-4C08-A35C-78B78B9B3BC2}" type="datetimeFigureOut">
               <a:rPr lang="en-CA" smtClean="0"/>
-              <a:t>2015-03-21</a:t>
+              <a:t>2015-06-17</a:t>
             </a:fld>
             <a:endParaRPr lang="en-CA"/>
           </a:p>
@@ -1491,7 +1491,7 @@
           <a:p>
             <a:fld id="{57E13E19-9712-4C08-A35C-78B78B9B3BC2}" type="datetimeFigureOut">
               <a:rPr lang="en-CA" smtClean="0"/>
-              <a:t>2015-03-21</a:t>
+              <a:t>2015-06-17</a:t>
             </a:fld>
             <a:endParaRPr lang="en-CA"/>
           </a:p>
@@ -1779,7 +1779,7 @@
           <a:p>
             <a:fld id="{57E13E19-9712-4C08-A35C-78B78B9B3BC2}" type="datetimeFigureOut">
               <a:rPr lang="en-CA" smtClean="0"/>
-              <a:t>2015-03-21</a:t>
+              <a:t>2015-06-17</a:t>
             </a:fld>
             <a:endParaRPr lang="en-CA"/>
           </a:p>
@@ -2201,7 +2201,7 @@
           <a:p>
             <a:fld id="{57E13E19-9712-4C08-A35C-78B78B9B3BC2}" type="datetimeFigureOut">
               <a:rPr lang="en-CA" smtClean="0"/>
-              <a:t>2015-03-21</a:t>
+              <a:t>2015-06-17</a:t>
             </a:fld>
             <a:endParaRPr lang="en-CA"/>
           </a:p>
@@ -2319,7 +2319,7 @@
           <a:p>
             <a:fld id="{57E13E19-9712-4C08-A35C-78B78B9B3BC2}" type="datetimeFigureOut">
               <a:rPr lang="en-CA" smtClean="0"/>
-              <a:t>2015-03-21</a:t>
+              <a:t>2015-06-17</a:t>
             </a:fld>
             <a:endParaRPr lang="en-CA"/>
           </a:p>
@@ -2414,7 +2414,7 @@
           <a:p>
             <a:fld id="{57E13E19-9712-4C08-A35C-78B78B9B3BC2}" type="datetimeFigureOut">
               <a:rPr lang="en-CA" smtClean="0"/>
-              <a:t>2015-03-21</a:t>
+              <a:t>2015-06-17</a:t>
             </a:fld>
             <a:endParaRPr lang="en-CA"/>
           </a:p>
@@ -2691,7 +2691,7 @@
           <a:p>
             <a:fld id="{57E13E19-9712-4C08-A35C-78B78B9B3BC2}" type="datetimeFigureOut">
               <a:rPr lang="en-CA" smtClean="0"/>
-              <a:t>2015-03-21</a:t>
+              <a:t>2015-06-17</a:t>
             </a:fld>
             <a:endParaRPr lang="en-CA"/>
           </a:p>
@@ -2944,7 +2944,7 @@
           <a:p>
             <a:fld id="{57E13E19-9712-4C08-A35C-78B78B9B3BC2}" type="datetimeFigureOut">
               <a:rPr lang="en-CA" smtClean="0"/>
-              <a:t>2015-03-21</a:t>
+              <a:t>2015-06-17</a:t>
             </a:fld>
             <a:endParaRPr lang="en-CA"/>
           </a:p>
@@ -3157,7 +3157,7 @@
           <a:p>
             <a:fld id="{57E13E19-9712-4C08-A35C-78B78B9B3BC2}" type="datetimeFigureOut">
               <a:rPr lang="en-CA" smtClean="0"/>
-              <a:t>2015-03-21</a:t>
+              <a:t>2015-06-17</a:t>
             </a:fld>
             <a:endParaRPr lang="en-CA"/>
           </a:p>
@@ -3542,7 +3542,7 @@
         </p:nvSpPr>
         <p:spPr>
           <a:xfrm>
-            <a:off x="271719" y="1015292"/>
+            <a:off x="263532" y="990625"/>
             <a:ext cx="6850561" cy="4984967"/>
           </a:xfrm>
           <a:prstGeom prst="roundRect">
@@ -3590,6 +3590,402 @@
               </a:rPr>
               <a:t>AWS</a:t>
             </a:r>
+          </a:p>
+        </p:txBody>
+      </p:sp>
+      <p:sp>
+        <p:nvSpPr>
+          <p:cNvPr id="171" name="Rounded Rectangle 170">
+            <a:hlinkClick r:id="rId4"/>
+          </p:cNvPr>
+          <p:cNvSpPr/>
+          <p:nvPr/>
+        </p:nvSpPr>
+        <p:spPr>
+          <a:xfrm>
+            <a:off x="1161028" y="1719316"/>
+            <a:ext cx="1407038" cy="859192"/>
+          </a:xfrm>
+          <a:prstGeom prst="roundRect">
+            <a:avLst>
+              <a:gd name="adj" fmla="val 0"/>
+            </a:avLst>
+          </a:prstGeom>
+          <a:solidFill>
+            <a:srgbClr val="FCFCFC"/>
+          </a:solidFill>
+          <a:ln>
+            <a:solidFill>
+              <a:schemeClr val="accent1">
+                <a:lumMod val="75000"/>
+              </a:schemeClr>
+            </a:solidFill>
+            <a:round/>
+          </a:ln>
+          <a:effectLst>
+            <a:outerShdw blurRad="127000" dist="50800" dir="2640000" algn="ctr" rotWithShape="0">
+              <a:srgbClr val="000000">
+                <a:alpha val="34000"/>
+              </a:srgbClr>
+            </a:outerShdw>
+          </a:effectLst>
+        </p:spPr>
+        <p:style>
+          <a:lnRef idx="2">
+            <a:schemeClr val="accent1">
+              <a:shade val="50000"/>
+            </a:schemeClr>
+          </a:lnRef>
+          <a:fillRef idx="1">
+            <a:schemeClr val="accent1"/>
+          </a:fillRef>
+          <a:effectRef idx="0">
+            <a:schemeClr val="accent1"/>
+          </a:effectRef>
+          <a:fontRef idx="minor">
+            <a:schemeClr val="lt1"/>
+          </a:fontRef>
+        </p:style>
+        <p:txBody>
+          <a:bodyPr rtlCol="0" anchor="t" anchorCtr="0"/>
+          <a:lstStyle/>
+          <a:p>
+            <a:pPr algn="ctr"/>
+            <a:endParaRPr lang="en-CA" sz="1200" b="1" dirty="0" smtClean="0">
+              <a:solidFill>
+                <a:schemeClr val="tx1"/>
+              </a:solidFill>
+            </a:endParaRPr>
+          </a:p>
+        </p:txBody>
+      </p:sp>
+      <p:sp>
+        <p:nvSpPr>
+          <p:cNvPr id="172" name="Rounded Rectangle 171">
+            <a:hlinkClick r:id="rId4"/>
+          </p:cNvPr>
+          <p:cNvSpPr/>
+          <p:nvPr/>
+        </p:nvSpPr>
+        <p:spPr>
+          <a:xfrm>
+            <a:off x="1089028" y="1791316"/>
+            <a:ext cx="1407038" cy="859192"/>
+          </a:xfrm>
+          <a:prstGeom prst="roundRect">
+            <a:avLst>
+              <a:gd name="adj" fmla="val 0"/>
+            </a:avLst>
+          </a:prstGeom>
+          <a:solidFill>
+            <a:srgbClr val="FCFCFC"/>
+          </a:solidFill>
+          <a:ln>
+            <a:solidFill>
+              <a:schemeClr val="accent1">
+                <a:lumMod val="75000"/>
+              </a:schemeClr>
+            </a:solidFill>
+            <a:round/>
+          </a:ln>
+          <a:effectLst>
+            <a:outerShdw blurRad="127000" dist="50800" dir="2640000" algn="ctr" rotWithShape="0">
+              <a:srgbClr val="000000">
+                <a:alpha val="34000"/>
+              </a:srgbClr>
+            </a:outerShdw>
+          </a:effectLst>
+        </p:spPr>
+        <p:style>
+          <a:lnRef idx="2">
+            <a:schemeClr val="accent1">
+              <a:shade val="50000"/>
+            </a:schemeClr>
+          </a:lnRef>
+          <a:fillRef idx="1">
+            <a:schemeClr val="accent1"/>
+          </a:fillRef>
+          <a:effectRef idx="0">
+            <a:schemeClr val="accent1"/>
+          </a:effectRef>
+          <a:fontRef idx="minor">
+            <a:schemeClr val="lt1"/>
+          </a:fontRef>
+        </p:style>
+        <p:txBody>
+          <a:bodyPr rtlCol="0" anchor="t" anchorCtr="0"/>
+          <a:lstStyle/>
+          <a:p>
+            <a:pPr algn="ctr"/>
+            <a:endParaRPr lang="en-CA" sz="1200" b="1" dirty="0" smtClean="0">
+              <a:solidFill>
+                <a:schemeClr val="tx1"/>
+              </a:solidFill>
+            </a:endParaRPr>
+          </a:p>
+        </p:txBody>
+      </p:sp>
+      <p:sp>
+        <p:nvSpPr>
+          <p:cNvPr id="173" name="Rounded Rectangle 172">
+            <a:hlinkClick r:id="rId4"/>
+          </p:cNvPr>
+          <p:cNvSpPr/>
+          <p:nvPr/>
+        </p:nvSpPr>
+        <p:spPr>
+          <a:xfrm>
+            <a:off x="1017028" y="1863316"/>
+            <a:ext cx="1407038" cy="859192"/>
+          </a:xfrm>
+          <a:prstGeom prst="roundRect">
+            <a:avLst>
+              <a:gd name="adj" fmla="val 0"/>
+            </a:avLst>
+          </a:prstGeom>
+          <a:solidFill>
+            <a:srgbClr val="FCFCFC"/>
+          </a:solidFill>
+          <a:ln>
+            <a:solidFill>
+              <a:schemeClr val="accent1">
+                <a:lumMod val="75000"/>
+              </a:schemeClr>
+            </a:solidFill>
+            <a:round/>
+          </a:ln>
+          <a:effectLst>
+            <a:outerShdw blurRad="127000" dist="50800" dir="2640000" algn="ctr" rotWithShape="0">
+              <a:srgbClr val="000000">
+                <a:alpha val="34000"/>
+              </a:srgbClr>
+            </a:outerShdw>
+          </a:effectLst>
+        </p:spPr>
+        <p:style>
+          <a:lnRef idx="2">
+            <a:schemeClr val="accent1">
+              <a:shade val="50000"/>
+            </a:schemeClr>
+          </a:lnRef>
+          <a:fillRef idx="1">
+            <a:schemeClr val="accent1"/>
+          </a:fillRef>
+          <a:effectRef idx="0">
+            <a:schemeClr val="accent1"/>
+          </a:effectRef>
+          <a:fontRef idx="minor">
+            <a:schemeClr val="lt1"/>
+          </a:fontRef>
+        </p:style>
+        <p:txBody>
+          <a:bodyPr rtlCol="0" anchor="t" anchorCtr="0"/>
+          <a:lstStyle/>
+          <a:p>
+            <a:pPr algn="ctr"/>
+            <a:endParaRPr lang="en-CA" sz="1200" b="1" dirty="0" smtClean="0">
+              <a:solidFill>
+                <a:schemeClr val="tx1"/>
+              </a:solidFill>
+            </a:endParaRPr>
+          </a:p>
+        </p:txBody>
+      </p:sp>
+      <p:sp>
+        <p:nvSpPr>
+          <p:cNvPr id="174" name="Rounded Rectangle 173">
+            <a:hlinkClick r:id="rId4"/>
+          </p:cNvPr>
+          <p:cNvSpPr/>
+          <p:nvPr/>
+        </p:nvSpPr>
+        <p:spPr>
+          <a:xfrm>
+            <a:off x="945028" y="1935316"/>
+            <a:ext cx="1407038" cy="859192"/>
+          </a:xfrm>
+          <a:prstGeom prst="roundRect">
+            <a:avLst>
+              <a:gd name="adj" fmla="val 0"/>
+            </a:avLst>
+          </a:prstGeom>
+          <a:solidFill>
+            <a:srgbClr val="FCFCFC"/>
+          </a:solidFill>
+          <a:ln>
+            <a:solidFill>
+              <a:schemeClr val="accent1">
+                <a:lumMod val="75000"/>
+              </a:schemeClr>
+            </a:solidFill>
+            <a:round/>
+          </a:ln>
+          <a:effectLst>
+            <a:outerShdw blurRad="127000" dist="50800" dir="2640000" algn="ctr" rotWithShape="0">
+              <a:srgbClr val="000000">
+                <a:alpha val="34000"/>
+              </a:srgbClr>
+            </a:outerShdw>
+          </a:effectLst>
+        </p:spPr>
+        <p:style>
+          <a:lnRef idx="2">
+            <a:schemeClr val="accent1">
+              <a:shade val="50000"/>
+            </a:schemeClr>
+          </a:lnRef>
+          <a:fillRef idx="1">
+            <a:schemeClr val="accent1"/>
+          </a:fillRef>
+          <a:effectRef idx="0">
+            <a:schemeClr val="accent1"/>
+          </a:effectRef>
+          <a:fontRef idx="minor">
+            <a:schemeClr val="lt1"/>
+          </a:fontRef>
+        </p:style>
+        <p:txBody>
+          <a:bodyPr rtlCol="0" anchor="t" anchorCtr="0"/>
+          <a:lstStyle/>
+          <a:p>
+            <a:pPr algn="ctr"/>
+            <a:endParaRPr lang="en-CA" sz="1200" b="1" dirty="0" smtClean="0">
+              <a:solidFill>
+                <a:schemeClr val="tx1"/>
+              </a:solidFill>
+            </a:endParaRPr>
+          </a:p>
+        </p:txBody>
+      </p:sp>
+      <p:sp>
+        <p:nvSpPr>
+          <p:cNvPr id="175" name="Rounded Rectangle 174">
+            <a:hlinkClick r:id="rId4"/>
+          </p:cNvPr>
+          <p:cNvSpPr/>
+          <p:nvPr/>
+        </p:nvSpPr>
+        <p:spPr>
+          <a:xfrm>
+            <a:off x="873028" y="2007316"/>
+            <a:ext cx="1407038" cy="859192"/>
+          </a:xfrm>
+          <a:prstGeom prst="roundRect">
+            <a:avLst>
+              <a:gd name="adj" fmla="val 0"/>
+            </a:avLst>
+          </a:prstGeom>
+          <a:solidFill>
+            <a:srgbClr val="FCFCFC"/>
+          </a:solidFill>
+          <a:ln>
+            <a:solidFill>
+              <a:schemeClr val="accent1">
+                <a:lumMod val="75000"/>
+              </a:schemeClr>
+            </a:solidFill>
+            <a:round/>
+          </a:ln>
+          <a:effectLst>
+            <a:outerShdw blurRad="127000" dist="50800" dir="2640000" algn="ctr" rotWithShape="0">
+              <a:srgbClr val="000000">
+                <a:alpha val="34000"/>
+              </a:srgbClr>
+            </a:outerShdw>
+          </a:effectLst>
+        </p:spPr>
+        <p:style>
+          <a:lnRef idx="2">
+            <a:schemeClr val="accent1">
+              <a:shade val="50000"/>
+            </a:schemeClr>
+          </a:lnRef>
+          <a:fillRef idx="1">
+            <a:schemeClr val="accent1"/>
+          </a:fillRef>
+          <a:effectRef idx="0">
+            <a:schemeClr val="accent1"/>
+          </a:effectRef>
+          <a:fontRef idx="minor">
+            <a:schemeClr val="lt1"/>
+          </a:fontRef>
+        </p:style>
+        <p:txBody>
+          <a:bodyPr rtlCol="0" anchor="t" anchorCtr="0"/>
+          <a:lstStyle/>
+          <a:p>
+            <a:pPr algn="ctr"/>
+            <a:endParaRPr lang="en-CA" sz="1200" b="1" dirty="0" smtClean="0">
+              <a:solidFill>
+                <a:schemeClr val="tx1"/>
+              </a:solidFill>
+            </a:endParaRPr>
+          </a:p>
+        </p:txBody>
+      </p:sp>
+      <p:sp>
+        <p:nvSpPr>
+          <p:cNvPr id="176" name="Rounded Rectangle 175">
+            <a:hlinkClick r:id="rId4"/>
+          </p:cNvPr>
+          <p:cNvSpPr/>
+          <p:nvPr/>
+        </p:nvSpPr>
+        <p:spPr>
+          <a:xfrm>
+            <a:off x="801028" y="2079316"/>
+            <a:ext cx="1407038" cy="859192"/>
+          </a:xfrm>
+          <a:prstGeom prst="roundRect">
+            <a:avLst>
+              <a:gd name="adj" fmla="val 0"/>
+            </a:avLst>
+          </a:prstGeom>
+          <a:solidFill>
+            <a:srgbClr val="FCFCFC"/>
+          </a:solidFill>
+          <a:ln>
+            <a:solidFill>
+              <a:schemeClr val="accent1">
+                <a:lumMod val="75000"/>
+              </a:schemeClr>
+            </a:solidFill>
+            <a:round/>
+          </a:ln>
+          <a:effectLst>
+            <a:outerShdw blurRad="127000" dist="50800" dir="2640000" algn="ctr" rotWithShape="0">
+              <a:srgbClr val="000000">
+                <a:alpha val="34000"/>
+              </a:srgbClr>
+            </a:outerShdw>
+          </a:effectLst>
+        </p:spPr>
+        <p:style>
+          <a:lnRef idx="2">
+            <a:schemeClr val="accent1">
+              <a:shade val="50000"/>
+            </a:schemeClr>
+          </a:lnRef>
+          <a:fillRef idx="1">
+            <a:schemeClr val="accent1"/>
+          </a:fillRef>
+          <a:effectRef idx="0">
+            <a:schemeClr val="accent1"/>
+          </a:effectRef>
+          <a:fontRef idx="minor">
+            <a:schemeClr val="lt1"/>
+          </a:fontRef>
+        </p:style>
+        <p:txBody>
+          <a:bodyPr rtlCol="0" anchor="t" anchorCtr="0"/>
+          <a:lstStyle/>
+          <a:p>
+            <a:pPr algn="ctr"/>
+            <a:endParaRPr lang="en-CA" sz="1200" b="1" dirty="0" smtClean="0">
+              <a:solidFill>
+                <a:schemeClr val="tx1"/>
+              </a:solidFill>
+            </a:endParaRPr>
           </a:p>
         </p:txBody>
       </p:sp>
@@ -3838,118 +4234,6 @@
       </p:grpSp>
       <p:sp>
         <p:nvSpPr>
-          <p:cNvPr id="52" name="Rounded Rectangle 51">
-            <a:hlinkClick r:id="rId4"/>
-          </p:cNvPr>
-          <p:cNvSpPr/>
-          <p:nvPr/>
-        </p:nvSpPr>
-        <p:spPr>
-          <a:xfrm>
-            <a:off x="4161488" y="1161417"/>
-            <a:ext cx="1373719" cy="1519129"/>
-          </a:xfrm>
-          <a:prstGeom prst="roundRect">
-            <a:avLst>
-              <a:gd name="adj" fmla="val 0"/>
-            </a:avLst>
-          </a:prstGeom>
-          <a:solidFill>
-            <a:srgbClr val="FCFCFC"/>
-          </a:solidFill>
-          <a:ln>
-            <a:solidFill>
-              <a:srgbClr val="74B73F"/>
-            </a:solidFill>
-          </a:ln>
-        </p:spPr>
-        <p:style>
-          <a:lnRef idx="2">
-            <a:schemeClr val="accent1">
-              <a:shade val="50000"/>
-            </a:schemeClr>
-          </a:lnRef>
-          <a:fillRef idx="1">
-            <a:schemeClr val="accent1"/>
-          </a:fillRef>
-          <a:effectRef idx="0">
-            <a:schemeClr val="accent1"/>
-          </a:effectRef>
-          <a:fontRef idx="minor">
-            <a:schemeClr val="lt1"/>
-          </a:fontRef>
-        </p:style>
-        <p:txBody>
-          <a:bodyPr rtlCol="0" anchor="b" anchorCtr="0"/>
-          <a:lstStyle/>
-          <a:p>
-            <a:pPr algn="ctr"/>
-            <a:endParaRPr lang="en-CA" sz="1200" b="1" dirty="0" smtClean="0">
-              <a:solidFill>
-                <a:schemeClr val="tx1"/>
-              </a:solidFill>
-            </a:endParaRPr>
-          </a:p>
-        </p:txBody>
-      </p:sp>
-      <p:sp>
-        <p:nvSpPr>
-          <p:cNvPr id="51" name="Rounded Rectangle 50">
-            <a:hlinkClick r:id="rId4"/>
-          </p:cNvPr>
-          <p:cNvSpPr/>
-          <p:nvPr/>
-        </p:nvSpPr>
-        <p:spPr>
-          <a:xfrm>
-            <a:off x="4096167" y="1223047"/>
-            <a:ext cx="1377143" cy="1519129"/>
-          </a:xfrm>
-          <a:prstGeom prst="roundRect">
-            <a:avLst>
-              <a:gd name="adj" fmla="val 0"/>
-            </a:avLst>
-          </a:prstGeom>
-          <a:solidFill>
-            <a:srgbClr val="FCFCFC"/>
-          </a:solidFill>
-          <a:ln>
-            <a:solidFill>
-              <a:srgbClr val="74B73F"/>
-            </a:solidFill>
-          </a:ln>
-        </p:spPr>
-        <p:style>
-          <a:lnRef idx="2">
-            <a:schemeClr val="accent1">
-              <a:shade val="50000"/>
-            </a:schemeClr>
-          </a:lnRef>
-          <a:fillRef idx="1">
-            <a:schemeClr val="accent1"/>
-          </a:fillRef>
-          <a:effectRef idx="0">
-            <a:schemeClr val="accent1"/>
-          </a:effectRef>
-          <a:fontRef idx="minor">
-            <a:schemeClr val="lt1"/>
-          </a:fontRef>
-        </p:style>
-        <p:txBody>
-          <a:bodyPr rtlCol="0" anchor="b" anchorCtr="0"/>
-          <a:lstStyle/>
-          <a:p>
-            <a:pPr algn="ctr"/>
-            <a:endParaRPr lang="en-CA" sz="1200" b="1" dirty="0" smtClean="0">
-              <a:solidFill>
-                <a:schemeClr val="tx1"/>
-              </a:solidFill>
-            </a:endParaRPr>
-          </a:p>
-        </p:txBody>
-      </p:sp>
-      <p:sp>
-        <p:nvSpPr>
           <p:cNvPr id="126" name="Rounded Rectangle 125">
             <a:hlinkClick r:id="rId4"/>
           </p:cNvPr>
@@ -3958,8 +4242,8 @@
         </p:nvSpPr>
         <p:spPr>
           <a:xfrm>
-            <a:off x="1589362" y="1292421"/>
-            <a:ext cx="1407038" cy="1519129"/>
+            <a:off x="720000" y="2160000"/>
+            <a:ext cx="1407038" cy="859192"/>
           </a:xfrm>
           <a:prstGeom prst="roundRect">
             <a:avLst>
@@ -4015,21 +4299,18 @@
               <a:t>ETL </a:t>
             </a:r>
             <a:r>
-              <a:rPr lang="en-CA" sz="1200" b="1" dirty="0">
-                <a:solidFill>
-                  <a:schemeClr val="tx1"/>
-                </a:solidFill>
-              </a:rPr>
-              <a:t>(</a:t>
-            </a:r>
-            <a:r>
               <a:rPr lang="en-CA" sz="1200" b="1" dirty="0" smtClean="0">
                 <a:solidFill>
                   <a:schemeClr val="tx1"/>
                 </a:solidFill>
               </a:rPr>
-              <a:t>c4.4xlarge)</a:t>
-            </a:r>
+              <a:t>(spot)</a:t>
+            </a:r>
+            <a:endParaRPr lang="en-CA" sz="1200" b="1" dirty="0" smtClean="0">
+              <a:solidFill>
+                <a:schemeClr val="tx1"/>
+              </a:solidFill>
+            </a:endParaRPr>
           </a:p>
         </p:txBody>
       </p:sp>
@@ -4043,8 +4324,8 @@
         </p:nvSpPr>
         <p:spPr>
           <a:xfrm>
-            <a:off x="4038564" y="1288867"/>
-            <a:ext cx="1377143" cy="1519126"/>
+            <a:off x="4295456" y="2511183"/>
+            <a:ext cx="1239751" cy="1288895"/>
           </a:xfrm>
           <a:prstGeom prst="roundRect">
             <a:avLst>
@@ -4077,154 +4358,48 @@
           </a:fontRef>
         </p:style>
         <p:txBody>
-          <a:bodyPr rtlCol="0" anchor="b" anchorCtr="0"/>
+          <a:bodyPr rtlCol="0" anchor="t" anchorCtr="0"/>
           <a:lstStyle/>
           <a:p>
             <a:pPr algn="ctr"/>
-            <a:r>
-              <a:rPr lang="en-CA" sz="1200" b="1" dirty="0" err="1" smtClean="0">
-                <a:solidFill>
-                  <a:schemeClr val="tx1"/>
-                </a:solidFill>
-              </a:rPr>
-              <a:t>ElasticSearch</a:t>
-            </a:r>
             <a:r>
               <a:rPr lang="en-CA" sz="1200" b="1" dirty="0" smtClean="0">
                 <a:solidFill>
                   <a:schemeClr val="tx1"/>
                 </a:solidFill>
               </a:rPr>
-              <a:t> </a:t>
-            </a:r>
-            <a:r>
-              <a:rPr lang="en-CA" sz="1200" b="1" dirty="0">
-                <a:solidFill>
-                  <a:schemeClr val="tx1"/>
-                </a:solidFill>
-              </a:rPr>
-              <a:t>(</a:t>
-            </a:r>
-            <a:r>
+              <a:t>Master</a:t>
+            </a:r>
+            <a:br>
               <a:rPr lang="en-CA" sz="1200" b="1" dirty="0" smtClean="0">
                 <a:solidFill>
                   <a:schemeClr val="tx1"/>
                 </a:solidFill>
               </a:rPr>
-              <a:t>r3.xlarge)</a:t>
-            </a:r>
-          </a:p>
-        </p:txBody>
-      </p:sp>
-      <p:grpSp>
-        <p:nvGrpSpPr>
-          <p:cNvPr id="13" name="Group 12"/>
-          <p:cNvGrpSpPr/>
-          <p:nvPr/>
-        </p:nvGrpSpPr>
-        <p:grpSpPr>
-          <a:xfrm>
-            <a:off x="4184206" y="1358539"/>
-            <a:ext cx="1070483" cy="936115"/>
-            <a:chOff x="1944668" y="1262408"/>
-            <a:chExt cx="875038" cy="670402"/>
-          </a:xfrm>
-        </p:grpSpPr>
-        <p:pic>
-          <p:nvPicPr>
-            <p:cNvPr id="10" name="Picture 9"/>
-            <p:cNvPicPr>
-              <a:picLocks noChangeAspect="1"/>
-            </p:cNvPicPr>
-            <p:nvPr/>
-          </p:nvPicPr>
-          <p:blipFill>
-            <a:blip r:embed="rId6" cstate="print">
-              <a:extLst>
-                <a:ext uri="{28A0092B-C50C-407E-A947-70E740481C1C}">
-                  <a14:useLocalDpi xmlns:a14="http://schemas.microsoft.com/office/drawing/2010/main" val="0"/>
-                </a:ext>
-              </a:extLst>
-            </a:blip>
-            <a:stretch>
-              <a:fillRect/>
-            </a:stretch>
-          </p:blipFill>
-          <p:spPr>
-            <a:xfrm>
-              <a:off x="1944668" y="1262408"/>
-              <a:ext cx="446935" cy="446935"/>
-            </a:xfrm>
-            <a:prstGeom prst="rect">
-              <a:avLst/>
-            </a:prstGeom>
-          </p:spPr>
-        </p:pic>
-        <p:pic>
-          <p:nvPicPr>
-            <p:cNvPr id="11" name="Picture 10"/>
-            <p:cNvPicPr>
-              <a:picLocks noChangeAspect="1"/>
-            </p:cNvPicPr>
-            <p:nvPr/>
-          </p:nvPicPr>
-          <p:blipFill>
-            <a:blip r:embed="rId6" cstate="print">
-              <a:extLst>
-                <a:ext uri="{28A0092B-C50C-407E-A947-70E740481C1C}">
-                  <a14:useLocalDpi xmlns:a14="http://schemas.microsoft.com/office/drawing/2010/main" val="0"/>
-                </a:ext>
-              </a:extLst>
-            </a:blip>
-            <a:stretch>
-              <a:fillRect/>
-            </a:stretch>
-          </p:blipFill>
-          <p:spPr>
-            <a:xfrm>
-              <a:off x="2372771" y="1268760"/>
-              <a:ext cx="446935" cy="446935"/>
-            </a:xfrm>
-            <a:prstGeom prst="rect">
-              <a:avLst/>
-            </a:prstGeom>
-          </p:spPr>
-        </p:pic>
-        <p:pic>
-          <p:nvPicPr>
-            <p:cNvPr id="12" name="Picture 11"/>
-            <p:cNvPicPr>
-              <a:picLocks noChangeAspect="1"/>
-            </p:cNvPicPr>
-            <p:nvPr/>
-          </p:nvPicPr>
-          <p:blipFill>
-            <a:blip r:embed="rId6" cstate="print">
-              <a:extLst>
-                <a:ext uri="{28A0092B-C50C-407E-A947-70E740481C1C}">
-                  <a14:useLocalDpi xmlns:a14="http://schemas.microsoft.com/office/drawing/2010/main" val="0"/>
-                </a:ext>
-              </a:extLst>
-            </a:blip>
-            <a:stretch>
-              <a:fillRect/>
-            </a:stretch>
-          </p:blipFill>
-          <p:spPr>
-            <a:xfrm>
-              <a:off x="2168135" y="1485875"/>
-              <a:ext cx="446935" cy="446935"/>
-            </a:xfrm>
-            <a:prstGeom prst="rect">
-              <a:avLst/>
-            </a:prstGeom>
-          </p:spPr>
-        </p:pic>
-      </p:grpSp>
+            </a:br>
+            <a:r>
+              <a:rPr lang="en-CA" sz="1200" b="1" dirty="0" smtClean="0">
+                <a:solidFill>
+                  <a:schemeClr val="tx1"/>
+                </a:solidFill>
+              </a:rPr>
+              <a:t>(r3.xlarge</a:t>
+            </a:r>
+            <a:r>
+              <a:rPr lang="en-CA" sz="1200" b="1" dirty="0" smtClean="0">
+                <a:solidFill>
+                  <a:schemeClr val="tx1"/>
+                </a:solidFill>
+              </a:rPr>
+              <a:t>)</a:t>
+            </a:r>
+          </a:p>
+        </p:txBody>
+      </p:sp>
       <p:sp>
         <p:nvSpPr>
           <p:cNvPr id="94" name="Rounded Rectangle 93">
-            <a:hlinkClick r:id="rId7"/>
+            <a:hlinkClick r:id="rId6"/>
           </p:cNvPr>
           <p:cNvSpPr/>
           <p:nvPr/>
@@ -4406,10 +4581,10 @@
         </p:nvGrpSpPr>
         <p:grpSpPr>
           <a:xfrm>
-            <a:off x="2787955" y="3542691"/>
-            <a:ext cx="999735" cy="1454375"/>
-            <a:chOff x="7682389" y="870322"/>
-            <a:chExt cx="1238982" cy="1791198"/>
+            <a:off x="2043877" y="3493467"/>
+            <a:ext cx="999735" cy="1454376"/>
+            <a:chOff x="7682389" y="870321"/>
+            <a:chExt cx="1238982" cy="1791199"/>
           </a:xfrm>
         </p:grpSpPr>
         <p:pic>
@@ -4421,7 +4596,7 @@
             <p:nvPr/>
           </p:nvPicPr>
           <p:blipFill>
-            <a:blip r:embed="rId8" cstate="print">
+            <a:blip r:embed="rId7" cstate="print">
               <a:extLst>
                 <a:ext uri="{28A0092B-C50C-407E-A947-70E740481C1C}">
                   <a14:useLocalDpi xmlns:a14="http://schemas.microsoft.com/office/drawing/2010/main" val="0"/>
@@ -4434,7 +4609,7 @@
           </p:blipFill>
           <p:spPr>
             <a:xfrm>
-              <a:off x="7682389" y="870322"/>
+              <a:off x="7682389" y="870321"/>
               <a:ext cx="1238982" cy="1238982"/>
             </a:xfrm>
             <a:prstGeom prst="rect">
@@ -4503,7 +4678,7 @@
             <p:nvPr/>
           </p:nvPicPr>
           <p:blipFill>
-            <a:blip r:embed="rId9" cstate="print">
+            <a:blip r:embed="rId8" cstate="print">
               <a:extLst>
                 <a:ext uri="{28A0092B-C50C-407E-A947-70E740481C1C}">
                   <a14:useLocalDpi xmlns:a14="http://schemas.microsoft.com/office/drawing/2010/main" val="0"/>
@@ -4572,7 +4747,7 @@
       <p:sp>
         <p:nvSpPr>
           <p:cNvPr id="79" name="Rounded Rectangle 78">
-            <a:hlinkClick r:id="rId7"/>
+            <a:hlinkClick r:id="rId6"/>
           </p:cNvPr>
           <p:cNvSpPr/>
           <p:nvPr/>
@@ -4668,14 +4843,14 @@
       <p:sp>
         <p:nvSpPr>
           <p:cNvPr id="80" name="Rounded Rectangle 79">
-            <a:hlinkClick r:id="rId7"/>
+            <a:hlinkClick r:id="rId6"/>
           </p:cNvPr>
           <p:cNvSpPr/>
           <p:nvPr/>
         </p:nvSpPr>
         <p:spPr>
           <a:xfrm>
-            <a:off x="1824830" y="2221887"/>
+            <a:off x="951856" y="2478723"/>
             <a:ext cx="936105" cy="334776"/>
           </a:xfrm>
           <a:prstGeom prst="roundRect">
@@ -4789,60 +4964,20 @@
       </p:cxnSp>
       <p:cxnSp>
         <p:nvCxnSpPr>
-          <p:cNvPr id="90" name="Elbow Connector 89"/>
+          <p:cNvPr id="107" name="Straight Arrow Connector 106"/>
           <p:cNvCxnSpPr>
-            <a:stCxn id="17" idx="0"/>
+            <a:stCxn id="63" idx="0"/>
             <a:endCxn id="80" idx="1"/>
           </p:cNvCxnSpPr>
           <p:nvPr/>
         </p:nvCxnSpPr>
         <p:spPr>
           <a:xfrm rot="5400000" flipH="1" flipV="1">
-            <a:off x="1071878" y="2740518"/>
-            <a:ext cx="1104195" cy="401710"/>
+            <a:off x="518518" y="2782454"/>
+            <a:ext cx="569681" cy="296996"/>
           </a:xfrm>
           <a:prstGeom prst="bentConnector2">
             <a:avLst/>
-          </a:prstGeom>
-          <a:ln w="31750">
-            <a:solidFill>
-              <a:schemeClr val="tx1"/>
-            </a:solidFill>
-            <a:tailEnd type="none"/>
-          </a:ln>
-        </p:spPr>
-        <p:style>
-          <a:lnRef idx="1">
-            <a:schemeClr val="accent1"/>
-          </a:lnRef>
-          <a:fillRef idx="0">
-            <a:schemeClr val="accent1"/>
-          </a:fillRef>
-          <a:effectRef idx="0">
-            <a:schemeClr val="accent1"/>
-          </a:effectRef>
-          <a:fontRef idx="minor">
-            <a:schemeClr val="tx1"/>
-          </a:fontRef>
-        </p:style>
-      </p:cxnSp>
-      <p:cxnSp>
-        <p:nvCxnSpPr>
-          <p:cNvPr id="107" name="Straight Arrow Connector 106"/>
-          <p:cNvCxnSpPr>
-            <a:stCxn id="63" idx="0"/>
-          </p:cNvCxnSpPr>
-          <p:nvPr/>
-        </p:nvCxnSpPr>
-        <p:spPr>
-          <a:xfrm rot="5400000" flipH="1" flipV="1">
-            <a:off x="625729" y="2418402"/>
-            <a:ext cx="826520" cy="768260"/>
-          </a:xfrm>
-          <a:prstGeom prst="bentConnector3">
-            <a:avLst>
-              <a:gd name="adj1" fmla="val 100009"/>
-            </a:avLst>
           </a:prstGeom>
           <a:ln w="31750">
             <a:solidFill>
@@ -4868,127 +5003,6 @@
       </p:cxnSp>
       <p:cxnSp>
         <p:nvCxnSpPr>
-          <p:cNvPr id="115" name="Elbow Connector 114"/>
-          <p:cNvCxnSpPr>
-            <a:endCxn id="80" idx="1"/>
-          </p:cNvCxnSpPr>
-          <p:nvPr/>
-        </p:nvCxnSpPr>
-        <p:spPr>
-          <a:xfrm>
-            <a:off x="1455394" y="2389274"/>
-            <a:ext cx="369436" cy="1"/>
-          </a:xfrm>
-          <a:prstGeom prst="bentConnector3">
-            <a:avLst>
-              <a:gd name="adj1" fmla="val 50000"/>
-            </a:avLst>
-          </a:prstGeom>
-          <a:ln w="31750">
-            <a:solidFill>
-              <a:schemeClr val="tx1"/>
-            </a:solidFill>
-            <a:tailEnd type="arrow"/>
-          </a:ln>
-        </p:spPr>
-        <p:style>
-          <a:lnRef idx="1">
-            <a:schemeClr val="accent1"/>
-          </a:lnRef>
-          <a:fillRef idx="0">
-            <a:schemeClr val="accent1"/>
-          </a:fillRef>
-          <a:effectRef idx="0">
-            <a:schemeClr val="accent1"/>
-          </a:effectRef>
-          <a:fontRef idx="minor">
-            <a:schemeClr val="tx1"/>
-          </a:fontRef>
-        </p:style>
-      </p:cxnSp>
-      <p:sp>
-        <p:nvSpPr>
-          <p:cNvPr id="145" name="Rounded Rectangle 144">
-            <a:hlinkClick r:id="rId7"/>
-          </p:cNvPr>
-          <p:cNvSpPr/>
-          <p:nvPr/>
-        </p:nvSpPr>
-        <p:spPr>
-          <a:xfrm>
-            <a:off x="1824828" y="1784970"/>
-            <a:ext cx="936105" cy="334776"/>
-          </a:xfrm>
-          <a:prstGeom prst="roundRect">
-            <a:avLst/>
-          </a:prstGeom>
-          <a:gradFill>
-            <a:gsLst>
-              <a:gs pos="0">
-                <a:schemeClr val="bg1">
-                  <a:lumMod val="95000"/>
-                </a:schemeClr>
-              </a:gs>
-              <a:gs pos="50000">
-                <a:schemeClr val="bg1">
-                  <a:lumMod val="95000"/>
-                </a:schemeClr>
-              </a:gs>
-              <a:gs pos="100000">
-                <a:schemeClr val="bg1">
-                  <a:lumMod val="85000"/>
-                </a:schemeClr>
-              </a:gs>
-            </a:gsLst>
-            <a:lin ang="5400000" scaled="0"/>
-          </a:gradFill>
-          <a:ln>
-            <a:solidFill>
-              <a:schemeClr val="accent6">
-                <a:lumMod val="75000"/>
-              </a:schemeClr>
-            </a:solidFill>
-          </a:ln>
-        </p:spPr>
-        <p:style>
-          <a:lnRef idx="2">
-            <a:schemeClr val="accent1">
-              <a:shade val="50000"/>
-            </a:schemeClr>
-          </a:lnRef>
-          <a:fillRef idx="1">
-            <a:schemeClr val="accent1"/>
-          </a:fillRef>
-          <a:effectRef idx="0">
-            <a:schemeClr val="accent1"/>
-          </a:effectRef>
-          <a:fontRef idx="minor">
-            <a:schemeClr val="lt1"/>
-          </a:fontRef>
-        </p:style>
-        <p:txBody>
-          <a:bodyPr rtlCol="0" anchor="ctr"/>
-          <a:lstStyle/>
-          <a:p>
-            <a:pPr algn="ctr"/>
-            <a:r>
-              <a:rPr lang="en-CA" sz="1200" b="1" dirty="0" smtClean="0">
-                <a:solidFill>
-                  <a:schemeClr val="tx1"/>
-                </a:solidFill>
-              </a:rPr>
-              <a:t>Copy</a:t>
-            </a:r>
-            <a:endParaRPr lang="en-CA" sz="1200" b="1" dirty="0">
-              <a:solidFill>
-                <a:schemeClr val="tx1"/>
-              </a:solidFill>
-            </a:endParaRPr>
-          </a:p>
-        </p:txBody>
-      </p:sp>
-      <p:cxnSp>
-        <p:nvCxnSpPr>
           <p:cNvPr id="188" name="Elbow Connector 187"/>
           <p:cNvCxnSpPr>
             <a:stCxn id="84" idx="3"/>
@@ -4998,8 +5012,8 @@
         </p:nvCxnSpPr>
         <p:spPr>
           <a:xfrm flipV="1">
-            <a:off x="5415707" y="2047183"/>
-            <a:ext cx="695655" cy="1247"/>
+            <a:off x="5535207" y="2047183"/>
+            <a:ext cx="576155" cy="1108448"/>
           </a:xfrm>
           <a:prstGeom prst="bentConnector3">
             <a:avLst>
@@ -5069,45 +5083,6 @@
           </a:fontRef>
         </p:style>
       </p:cxnSp>
-      <p:cxnSp>
-        <p:nvCxnSpPr>
-          <p:cNvPr id="205" name="Elbow Connector 204"/>
-          <p:cNvCxnSpPr>
-            <a:stCxn id="60" idx="0"/>
-            <a:endCxn id="145" idx="3"/>
-          </p:cNvCxnSpPr>
-          <p:nvPr/>
-        </p:nvCxnSpPr>
-        <p:spPr>
-          <a:xfrm rot="16200000" flipV="1">
-            <a:off x="2229209" y="2484083"/>
-            <a:ext cx="1590333" cy="526884"/>
-          </a:xfrm>
-          <a:prstGeom prst="bentConnector2">
-            <a:avLst/>
-          </a:prstGeom>
-          <a:ln w="31750">
-            <a:solidFill>
-              <a:schemeClr val="tx1"/>
-            </a:solidFill>
-            <a:tailEnd type="arrow"/>
-          </a:ln>
-        </p:spPr>
-        <p:style>
-          <a:lnRef idx="1">
-            <a:schemeClr val="accent1"/>
-          </a:lnRef>
-          <a:fillRef idx="0">
-            <a:schemeClr val="accent1"/>
-          </a:fillRef>
-          <a:effectRef idx="0">
-            <a:schemeClr val="accent1"/>
-          </a:effectRef>
-          <a:fontRef idx="minor">
-            <a:schemeClr val="tx1"/>
-          </a:fontRef>
-        </p:style>
-      </p:cxnSp>
       <p:grpSp>
         <p:nvGrpSpPr>
           <p:cNvPr id="89" name="Group 88"/>
@@ -5116,7 +5091,7 @@
         </p:nvGrpSpPr>
         <p:grpSpPr>
           <a:xfrm>
-            <a:off x="906428" y="3493470"/>
+            <a:off x="903218" y="3497765"/>
             <a:ext cx="1033383" cy="1423232"/>
             <a:chOff x="7682388" y="870322"/>
             <a:chExt cx="1205701" cy="1695375"/>
@@ -5131,7 +5106,7 @@
             <p:nvPr/>
           </p:nvPicPr>
           <p:blipFill>
-            <a:blip r:embed="rId8" cstate="print">
+            <a:blip r:embed="rId7" cstate="print">
               <a:extLst>
                 <a:ext uri="{28A0092B-C50C-407E-A947-70E740481C1C}">
                   <a14:useLocalDpi xmlns:a14="http://schemas.microsoft.com/office/drawing/2010/main" val="0"/>
@@ -5193,14 +5168,12 @@
       <p:cxnSp>
         <p:nvCxnSpPr>
           <p:cNvPr id="215" name="Elbow Connector 214"/>
-          <p:cNvCxnSpPr>
-            <a:stCxn id="145" idx="0"/>
-          </p:cNvCxnSpPr>
+          <p:cNvCxnSpPr/>
           <p:nvPr/>
         </p:nvCxnSpPr>
         <p:spPr>
           <a:xfrm rot="5400000" flipH="1" flipV="1">
-            <a:off x="2182085" y="1674172"/>
+            <a:off x="1320126" y="1137066"/>
             <a:ext cx="221594" cy="2"/>
           </a:xfrm>
           <a:prstGeom prst="bentConnector3">
@@ -5213,48 +5186,6 @@
               <a:schemeClr val="tx1"/>
             </a:solidFill>
             <a:tailEnd type="arrow"/>
-          </a:ln>
-        </p:spPr>
-        <p:style>
-          <a:lnRef idx="1">
-            <a:schemeClr val="accent1"/>
-          </a:lnRef>
-          <a:fillRef idx="0">
-            <a:schemeClr val="accent1"/>
-          </a:fillRef>
-          <a:effectRef idx="0">
-            <a:schemeClr val="accent1"/>
-          </a:effectRef>
-          <a:fontRef idx="minor">
-            <a:schemeClr val="tx1"/>
-          </a:fontRef>
-        </p:style>
-      </p:cxnSp>
-      <p:cxnSp>
-        <p:nvCxnSpPr>
-          <p:cNvPr id="216" name="Elbow Connector 215"/>
-          <p:cNvCxnSpPr>
-            <a:stCxn id="84" idx="1"/>
-            <a:endCxn id="145" idx="0"/>
-          </p:cNvCxnSpPr>
-          <p:nvPr/>
-        </p:nvCxnSpPr>
-        <p:spPr>
-          <a:xfrm rot="10800000">
-            <a:off x="2292882" y="1784970"/>
-            <a:ext cx="1745683" cy="263460"/>
-          </a:xfrm>
-          <a:prstGeom prst="bentConnector4">
-            <a:avLst>
-              <a:gd name="adj1" fmla="val 36594"/>
-              <a:gd name="adj2" fmla="val 186768"/>
-            </a:avLst>
-          </a:prstGeom>
-          <a:ln w="31750">
-            <a:solidFill>
-              <a:schemeClr val="tx1"/>
-            </a:solidFill>
-            <a:tailEnd type="none"/>
           </a:ln>
         </p:spPr>
         <p:style>
@@ -5295,7 +5226,7 @@
             <p:nvPr/>
           </p:nvPicPr>
           <p:blipFill>
-            <a:blip r:embed="rId10" cstate="print">
+            <a:blip r:embed="rId9" cstate="print">
               <a:extLst>
                 <a:ext uri="{28A0092B-C50C-407E-A947-70E740481C1C}">
                   <a14:useLocalDpi xmlns:a14="http://schemas.microsoft.com/office/drawing/2010/main" val="0"/>
@@ -5357,8 +5288,8 @@
         </p:nvCxnSpPr>
         <p:spPr>
           <a:xfrm rot="16200000" flipV="1">
-            <a:off x="2447668" y="2702542"/>
-            <a:ext cx="1153416" cy="526882"/>
+            <a:off x="1792175" y="2741897"/>
+            <a:ext cx="847356" cy="655784"/>
           </a:xfrm>
           <a:prstGeom prst="bentConnector2">
             <a:avLst/>
@@ -5395,8 +5326,8 @@
         </p:nvCxnSpPr>
         <p:spPr>
           <a:xfrm flipV="1">
-            <a:off x="2760935" y="2389272"/>
-            <a:ext cx="190538" cy="3"/>
+            <a:off x="1887961" y="2646109"/>
+            <a:ext cx="190538" cy="2"/>
           </a:xfrm>
           <a:prstGeom prst="bentConnector3">
             <a:avLst>
@@ -5500,7 +5431,7 @@
             <p:nvPr/>
           </p:nvPicPr>
           <p:blipFill>
-            <a:blip r:embed="rId11">
+            <a:blip r:embed="rId10">
               <a:extLst>
                 <a:ext uri="{28A0092B-C50C-407E-A947-70E740481C1C}">
                   <a14:useLocalDpi xmlns:a14="http://schemas.microsoft.com/office/drawing/2010/main" val="0"/>
@@ -5746,8 +5677,8 @@
         </p:nvCxnSpPr>
         <p:spPr>
           <a:xfrm rot="10800000" flipV="1">
-            <a:off x="2292881" y="731325"/>
-            <a:ext cx="5177950" cy="561096"/>
+            <a:off x="1423519" y="731324"/>
+            <a:ext cx="6047312" cy="1428675"/>
           </a:xfrm>
           <a:prstGeom prst="bentConnector2">
             <a:avLst/>
@@ -5774,44 +5705,6 @@
           </a:fontRef>
         </p:style>
       </p:cxnSp>
-      <p:cxnSp>
-        <p:nvCxnSpPr>
-          <p:cNvPr id="203" name="Elbow Connector 202"/>
-          <p:cNvCxnSpPr/>
-          <p:nvPr/>
-        </p:nvCxnSpPr>
-        <p:spPr>
-          <a:xfrm rot="5400000" flipH="1" flipV="1">
-            <a:off x="2112810" y="1108085"/>
-            <a:ext cx="350474" cy="1"/>
-          </a:xfrm>
-          <a:prstGeom prst="bentConnector3">
-            <a:avLst>
-              <a:gd name="adj1" fmla="val 50000"/>
-            </a:avLst>
-          </a:prstGeom>
-          <a:ln w="31750">
-            <a:solidFill>
-              <a:schemeClr val="tx1"/>
-            </a:solidFill>
-            <a:tailEnd type="arrow"/>
-          </a:ln>
-        </p:spPr>
-        <p:style>
-          <a:lnRef idx="1">
-            <a:schemeClr val="accent1"/>
-          </a:lnRef>
-          <a:fillRef idx="0">
-            <a:schemeClr val="accent1"/>
-          </a:fillRef>
-          <a:effectRef idx="0">
-            <a:schemeClr val="accent1"/>
-          </a:effectRef>
-          <a:fontRef idx="minor">
-            <a:schemeClr val="tx1"/>
-          </a:fontRef>
-        </p:style>
-      </p:cxnSp>
       <p:sp>
         <p:nvSpPr>
           <p:cNvPr id="199" name="TextBox 198"/>
@@ -5918,7 +5811,7 @@
         </p:nvSpPr>
         <p:spPr>
           <a:xfrm>
-            <a:off x="4673420" y="2814415"/>
+            <a:off x="4757634" y="3073187"/>
             <a:ext cx="721672" cy="253916"/>
           </a:xfrm>
           <a:prstGeom prst="rect">
@@ -5943,14 +5836,14 @@
       <p:sp>
         <p:nvSpPr>
           <p:cNvPr id="68" name="Rounded Rectangle 67">
-            <a:hlinkClick r:id="rId7"/>
+            <a:hlinkClick r:id="rId6"/>
           </p:cNvPr>
           <p:cNvSpPr/>
           <p:nvPr/>
         </p:nvSpPr>
         <p:spPr>
           <a:xfrm>
-            <a:off x="7708441" y="2965982"/>
+            <a:off x="7702910" y="3671077"/>
             <a:ext cx="1033788" cy="650781"/>
           </a:xfrm>
           <a:prstGeom prst="roundRect">
@@ -6051,22 +5944,54 @@
           </a:p>
         </p:txBody>
       </p:sp>
+      <p:sp>
+        <p:nvSpPr>
+          <p:cNvPr id="78" name="TextBox 77"/>
+          <p:cNvSpPr txBox="1"/>
+          <p:nvPr/>
+        </p:nvSpPr>
+        <p:spPr>
+          <a:xfrm>
+            <a:off x="5495462" y="3200145"/>
+            <a:ext cx="721672" cy="253916"/>
+          </a:xfrm>
+          <a:prstGeom prst="rect">
+            <a:avLst/>
+          </a:prstGeom>
+          <a:noFill/>
+        </p:spPr>
+        <p:txBody>
+          <a:bodyPr wrap="none" rtlCol="0">
+            <a:spAutoFit/>
+          </a:bodyPr>
+          <a:lstStyle/>
+          <a:p>
+            <a:r>
+              <a:rPr lang="en-CA" sz="1050" dirty="0" smtClean="0"/>
+              <a:t>Port 9200</a:t>
+            </a:r>
+            <a:endParaRPr lang="en-CA" sz="1050" dirty="0"/>
+          </a:p>
+        </p:txBody>
+      </p:sp>
       <p:cxnSp>
         <p:nvCxnSpPr>
-          <p:cNvPr id="75" name="Elbow Connector 74"/>
+          <p:cNvPr id="83" name="Straight Arrow Connector 106"/>
           <p:cNvCxnSpPr>
-            <a:stCxn id="84" idx="2"/>
-            <a:endCxn id="68" idx="1"/>
+            <a:stCxn id="17" idx="0"/>
+            <a:endCxn id="80" idx="2"/>
           </p:cNvCxnSpPr>
           <p:nvPr/>
         </p:nvCxnSpPr>
         <p:spPr>
-          <a:xfrm rot="16200000" flipH="1">
-            <a:off x="5976098" y="1559030"/>
-            <a:ext cx="483380" cy="2981305"/>
+          <a:xfrm rot="16200000" flipV="1">
+            <a:off x="1077777" y="3155631"/>
+            <a:ext cx="684266" cy="1"/>
           </a:xfrm>
-          <a:prstGeom prst="bentConnector2">
-            <a:avLst/>
+          <a:prstGeom prst="bentConnector3">
+            <a:avLst>
+              <a:gd name="adj1" fmla="val 30512"/>
+            </a:avLst>
           </a:prstGeom>
           <a:ln w="31750">
             <a:solidFill>
@@ -6090,75 +6015,708 @@
           </a:fontRef>
         </p:style>
       </p:cxnSp>
-      <p:sp>
-        <p:nvSpPr>
-          <p:cNvPr id="78" name="TextBox 77"/>
-          <p:cNvSpPr txBox="1"/>
+      <p:grpSp>
+        <p:nvGrpSpPr>
+          <p:cNvPr id="87" name="Group 86"/>
+          <p:cNvGrpSpPr/>
           <p:nvPr/>
-        </p:nvSpPr>
-        <p:spPr>
+        </p:nvGrpSpPr>
+        <p:grpSpPr>
           <a:xfrm>
-            <a:off x="5174371" y="1825400"/>
-            <a:ext cx="721672" cy="253916"/>
+            <a:off x="3879555" y="3003538"/>
+            <a:ext cx="1599751" cy="1648895"/>
+            <a:chOff x="4230185" y="5080302"/>
+            <a:chExt cx="1599751" cy="1648895"/>
           </a:xfrm>
-          <a:prstGeom prst="rect">
-            <a:avLst/>
-          </a:prstGeom>
-          <a:noFill/>
-        </p:spPr>
-        <p:txBody>
-          <a:bodyPr wrap="none" rtlCol="0">
-            <a:spAutoFit/>
-          </a:bodyPr>
-          <a:lstStyle/>
-          <a:p>
-            <a:r>
-              <a:rPr lang="en-CA" sz="1050" dirty="0" smtClean="0"/>
-              <a:t>Port 9200</a:t>
-            </a:r>
-            <a:endParaRPr lang="en-CA" sz="1050" dirty="0"/>
-          </a:p>
-        </p:txBody>
-      </p:sp>
-      <p:cxnSp>
-        <p:nvCxnSpPr>
-          <p:cNvPr id="82" name="Elbow Connector 81"/>
-          <p:cNvCxnSpPr>
-            <a:stCxn id="60" idx="3"/>
-            <a:endCxn id="68" idx="2"/>
-          </p:cNvCxnSpPr>
+        </p:grpSpPr>
+        <p:sp>
+          <p:nvSpPr>
+            <p:cNvPr id="119" name="Rounded Rectangle 118">
+              <a:hlinkClick r:id="rId4"/>
+            </p:cNvPr>
+            <p:cNvSpPr/>
+            <p:nvPr/>
+          </p:nvSpPr>
+          <p:spPr>
+            <a:xfrm>
+              <a:off x="4590185" y="5080302"/>
+              <a:ext cx="1239751" cy="1288895"/>
+            </a:xfrm>
+            <a:prstGeom prst="roundRect">
+              <a:avLst>
+                <a:gd name="adj" fmla="val 0"/>
+              </a:avLst>
+            </a:prstGeom>
+            <a:solidFill>
+              <a:srgbClr val="FCFCFC"/>
+            </a:solidFill>
+            <a:ln>
+              <a:solidFill>
+                <a:srgbClr val="74B73F"/>
+              </a:solidFill>
+            </a:ln>
+          </p:spPr>
+          <p:style>
+            <a:lnRef idx="2">
+              <a:schemeClr val="accent1">
+                <a:shade val="50000"/>
+              </a:schemeClr>
+            </a:lnRef>
+            <a:fillRef idx="1">
+              <a:schemeClr val="accent1"/>
+            </a:fillRef>
+            <a:effectRef idx="0">
+              <a:schemeClr val="accent1"/>
+            </a:effectRef>
+            <a:fontRef idx="minor">
+              <a:schemeClr val="lt1"/>
+            </a:fontRef>
+          </p:style>
+          <p:txBody>
+            <a:bodyPr rtlCol="0" anchor="b" anchorCtr="0"/>
+            <a:lstStyle/>
+            <a:p>
+              <a:pPr algn="ctr"/>
+              <a:endParaRPr lang="en-CA" sz="1200" b="1" dirty="0" smtClean="0">
+                <a:solidFill>
+                  <a:schemeClr val="tx1"/>
+                </a:solidFill>
+              </a:endParaRPr>
+            </a:p>
+          </p:txBody>
+        </p:sp>
+        <p:sp>
+          <p:nvSpPr>
+            <p:cNvPr id="120" name="Rounded Rectangle 119">
+              <a:hlinkClick r:id="rId4"/>
+            </p:cNvPr>
+            <p:cNvSpPr/>
+            <p:nvPr/>
+          </p:nvSpPr>
+          <p:spPr>
+            <a:xfrm>
+              <a:off x="4518185" y="5152302"/>
+              <a:ext cx="1239751" cy="1288895"/>
+            </a:xfrm>
+            <a:prstGeom prst="roundRect">
+              <a:avLst>
+                <a:gd name="adj" fmla="val 0"/>
+              </a:avLst>
+            </a:prstGeom>
+            <a:solidFill>
+              <a:srgbClr val="FCFCFC"/>
+            </a:solidFill>
+            <a:ln>
+              <a:solidFill>
+                <a:srgbClr val="74B73F"/>
+              </a:solidFill>
+            </a:ln>
+          </p:spPr>
+          <p:style>
+            <a:lnRef idx="2">
+              <a:schemeClr val="accent1">
+                <a:shade val="50000"/>
+              </a:schemeClr>
+            </a:lnRef>
+            <a:fillRef idx="1">
+              <a:schemeClr val="accent1"/>
+            </a:fillRef>
+            <a:effectRef idx="0">
+              <a:schemeClr val="accent1"/>
+            </a:effectRef>
+            <a:fontRef idx="minor">
+              <a:schemeClr val="lt1"/>
+            </a:fontRef>
+          </p:style>
+          <p:txBody>
+            <a:bodyPr rtlCol="0" anchor="b" anchorCtr="0"/>
+            <a:lstStyle/>
+            <a:p>
+              <a:pPr algn="ctr"/>
+              <a:endParaRPr lang="en-CA" sz="1200" b="1" dirty="0" smtClean="0">
+                <a:solidFill>
+                  <a:schemeClr val="tx1"/>
+                </a:solidFill>
+              </a:endParaRPr>
+            </a:p>
+          </p:txBody>
+        </p:sp>
+        <p:sp>
+          <p:nvSpPr>
+            <p:cNvPr id="121" name="Rounded Rectangle 120">
+              <a:hlinkClick r:id="rId4"/>
+            </p:cNvPr>
+            <p:cNvSpPr/>
+            <p:nvPr/>
+          </p:nvSpPr>
+          <p:spPr>
+            <a:xfrm>
+              <a:off x="4446185" y="5224302"/>
+              <a:ext cx="1239751" cy="1288895"/>
+            </a:xfrm>
+            <a:prstGeom prst="roundRect">
+              <a:avLst>
+                <a:gd name="adj" fmla="val 0"/>
+              </a:avLst>
+            </a:prstGeom>
+            <a:solidFill>
+              <a:srgbClr val="FCFCFC"/>
+            </a:solidFill>
+            <a:ln>
+              <a:solidFill>
+                <a:srgbClr val="74B73F"/>
+              </a:solidFill>
+            </a:ln>
+          </p:spPr>
+          <p:style>
+            <a:lnRef idx="2">
+              <a:schemeClr val="accent1">
+                <a:shade val="50000"/>
+              </a:schemeClr>
+            </a:lnRef>
+            <a:fillRef idx="1">
+              <a:schemeClr val="accent1"/>
+            </a:fillRef>
+            <a:effectRef idx="0">
+              <a:schemeClr val="accent1"/>
+            </a:effectRef>
+            <a:fontRef idx="minor">
+              <a:schemeClr val="lt1"/>
+            </a:fontRef>
+          </p:style>
+          <p:txBody>
+            <a:bodyPr rtlCol="0" anchor="b" anchorCtr="0"/>
+            <a:lstStyle/>
+            <a:p>
+              <a:pPr algn="ctr"/>
+              <a:endParaRPr lang="en-CA" sz="1200" b="1" dirty="0" smtClean="0">
+                <a:solidFill>
+                  <a:schemeClr val="tx1"/>
+                </a:solidFill>
+              </a:endParaRPr>
+            </a:p>
+          </p:txBody>
+        </p:sp>
+        <p:sp>
+          <p:nvSpPr>
+            <p:cNvPr id="122" name="Rounded Rectangle 121">
+              <a:hlinkClick r:id="rId4"/>
+            </p:cNvPr>
+            <p:cNvSpPr/>
+            <p:nvPr/>
+          </p:nvSpPr>
+          <p:spPr>
+            <a:xfrm>
+              <a:off x="4374185" y="5296302"/>
+              <a:ext cx="1239751" cy="1288895"/>
+            </a:xfrm>
+            <a:prstGeom prst="roundRect">
+              <a:avLst>
+                <a:gd name="adj" fmla="val 0"/>
+              </a:avLst>
+            </a:prstGeom>
+            <a:solidFill>
+              <a:srgbClr val="FCFCFC"/>
+            </a:solidFill>
+            <a:ln>
+              <a:solidFill>
+                <a:srgbClr val="74B73F"/>
+              </a:solidFill>
+            </a:ln>
+          </p:spPr>
+          <p:style>
+            <a:lnRef idx="2">
+              <a:schemeClr val="accent1">
+                <a:shade val="50000"/>
+              </a:schemeClr>
+            </a:lnRef>
+            <a:fillRef idx="1">
+              <a:schemeClr val="accent1"/>
+            </a:fillRef>
+            <a:effectRef idx="0">
+              <a:schemeClr val="accent1"/>
+            </a:effectRef>
+            <a:fontRef idx="minor">
+              <a:schemeClr val="lt1"/>
+            </a:fontRef>
+          </p:style>
+          <p:txBody>
+            <a:bodyPr rtlCol="0" anchor="b" anchorCtr="0"/>
+            <a:lstStyle/>
+            <a:p>
+              <a:pPr algn="ctr"/>
+              <a:endParaRPr lang="en-CA" sz="1200" b="1" dirty="0" smtClean="0">
+                <a:solidFill>
+                  <a:schemeClr val="tx1"/>
+                </a:solidFill>
+              </a:endParaRPr>
+            </a:p>
+          </p:txBody>
+        </p:sp>
+        <p:sp>
+          <p:nvSpPr>
+            <p:cNvPr id="123" name="Rounded Rectangle 122">
+              <a:hlinkClick r:id="rId4"/>
+            </p:cNvPr>
+            <p:cNvSpPr/>
+            <p:nvPr/>
+          </p:nvSpPr>
+          <p:spPr>
+            <a:xfrm>
+              <a:off x="4302185" y="5368302"/>
+              <a:ext cx="1239751" cy="1288895"/>
+            </a:xfrm>
+            <a:prstGeom prst="roundRect">
+              <a:avLst>
+                <a:gd name="adj" fmla="val 0"/>
+              </a:avLst>
+            </a:prstGeom>
+            <a:solidFill>
+              <a:srgbClr val="FCFCFC"/>
+            </a:solidFill>
+            <a:ln>
+              <a:solidFill>
+                <a:srgbClr val="74B73F"/>
+              </a:solidFill>
+            </a:ln>
+          </p:spPr>
+          <p:style>
+            <a:lnRef idx="2">
+              <a:schemeClr val="accent1">
+                <a:shade val="50000"/>
+              </a:schemeClr>
+            </a:lnRef>
+            <a:fillRef idx="1">
+              <a:schemeClr val="accent1"/>
+            </a:fillRef>
+            <a:effectRef idx="0">
+              <a:schemeClr val="accent1"/>
+            </a:effectRef>
+            <a:fontRef idx="minor">
+              <a:schemeClr val="lt1"/>
+            </a:fontRef>
+          </p:style>
+          <p:txBody>
+            <a:bodyPr rtlCol="0" anchor="b" anchorCtr="0"/>
+            <a:lstStyle/>
+            <a:p>
+              <a:pPr algn="ctr"/>
+              <a:endParaRPr lang="en-CA" sz="1200" b="1" dirty="0" smtClean="0">
+                <a:solidFill>
+                  <a:schemeClr val="tx1"/>
+                </a:solidFill>
+              </a:endParaRPr>
+            </a:p>
+          </p:txBody>
+        </p:sp>
+        <p:cxnSp>
+          <p:nvCxnSpPr>
+            <p:cNvPr id="127" name="Elbow Connector 126"/>
+            <p:cNvCxnSpPr/>
+            <p:nvPr/>
+          </p:nvCxnSpPr>
+          <p:spPr>
+            <a:xfrm flipV="1">
+              <a:off x="4413992" y="5831219"/>
+              <a:ext cx="190538" cy="2"/>
+            </a:xfrm>
+            <a:prstGeom prst="bentConnector3">
+              <a:avLst>
+                <a:gd name="adj1" fmla="val 50000"/>
+              </a:avLst>
+            </a:prstGeom>
+            <a:ln w="31750">
+              <a:solidFill>
+                <a:schemeClr val="tx1"/>
+              </a:solidFill>
+              <a:tailEnd type="arrow"/>
+            </a:ln>
+          </p:spPr>
+          <p:style>
+            <a:lnRef idx="1">
+              <a:schemeClr val="accent1"/>
+            </a:lnRef>
+            <a:fillRef idx="0">
+              <a:schemeClr val="accent1"/>
+            </a:fillRef>
+            <a:effectRef idx="0">
+              <a:schemeClr val="accent1"/>
+            </a:effectRef>
+            <a:fontRef idx="minor">
+              <a:schemeClr val="tx1"/>
+            </a:fontRef>
+          </p:style>
+        </p:cxnSp>
+        <p:sp>
+          <p:nvSpPr>
+            <p:cNvPr id="130" name="Rounded Rectangle 129">
+              <a:hlinkClick r:id="rId4"/>
+            </p:cNvPr>
+            <p:cNvSpPr/>
+            <p:nvPr/>
+          </p:nvSpPr>
+          <p:spPr>
+            <a:xfrm>
+              <a:off x="4230185" y="5440302"/>
+              <a:ext cx="1239751" cy="1288895"/>
+            </a:xfrm>
+            <a:prstGeom prst="roundRect">
+              <a:avLst>
+                <a:gd name="adj" fmla="val 0"/>
+              </a:avLst>
+            </a:prstGeom>
+            <a:solidFill>
+              <a:srgbClr val="FCFCFC"/>
+            </a:solidFill>
+            <a:ln>
+              <a:solidFill>
+                <a:srgbClr val="74B73F"/>
+              </a:solidFill>
+            </a:ln>
+          </p:spPr>
+          <p:style>
+            <a:lnRef idx="2">
+              <a:schemeClr val="accent1">
+                <a:shade val="50000"/>
+              </a:schemeClr>
+            </a:lnRef>
+            <a:fillRef idx="1">
+              <a:schemeClr val="accent1"/>
+            </a:fillRef>
+            <a:effectRef idx="0">
+              <a:schemeClr val="accent1"/>
+            </a:effectRef>
+            <a:fontRef idx="minor">
+              <a:schemeClr val="lt1"/>
+            </a:fontRef>
+          </p:style>
+          <p:txBody>
+            <a:bodyPr rtlCol="0" anchor="b" anchorCtr="0"/>
+            <a:lstStyle/>
+            <a:p>
+              <a:pPr algn="ctr"/>
+              <a:r>
+                <a:rPr lang="en-CA" sz="1200" b="1" dirty="0" err="1" smtClean="0">
+                  <a:solidFill>
+                    <a:schemeClr val="tx1"/>
+                  </a:solidFill>
+                </a:rPr>
+                <a:t>ElasticSearch</a:t>
+              </a:r>
+              <a:r>
+                <a:rPr lang="en-CA" sz="1200" b="1" dirty="0" smtClean="0">
+                  <a:solidFill>
+                    <a:schemeClr val="tx1"/>
+                  </a:solidFill>
+                </a:rPr>
+                <a:t> </a:t>
+              </a:r>
+              <a:r>
+                <a:rPr lang="en-CA" sz="1200" b="1" dirty="0" smtClean="0">
+                  <a:solidFill>
+                    <a:schemeClr val="tx1"/>
+                  </a:solidFill>
+                </a:rPr>
+                <a:t>(</a:t>
+              </a:r>
+              <a:r>
+                <a:rPr lang="en-CA" sz="1200" b="1" dirty="0" smtClean="0">
+                  <a:solidFill>
+                    <a:schemeClr val="tx1"/>
+                  </a:solidFill>
+                </a:rPr>
+                <a:t>spot</a:t>
+              </a:r>
+              <a:r>
+                <a:rPr lang="en-CA" sz="1200" b="1" dirty="0" smtClean="0">
+                  <a:solidFill>
+                    <a:schemeClr val="tx1"/>
+                  </a:solidFill>
+                </a:rPr>
+                <a:t>)</a:t>
+              </a:r>
+              <a:endParaRPr lang="en-CA" sz="1200" b="1" dirty="0" smtClean="0">
+                <a:solidFill>
+                  <a:schemeClr val="tx1"/>
+                </a:solidFill>
+              </a:endParaRPr>
+            </a:p>
+          </p:txBody>
+        </p:sp>
+        <p:pic>
+          <p:nvPicPr>
+            <p:cNvPr id="131" name="Picture 130"/>
+            <p:cNvPicPr>
+              <a:picLocks noChangeAspect="1"/>
+            </p:cNvPicPr>
+            <p:nvPr/>
+          </p:nvPicPr>
+          <p:blipFill>
+            <a:blip r:embed="rId11" cstate="print">
+              <a:extLst>
+                <a:ext uri="{28A0092B-C50C-407E-A947-70E740481C1C}">
+                  <a14:useLocalDpi xmlns:a14="http://schemas.microsoft.com/office/drawing/2010/main" val="0"/>
+                </a:ext>
+              </a:extLst>
+            </a:blip>
+            <a:stretch>
+              <a:fillRect/>
+            </a:stretch>
+          </p:blipFill>
+          <p:spPr>
+            <a:xfrm>
+              <a:off x="4474916" y="5557414"/>
+              <a:ext cx="750287" cy="743954"/>
+            </a:xfrm>
+            <a:prstGeom prst="rect">
+              <a:avLst/>
+            </a:prstGeom>
+          </p:spPr>
+        </p:pic>
+      </p:grpSp>
+      <p:grpSp>
+        <p:nvGrpSpPr>
+          <p:cNvPr id="140" name="Group 139"/>
+          <p:cNvGrpSpPr/>
           <p:nvPr/>
-        </p:nvCxnSpPr>
-        <p:spPr>
-          <a:xfrm flipV="1">
-            <a:off x="3787690" y="3616763"/>
-            <a:ext cx="4437645" cy="428928"/>
+        </p:nvGrpSpPr>
+        <p:grpSpPr>
+          <a:xfrm>
+            <a:off x="3043612" y="3615466"/>
+            <a:ext cx="744151" cy="762001"/>
+            <a:chOff x="2880000" y="2160000"/>
+            <a:chExt cx="744151" cy="762001"/>
           </a:xfrm>
-          <a:prstGeom prst="bentConnector2">
-            <a:avLst/>
-          </a:prstGeom>
-          <a:ln w="31750">
-            <a:solidFill>
+        </p:grpSpPr>
+        <p:cxnSp>
+          <p:nvCxnSpPr>
+            <p:cNvPr id="163" name="Straight Arrow Connector 106"/>
+            <p:cNvCxnSpPr/>
+            <p:nvPr/>
+          </p:nvCxnSpPr>
+          <p:spPr>
+            <a:xfrm>
+              <a:off x="2880000" y="2160000"/>
+              <a:ext cx="744151" cy="1"/>
+            </a:xfrm>
+            <a:prstGeom prst="bentConnector3">
+              <a:avLst>
+                <a:gd name="adj1" fmla="val 50000"/>
+              </a:avLst>
+            </a:prstGeom>
+            <a:ln w="31750">
+              <a:solidFill>
+                <a:schemeClr val="tx1"/>
+              </a:solidFill>
+              <a:tailEnd type="arrow"/>
+            </a:ln>
+          </p:spPr>
+          <p:style>
+            <a:lnRef idx="1">
+              <a:schemeClr val="accent1"/>
+            </a:lnRef>
+            <a:fillRef idx="0">
+              <a:schemeClr val="accent1"/>
+            </a:fillRef>
+            <a:effectRef idx="0">
+              <a:schemeClr val="accent1"/>
+            </a:effectRef>
+            <a:fontRef idx="minor">
               <a:schemeClr val="tx1"/>
-            </a:solidFill>
-            <a:tailEnd type="arrow"/>
-          </a:ln>
-        </p:spPr>
-        <p:style>
-          <a:lnRef idx="1">
-            <a:schemeClr val="accent1"/>
-          </a:lnRef>
-          <a:fillRef idx="0">
-            <a:schemeClr val="accent1"/>
-          </a:fillRef>
-          <a:effectRef idx="0">
-            <a:schemeClr val="accent1"/>
-          </a:effectRef>
-          <a:fontRef idx="minor">
-            <a:schemeClr val="tx1"/>
-          </a:fontRef>
-        </p:style>
-      </p:cxnSp>
+            </a:fontRef>
+          </p:style>
+        </p:cxnSp>
+        <p:cxnSp>
+          <p:nvCxnSpPr>
+            <p:cNvPr id="164" name="Straight Arrow Connector 106"/>
+            <p:cNvCxnSpPr/>
+            <p:nvPr/>
+          </p:nvCxnSpPr>
+          <p:spPr>
+            <a:xfrm>
+              <a:off x="2880000" y="2312400"/>
+              <a:ext cx="744151" cy="1"/>
+            </a:xfrm>
+            <a:prstGeom prst="bentConnector3">
+              <a:avLst>
+                <a:gd name="adj1" fmla="val 50000"/>
+              </a:avLst>
+            </a:prstGeom>
+            <a:ln w="31750">
+              <a:solidFill>
+                <a:schemeClr val="tx1"/>
+              </a:solidFill>
+              <a:tailEnd type="arrow"/>
+            </a:ln>
+          </p:spPr>
+          <p:style>
+            <a:lnRef idx="1">
+              <a:schemeClr val="accent1"/>
+            </a:lnRef>
+            <a:fillRef idx="0">
+              <a:schemeClr val="accent1"/>
+            </a:fillRef>
+            <a:effectRef idx="0">
+              <a:schemeClr val="accent1"/>
+            </a:effectRef>
+            <a:fontRef idx="minor">
+              <a:schemeClr val="tx1"/>
+            </a:fontRef>
+          </p:style>
+        </p:cxnSp>
+        <p:cxnSp>
+          <p:nvCxnSpPr>
+            <p:cNvPr id="165" name="Straight Arrow Connector 106"/>
+            <p:cNvCxnSpPr/>
+            <p:nvPr/>
+          </p:nvCxnSpPr>
+          <p:spPr>
+            <a:xfrm>
+              <a:off x="2880000" y="2464800"/>
+              <a:ext cx="744151" cy="1"/>
+            </a:xfrm>
+            <a:prstGeom prst="bentConnector3">
+              <a:avLst>
+                <a:gd name="adj1" fmla="val 50000"/>
+              </a:avLst>
+            </a:prstGeom>
+            <a:ln w="31750">
+              <a:solidFill>
+                <a:schemeClr val="tx1"/>
+              </a:solidFill>
+              <a:tailEnd type="arrow"/>
+            </a:ln>
+          </p:spPr>
+          <p:style>
+            <a:lnRef idx="1">
+              <a:schemeClr val="accent1"/>
+            </a:lnRef>
+            <a:fillRef idx="0">
+              <a:schemeClr val="accent1"/>
+            </a:fillRef>
+            <a:effectRef idx="0">
+              <a:schemeClr val="accent1"/>
+            </a:effectRef>
+            <a:fontRef idx="minor">
+              <a:schemeClr val="tx1"/>
+            </a:fontRef>
+          </p:style>
+        </p:cxnSp>
+        <p:cxnSp>
+          <p:nvCxnSpPr>
+            <p:cNvPr id="166" name="Straight Arrow Connector 106"/>
+            <p:cNvCxnSpPr/>
+            <p:nvPr/>
+          </p:nvCxnSpPr>
+          <p:spPr>
+            <a:xfrm>
+              <a:off x="2880000" y="2617200"/>
+              <a:ext cx="744151" cy="1"/>
+            </a:xfrm>
+            <a:prstGeom prst="bentConnector3">
+              <a:avLst>
+                <a:gd name="adj1" fmla="val 50000"/>
+              </a:avLst>
+            </a:prstGeom>
+            <a:ln w="31750">
+              <a:solidFill>
+                <a:schemeClr val="tx1"/>
+              </a:solidFill>
+              <a:tailEnd type="arrow"/>
+            </a:ln>
+          </p:spPr>
+          <p:style>
+            <a:lnRef idx="1">
+              <a:schemeClr val="accent1"/>
+            </a:lnRef>
+            <a:fillRef idx="0">
+              <a:schemeClr val="accent1"/>
+            </a:fillRef>
+            <a:effectRef idx="0">
+              <a:schemeClr val="accent1"/>
+            </a:effectRef>
+            <a:fontRef idx="minor">
+              <a:schemeClr val="tx1"/>
+            </a:fontRef>
+          </p:style>
+        </p:cxnSp>
+        <p:cxnSp>
+          <p:nvCxnSpPr>
+            <p:cNvPr id="167" name="Straight Arrow Connector 106"/>
+            <p:cNvCxnSpPr/>
+            <p:nvPr/>
+          </p:nvCxnSpPr>
+          <p:spPr>
+            <a:xfrm>
+              <a:off x="2880000" y="2769600"/>
+              <a:ext cx="744151" cy="1"/>
+            </a:xfrm>
+            <a:prstGeom prst="bentConnector3">
+              <a:avLst>
+                <a:gd name="adj1" fmla="val 50000"/>
+              </a:avLst>
+            </a:prstGeom>
+            <a:ln w="31750">
+              <a:solidFill>
+                <a:schemeClr val="tx1"/>
+              </a:solidFill>
+              <a:tailEnd type="arrow"/>
+            </a:ln>
+          </p:spPr>
+          <p:style>
+            <a:lnRef idx="1">
+              <a:schemeClr val="accent1"/>
+            </a:lnRef>
+            <a:fillRef idx="0">
+              <a:schemeClr val="accent1"/>
+            </a:fillRef>
+            <a:effectRef idx="0">
+              <a:schemeClr val="accent1"/>
+            </a:effectRef>
+            <a:fontRef idx="minor">
+              <a:schemeClr val="tx1"/>
+            </a:fontRef>
+          </p:style>
+        </p:cxnSp>
+        <p:cxnSp>
+          <p:nvCxnSpPr>
+            <p:cNvPr id="168" name="Straight Arrow Connector 106"/>
+            <p:cNvCxnSpPr/>
+            <p:nvPr/>
+          </p:nvCxnSpPr>
+          <p:spPr>
+            <a:xfrm>
+              <a:off x="2880000" y="2922000"/>
+              <a:ext cx="744151" cy="1"/>
+            </a:xfrm>
+            <a:prstGeom prst="bentConnector3">
+              <a:avLst>
+                <a:gd name="adj1" fmla="val 50000"/>
+              </a:avLst>
+            </a:prstGeom>
+            <a:ln w="31750">
+              <a:solidFill>
+                <a:schemeClr val="tx1"/>
+              </a:solidFill>
+              <a:tailEnd type="arrow"/>
+            </a:ln>
+          </p:spPr>
+          <p:style>
+            <a:lnRef idx="1">
+              <a:schemeClr val="accent1"/>
+            </a:lnRef>
+            <a:fillRef idx="0">
+              <a:schemeClr val="accent1"/>
+            </a:fillRef>
+            <a:effectRef idx="0">
+              <a:schemeClr val="accent1"/>
+            </a:effectRef>
+            <a:fontRef idx="minor">
+              <a:schemeClr val="tx1"/>
+            </a:fontRef>
+          </p:style>
+        </p:cxnSp>
+      </p:grpSp>
     </p:spTree>
     <p:extLst>
       <p:ext uri="{BB962C8B-B14F-4D97-AF65-F5344CB8AC3E}">

--- a/docs/Architecture.pptx
+++ b/docs/Architecture.pptx
@@ -192,7 +192,7 @@
           <a:p>
             <a:fld id="{12C73BD1-E919-4514-A897-6086B61B6A01}" type="datetimeFigureOut">
               <a:rPr lang="en-CA" smtClean="0"/>
-              <a:t>2015-06-17</a:t>
+              <a:t>2015-08-03</a:t>
             </a:fld>
             <a:endParaRPr lang="en-CA"/>
           </a:p>
@@ -725,7 +725,7 @@
           <a:p>
             <a:fld id="{57E13E19-9712-4C08-A35C-78B78B9B3BC2}" type="datetimeFigureOut">
               <a:rPr lang="en-CA" smtClean="0"/>
-              <a:t>2015-06-17</a:t>
+              <a:t>2015-08-03</a:t>
             </a:fld>
             <a:endParaRPr lang="en-CA"/>
           </a:p>
@@ -895,7 +895,7 @@
           <a:p>
             <a:fld id="{57E13E19-9712-4C08-A35C-78B78B9B3BC2}" type="datetimeFigureOut">
               <a:rPr lang="en-CA" smtClean="0"/>
-              <a:t>2015-06-17</a:t>
+              <a:t>2015-08-03</a:t>
             </a:fld>
             <a:endParaRPr lang="en-CA"/>
           </a:p>
@@ -1075,7 +1075,7 @@
           <a:p>
             <a:fld id="{57E13E19-9712-4C08-A35C-78B78B9B3BC2}" type="datetimeFigureOut">
               <a:rPr lang="en-CA" smtClean="0"/>
-              <a:t>2015-06-17</a:t>
+              <a:t>2015-08-03</a:t>
             </a:fld>
             <a:endParaRPr lang="en-CA"/>
           </a:p>
@@ -1245,7 +1245,7 @@
           <a:p>
             <a:fld id="{57E13E19-9712-4C08-A35C-78B78B9B3BC2}" type="datetimeFigureOut">
               <a:rPr lang="en-CA" smtClean="0"/>
-              <a:t>2015-06-17</a:t>
+              <a:t>2015-08-03</a:t>
             </a:fld>
             <a:endParaRPr lang="en-CA"/>
           </a:p>
@@ -1491,7 +1491,7 @@
           <a:p>
             <a:fld id="{57E13E19-9712-4C08-A35C-78B78B9B3BC2}" type="datetimeFigureOut">
               <a:rPr lang="en-CA" smtClean="0"/>
-              <a:t>2015-06-17</a:t>
+              <a:t>2015-08-03</a:t>
             </a:fld>
             <a:endParaRPr lang="en-CA"/>
           </a:p>
@@ -1779,7 +1779,7 @@
           <a:p>
             <a:fld id="{57E13E19-9712-4C08-A35C-78B78B9B3BC2}" type="datetimeFigureOut">
               <a:rPr lang="en-CA" smtClean="0"/>
-              <a:t>2015-06-17</a:t>
+              <a:t>2015-08-03</a:t>
             </a:fld>
             <a:endParaRPr lang="en-CA"/>
           </a:p>
@@ -2201,7 +2201,7 @@
           <a:p>
             <a:fld id="{57E13E19-9712-4C08-A35C-78B78B9B3BC2}" type="datetimeFigureOut">
               <a:rPr lang="en-CA" smtClean="0"/>
-              <a:t>2015-06-17</a:t>
+              <a:t>2015-08-03</a:t>
             </a:fld>
             <a:endParaRPr lang="en-CA"/>
           </a:p>
@@ -2319,7 +2319,7 @@
           <a:p>
             <a:fld id="{57E13E19-9712-4C08-A35C-78B78B9B3BC2}" type="datetimeFigureOut">
               <a:rPr lang="en-CA" smtClean="0"/>
-              <a:t>2015-06-17</a:t>
+              <a:t>2015-08-03</a:t>
             </a:fld>
             <a:endParaRPr lang="en-CA"/>
           </a:p>
@@ -2414,7 +2414,7 @@
           <a:p>
             <a:fld id="{57E13E19-9712-4C08-A35C-78B78B9B3BC2}" type="datetimeFigureOut">
               <a:rPr lang="en-CA" smtClean="0"/>
-              <a:t>2015-06-17</a:t>
+              <a:t>2015-08-03</a:t>
             </a:fld>
             <a:endParaRPr lang="en-CA"/>
           </a:p>
@@ -2691,7 +2691,7 @@
           <a:p>
             <a:fld id="{57E13E19-9712-4C08-A35C-78B78B9B3BC2}" type="datetimeFigureOut">
               <a:rPr lang="en-CA" smtClean="0"/>
-              <a:t>2015-06-17</a:t>
+              <a:t>2015-08-03</a:t>
             </a:fld>
             <a:endParaRPr lang="en-CA"/>
           </a:p>
@@ -2944,7 +2944,7 @@
           <a:p>
             <a:fld id="{57E13E19-9712-4C08-A35C-78B78B9B3BC2}" type="datetimeFigureOut">
               <a:rPr lang="en-CA" smtClean="0"/>
-              <a:t>2015-06-17</a:t>
+              <a:t>2015-08-03</a:t>
             </a:fld>
             <a:endParaRPr lang="en-CA"/>
           </a:p>
@@ -3157,7 +3157,7 @@
           <a:p>
             <a:fld id="{57E13E19-9712-4C08-A35C-78B78B9B3BC2}" type="datetimeFigureOut">
               <a:rPr lang="en-CA" smtClean="0"/>
-              <a:t>2015-06-17</a:t>
+              <a:t>2015-08-03</a:t>
             </a:fld>
             <a:endParaRPr lang="en-CA"/>
           </a:p>
@@ -4058,75 +4058,6 @@
           </a:p>
         </p:txBody>
       </p:sp>
-      <p:sp>
-        <p:nvSpPr>
-          <p:cNvPr id="67" name="Rounded Rectangle 66">
-            <a:hlinkClick r:id="rId4"/>
-          </p:cNvPr>
-          <p:cNvSpPr/>
-          <p:nvPr/>
-        </p:nvSpPr>
-        <p:spPr>
-          <a:xfrm>
-            <a:off x="5904148" y="1484783"/>
-            <a:ext cx="1080050" cy="1326767"/>
-          </a:xfrm>
-          <a:prstGeom prst="roundRect">
-            <a:avLst>
-              <a:gd name="adj" fmla="val 0"/>
-            </a:avLst>
-          </a:prstGeom>
-          <a:solidFill>
-            <a:srgbClr val="FCFCFC"/>
-          </a:solidFill>
-          <a:ln>
-            <a:solidFill>
-              <a:schemeClr val="accent1">
-                <a:lumMod val="75000"/>
-              </a:schemeClr>
-            </a:solidFill>
-            <a:round/>
-          </a:ln>
-          <a:effectLst>
-            <a:outerShdw blurRad="127000" dist="50800" dir="2640000" algn="ctr" rotWithShape="0">
-              <a:srgbClr val="000000">
-                <a:alpha val="34000"/>
-              </a:srgbClr>
-            </a:outerShdw>
-          </a:effectLst>
-        </p:spPr>
-        <p:style>
-          <a:lnRef idx="2">
-            <a:schemeClr val="accent1">
-              <a:shade val="50000"/>
-            </a:schemeClr>
-          </a:lnRef>
-          <a:fillRef idx="1">
-            <a:schemeClr val="accent1"/>
-          </a:fillRef>
-          <a:effectRef idx="0">
-            <a:schemeClr val="accent1"/>
-          </a:effectRef>
-          <a:fontRef idx="minor">
-            <a:schemeClr val="lt1"/>
-          </a:fontRef>
-        </p:style>
-        <p:txBody>
-          <a:bodyPr rtlCol="0" anchor="b" anchorCtr="0"/>
-          <a:lstStyle/>
-          <a:p>
-            <a:pPr algn="ctr"/>
-            <a:r>
-              <a:rPr lang="en-CA" sz="1200" b="1" dirty="0" smtClean="0">
-                <a:solidFill>
-                  <a:schemeClr val="tx1"/>
-                </a:solidFill>
-              </a:rPr>
-              <a:t>(t2.medium)</a:t>
-            </a:r>
-          </a:p>
-        </p:txBody>
-      </p:sp>
       <p:grpSp>
         <p:nvGrpSpPr>
           <p:cNvPr id="135" name="Group 134"/>
@@ -4296,206 +4227,8 @@
                   <a:schemeClr val="tx1"/>
                 </a:solidFill>
               </a:rPr>
-              <a:t>ETL </a:t>
-            </a:r>
-            <a:r>
-              <a:rPr lang="en-CA" sz="1200" b="1" dirty="0" smtClean="0">
-                <a:solidFill>
-                  <a:schemeClr val="tx1"/>
-                </a:solidFill>
-              </a:rPr>
-              <a:t>(spot)</a:t>
-            </a:r>
-            <a:endParaRPr lang="en-CA" sz="1200" b="1" dirty="0" smtClean="0">
-              <a:solidFill>
-                <a:schemeClr val="tx1"/>
-              </a:solidFill>
-            </a:endParaRPr>
-          </a:p>
-        </p:txBody>
-      </p:sp>
-      <p:sp>
-        <p:nvSpPr>
-          <p:cNvPr id="84" name="Rounded Rectangle 83">
-            <a:hlinkClick r:id="rId4"/>
-          </p:cNvPr>
-          <p:cNvSpPr/>
-          <p:nvPr/>
-        </p:nvSpPr>
-        <p:spPr>
-          <a:xfrm>
-            <a:off x="4295456" y="2511183"/>
-            <a:ext cx="1239751" cy="1288895"/>
-          </a:xfrm>
-          <a:prstGeom prst="roundRect">
-            <a:avLst>
-              <a:gd name="adj" fmla="val 0"/>
-            </a:avLst>
-          </a:prstGeom>
-          <a:solidFill>
-            <a:srgbClr val="FCFCFC"/>
-          </a:solidFill>
-          <a:ln>
-            <a:solidFill>
-              <a:srgbClr val="74B73F"/>
-            </a:solidFill>
-          </a:ln>
-        </p:spPr>
-        <p:style>
-          <a:lnRef idx="2">
-            <a:schemeClr val="accent1">
-              <a:shade val="50000"/>
-            </a:schemeClr>
-          </a:lnRef>
-          <a:fillRef idx="1">
-            <a:schemeClr val="accent1"/>
-          </a:fillRef>
-          <a:effectRef idx="0">
-            <a:schemeClr val="accent1"/>
-          </a:effectRef>
-          <a:fontRef idx="minor">
-            <a:schemeClr val="lt1"/>
-          </a:fontRef>
-        </p:style>
-        <p:txBody>
-          <a:bodyPr rtlCol="0" anchor="t" anchorCtr="0"/>
-          <a:lstStyle/>
-          <a:p>
-            <a:pPr algn="ctr"/>
-            <a:r>
-              <a:rPr lang="en-CA" sz="1200" b="1" dirty="0" smtClean="0">
-                <a:solidFill>
-                  <a:schemeClr val="tx1"/>
-                </a:solidFill>
-              </a:rPr>
-              <a:t>Master</a:t>
-            </a:r>
-            <a:br>
-              <a:rPr lang="en-CA" sz="1200" b="1" dirty="0" smtClean="0">
-                <a:solidFill>
-                  <a:schemeClr val="tx1"/>
-                </a:solidFill>
-              </a:rPr>
-            </a:br>
-            <a:r>
-              <a:rPr lang="en-CA" sz="1200" b="1" dirty="0" smtClean="0">
-                <a:solidFill>
-                  <a:schemeClr val="tx1"/>
-                </a:solidFill>
-              </a:rPr>
-              <a:t>(r3.xlarge</a:t>
-            </a:r>
-            <a:r>
-              <a:rPr lang="en-CA" sz="1200" b="1" dirty="0" smtClean="0">
-                <a:solidFill>
-                  <a:schemeClr val="tx1"/>
-                </a:solidFill>
-              </a:rPr>
-              <a:t>)</a:t>
-            </a:r>
-          </a:p>
-        </p:txBody>
-      </p:sp>
-      <p:sp>
-        <p:nvSpPr>
-          <p:cNvPr id="94" name="Rounded Rectangle 93">
-            <a:hlinkClick r:id="rId6"/>
-          </p:cNvPr>
-          <p:cNvSpPr/>
-          <p:nvPr/>
-        </p:nvSpPr>
-        <p:spPr>
-          <a:xfrm>
-            <a:off x="6111362" y="1674173"/>
-            <a:ext cx="665621" cy="746019"/>
-          </a:xfrm>
-          <a:prstGeom prst="roundRect">
-            <a:avLst/>
-          </a:prstGeom>
-          <a:gradFill>
-            <a:gsLst>
-              <a:gs pos="0">
-                <a:schemeClr val="bg1">
-                  <a:lumMod val="95000"/>
-                </a:schemeClr>
-              </a:gs>
-              <a:gs pos="50000">
-                <a:schemeClr val="bg1">
-                  <a:lumMod val="95000"/>
-                </a:schemeClr>
-              </a:gs>
-              <a:gs pos="100000">
-                <a:schemeClr val="bg1">
-                  <a:lumMod val="85000"/>
-                </a:schemeClr>
-              </a:gs>
-            </a:gsLst>
-            <a:lin ang="5400000" scaled="0"/>
-          </a:gradFill>
-          <a:ln>
-            <a:solidFill>
-              <a:schemeClr val="accent6">
-                <a:lumMod val="75000"/>
-              </a:schemeClr>
-            </a:solidFill>
-          </a:ln>
-        </p:spPr>
-        <p:style>
-          <a:lnRef idx="2">
-            <a:schemeClr val="accent1">
-              <a:shade val="50000"/>
-            </a:schemeClr>
-          </a:lnRef>
-          <a:fillRef idx="1">
-            <a:schemeClr val="accent1"/>
-          </a:fillRef>
-          <a:effectRef idx="0">
-            <a:schemeClr val="accent1"/>
-          </a:effectRef>
-          <a:fontRef idx="minor">
-            <a:schemeClr val="lt1"/>
-          </a:fontRef>
-        </p:style>
-        <p:txBody>
-          <a:bodyPr lIns="36000" rIns="36000" rtlCol="0" anchor="ctr"/>
-          <a:lstStyle/>
-          <a:p>
-            <a:pPr algn="ctr"/>
-            <a:r>
-              <a:rPr lang="en-CA" sz="1200" b="1" dirty="0" smtClean="0">
-                <a:solidFill>
-                  <a:schemeClr val="tx1"/>
-                </a:solidFill>
-              </a:rPr>
-              <a:t>Active</a:t>
-            </a:r>
-          </a:p>
-          <a:p>
-            <a:pPr algn="ctr"/>
-            <a:r>
-              <a:rPr lang="en-CA" sz="1200" b="1" dirty="0" smtClean="0">
-                <a:solidFill>
-                  <a:schemeClr val="tx1"/>
-                </a:solidFill>
-              </a:rPr>
-              <a:t>Data</a:t>
-            </a:r>
-          </a:p>
-          <a:p>
-            <a:pPr algn="ctr"/>
-            <a:r>
-              <a:rPr lang="en-CA" sz="1200" b="1" dirty="0" smtClean="0">
-                <a:solidFill>
-                  <a:schemeClr val="tx1"/>
-                </a:solidFill>
-              </a:rPr>
-              <a:t>Service</a:t>
-            </a:r>
-            <a:endParaRPr lang="en-CA" sz="1200" b="1" dirty="0">
-              <a:solidFill>
-                <a:schemeClr val="tx1"/>
-              </a:solidFill>
-            </a:endParaRPr>
+              <a:t>ETL (spot)</a:t>
+            </a:r>
           </a:p>
         </p:txBody>
       </p:sp>
@@ -4596,7 +4329,7 @@
             <p:nvPr/>
           </p:nvPicPr>
           <p:blipFill>
-            <a:blip r:embed="rId7" cstate="print">
+            <a:blip r:embed="rId6" cstate="print">
               <a:extLst>
                 <a:ext uri="{28A0092B-C50C-407E-A947-70E740481C1C}">
                   <a14:useLocalDpi xmlns:a14="http://schemas.microsoft.com/office/drawing/2010/main" val="0"/>
@@ -4678,7 +4411,7 @@
             <p:nvPr/>
           </p:nvPicPr>
           <p:blipFill>
-            <a:blip r:embed="rId8" cstate="print">
+            <a:blip r:embed="rId7" cstate="print">
               <a:extLst>
                 <a:ext uri="{28A0092B-C50C-407E-A947-70E740481C1C}">
                   <a14:useLocalDpi xmlns:a14="http://schemas.microsoft.com/office/drawing/2010/main" val="0"/>
@@ -4747,7 +4480,7 @@
       <p:sp>
         <p:nvSpPr>
           <p:cNvPr id="79" name="Rounded Rectangle 78">
-            <a:hlinkClick r:id="rId6"/>
+            <a:hlinkClick r:id="rId8"/>
           </p:cNvPr>
           <p:cNvSpPr/>
           <p:nvPr/>
@@ -4843,7 +4576,7 @@
       <p:sp>
         <p:nvSpPr>
           <p:cNvPr id="80" name="Rounded Rectangle 79">
-            <a:hlinkClick r:id="rId6"/>
+            <a:hlinkClick r:id="rId8"/>
           </p:cNvPr>
           <p:cNvSpPr/>
           <p:nvPr/>
@@ -5001,88 +4734,6 @@
           </a:fontRef>
         </p:style>
       </p:cxnSp>
-      <p:cxnSp>
-        <p:nvCxnSpPr>
-          <p:cNvPr id="188" name="Elbow Connector 187"/>
-          <p:cNvCxnSpPr>
-            <a:stCxn id="84" idx="3"/>
-            <a:endCxn id="94" idx="1"/>
-          </p:cNvCxnSpPr>
-          <p:nvPr/>
-        </p:nvCxnSpPr>
-        <p:spPr>
-          <a:xfrm flipV="1">
-            <a:off x="5535207" y="2047183"/>
-            <a:ext cx="576155" cy="1108448"/>
-          </a:xfrm>
-          <a:prstGeom prst="bentConnector3">
-            <a:avLst>
-              <a:gd name="adj1" fmla="val 50000"/>
-            </a:avLst>
-          </a:prstGeom>
-          <a:ln w="31750">
-            <a:solidFill>
-              <a:schemeClr val="tx1"/>
-            </a:solidFill>
-            <a:tailEnd type="arrow"/>
-          </a:ln>
-        </p:spPr>
-        <p:style>
-          <a:lnRef idx="1">
-            <a:schemeClr val="accent1"/>
-          </a:lnRef>
-          <a:fillRef idx="0">
-            <a:schemeClr val="accent1"/>
-          </a:fillRef>
-          <a:effectRef idx="0">
-            <a:schemeClr val="accent1"/>
-          </a:effectRef>
-          <a:fontRef idx="minor">
-            <a:schemeClr val="tx1"/>
-          </a:fontRef>
-        </p:style>
-      </p:cxnSp>
-      <p:cxnSp>
-        <p:nvCxnSpPr>
-          <p:cNvPr id="196" name="Elbow Connector 195"/>
-          <p:cNvCxnSpPr>
-            <a:stCxn id="94" idx="3"/>
-            <a:endCxn id="42" idx="1"/>
-          </p:cNvCxnSpPr>
-          <p:nvPr/>
-        </p:nvCxnSpPr>
-        <p:spPr>
-          <a:xfrm flipV="1">
-            <a:off x="6776983" y="2047182"/>
-            <a:ext cx="756081" cy="1"/>
-          </a:xfrm>
-          <a:prstGeom prst="bentConnector3">
-            <a:avLst>
-              <a:gd name="adj1" fmla="val 50000"/>
-            </a:avLst>
-          </a:prstGeom>
-          <a:ln w="31750">
-            <a:solidFill>
-              <a:schemeClr val="tx1"/>
-            </a:solidFill>
-            <a:tailEnd type="arrow"/>
-          </a:ln>
-        </p:spPr>
-        <p:style>
-          <a:lnRef idx="1">
-            <a:schemeClr val="accent1"/>
-          </a:lnRef>
-          <a:fillRef idx="0">
-            <a:schemeClr val="accent1"/>
-          </a:fillRef>
-          <a:effectRef idx="0">
-            <a:schemeClr val="accent1"/>
-          </a:effectRef>
-          <a:fontRef idx="minor">
-            <a:schemeClr val="tx1"/>
-          </a:fontRef>
-        </p:style>
-      </p:cxnSp>
       <p:grpSp>
         <p:nvGrpSpPr>
           <p:cNvPr id="89" name="Group 88"/>
@@ -5106,7 +4757,7 @@
             <p:nvPr/>
           </p:nvPicPr>
           <p:blipFill>
-            <a:blip r:embed="rId7" cstate="print">
+            <a:blip r:embed="rId6" cstate="print">
               <a:extLst>
                 <a:ext uri="{28A0092B-C50C-407E-A947-70E740481C1C}">
                   <a14:useLocalDpi xmlns:a14="http://schemas.microsoft.com/office/drawing/2010/main" val="0"/>
@@ -5172,9 +4823,9 @@
           <p:nvPr/>
         </p:nvCxnSpPr>
         <p:spPr>
-          <a:xfrm rot="5400000" flipH="1" flipV="1">
-            <a:off x="1320126" y="1137066"/>
-            <a:ext cx="221594" cy="2"/>
+          <a:xfrm rot="16200000" flipV="1">
+            <a:off x="1224366" y="1649004"/>
+            <a:ext cx="406689" cy="2"/>
           </a:xfrm>
           <a:prstGeom prst="bentConnector3">
             <a:avLst>
@@ -5211,8 +4862,8 @@
         </p:nvGrpSpPr>
         <p:grpSpPr>
           <a:xfrm>
-            <a:off x="7533064" y="1454334"/>
-            <a:ext cx="1311374" cy="1185696"/>
+            <a:off x="7489072" y="1573200"/>
+            <a:ext cx="1311374" cy="1112045"/>
             <a:chOff x="7537974" y="1855490"/>
             <a:chExt cx="1311374" cy="1185696"/>
           </a:xfrm>
@@ -5600,8 +5251,8 @@
         </p:nvCxnSpPr>
         <p:spPr>
           <a:xfrm rot="10800000" flipV="1">
-            <a:off x="6444173" y="731325"/>
-            <a:ext cx="1026658" cy="942848"/>
+            <a:off x="6168979" y="731324"/>
+            <a:ext cx="1301853" cy="1275991"/>
           </a:xfrm>
           <a:prstGeom prst="bentConnector2">
             <a:avLst/>
@@ -5636,7 +5287,7 @@
         </p:nvCxnSpPr>
         <p:spPr>
           <a:xfrm rot="5400000" flipH="1" flipV="1">
-            <a:off x="6268937" y="1471886"/>
+            <a:off x="5996704" y="1279096"/>
             <a:ext cx="350474" cy="1"/>
           </a:xfrm>
           <a:prstGeom prst="bentConnector3">
@@ -5666,6 +5317,530 @@
           </a:fontRef>
         </p:style>
       </p:cxnSp>
+      <p:sp>
+        <p:nvSpPr>
+          <p:cNvPr id="199" name="TextBox 198"/>
+          <p:cNvSpPr txBox="1"/>
+          <p:nvPr/>
+        </p:nvSpPr>
+        <p:spPr>
+          <a:xfrm>
+            <a:off x="263532" y="216063"/>
+            <a:ext cx="3900491" cy="400110"/>
+          </a:xfrm>
+          <a:prstGeom prst="rect">
+            <a:avLst/>
+          </a:prstGeom>
+          <a:noFill/>
+        </p:spPr>
+        <p:txBody>
+          <a:bodyPr wrap="none" rtlCol="0">
+            <a:spAutoFit/>
+          </a:bodyPr>
+          <a:lstStyle/>
+          <a:p>
+            <a:r>
+              <a:rPr lang="en-CA" sz="2000" b="1" dirty="0" smtClean="0"/>
+              <a:t>Relevant Machines for </a:t>
+            </a:r>
+            <a:r>
+              <a:rPr lang="en-CA" sz="2000" b="1" dirty="0" err="1" smtClean="0"/>
+              <a:t>ActiveData</a:t>
+            </a:r>
+            <a:r>
+              <a:rPr lang="en-CA" sz="2000" b="1" smtClean="0"/>
+              <a:t> </a:t>
+            </a:r>
+            <a:endParaRPr lang="en-CA" sz="2000" b="1" dirty="0"/>
+          </a:p>
+        </p:txBody>
+      </p:sp>
+      <p:sp>
+        <p:nvSpPr>
+          <p:cNvPr id="2" name="TextBox 1"/>
+          <p:cNvSpPr txBox="1"/>
+          <p:nvPr/>
+        </p:nvSpPr>
+        <p:spPr>
+          <a:xfrm>
+            <a:off x="6264058" y="489215"/>
+            <a:ext cx="1225015" cy="253916"/>
+          </a:xfrm>
+          <a:prstGeom prst="rect">
+            <a:avLst/>
+          </a:prstGeom>
+          <a:noFill/>
+        </p:spPr>
+        <p:txBody>
+          <a:bodyPr wrap="none" rtlCol="0">
+            <a:spAutoFit/>
+          </a:bodyPr>
+          <a:lstStyle/>
+          <a:p>
+            <a:r>
+              <a:rPr lang="en-CA" sz="1050" dirty="0" smtClean="0"/>
+              <a:t>Programmer Alerts</a:t>
+            </a:r>
+            <a:endParaRPr lang="en-CA" sz="1050" dirty="0"/>
+          </a:p>
+        </p:txBody>
+      </p:sp>
+      <p:sp>
+        <p:nvSpPr>
+          <p:cNvPr id="66" name="TextBox 65"/>
+          <p:cNvSpPr txBox="1"/>
+          <p:nvPr/>
+        </p:nvSpPr>
+        <p:spPr>
+          <a:xfrm>
+            <a:off x="4757634" y="3073187"/>
+            <a:ext cx="721672" cy="253916"/>
+          </a:xfrm>
+          <a:prstGeom prst="rect">
+            <a:avLst/>
+          </a:prstGeom>
+          <a:noFill/>
+        </p:spPr>
+        <p:txBody>
+          <a:bodyPr wrap="none" rtlCol="0">
+            <a:spAutoFit/>
+          </a:bodyPr>
+          <a:lstStyle/>
+          <a:p>
+            <a:r>
+              <a:rPr lang="en-CA" sz="1050" dirty="0" smtClean="0"/>
+              <a:t>Port 9200</a:t>
+            </a:r>
+            <a:endParaRPr lang="en-CA" sz="1050" dirty="0"/>
+          </a:p>
+        </p:txBody>
+      </p:sp>
+      <p:sp>
+        <p:nvSpPr>
+          <p:cNvPr id="78" name="TextBox 77"/>
+          <p:cNvSpPr txBox="1"/>
+          <p:nvPr/>
+        </p:nvSpPr>
+        <p:spPr>
+          <a:xfrm>
+            <a:off x="5495462" y="3200145"/>
+            <a:ext cx="721672" cy="253916"/>
+          </a:xfrm>
+          <a:prstGeom prst="rect">
+            <a:avLst/>
+          </a:prstGeom>
+          <a:noFill/>
+        </p:spPr>
+        <p:txBody>
+          <a:bodyPr wrap="none" rtlCol="0">
+            <a:spAutoFit/>
+          </a:bodyPr>
+          <a:lstStyle/>
+          <a:p>
+            <a:r>
+              <a:rPr lang="en-CA" sz="1050" dirty="0" smtClean="0"/>
+              <a:t>Port 9200</a:t>
+            </a:r>
+            <a:endParaRPr lang="en-CA" sz="1050" dirty="0"/>
+          </a:p>
+        </p:txBody>
+      </p:sp>
+      <p:cxnSp>
+        <p:nvCxnSpPr>
+          <p:cNvPr id="83" name="Straight Arrow Connector 106"/>
+          <p:cNvCxnSpPr>
+            <a:stCxn id="17" idx="0"/>
+            <a:endCxn id="80" idx="2"/>
+          </p:cNvCxnSpPr>
+          <p:nvPr/>
+        </p:nvCxnSpPr>
+        <p:spPr>
+          <a:xfrm rot="16200000" flipV="1">
+            <a:off x="1077777" y="3155631"/>
+            <a:ext cx="684266" cy="1"/>
+          </a:xfrm>
+          <a:prstGeom prst="bentConnector3">
+            <a:avLst>
+              <a:gd name="adj1" fmla="val 30512"/>
+            </a:avLst>
+          </a:prstGeom>
+          <a:ln w="31750">
+            <a:solidFill>
+              <a:schemeClr val="tx1"/>
+            </a:solidFill>
+            <a:tailEnd type="arrow"/>
+          </a:ln>
+        </p:spPr>
+        <p:style>
+          <a:lnRef idx="1">
+            <a:schemeClr val="accent1"/>
+          </a:lnRef>
+          <a:fillRef idx="0">
+            <a:schemeClr val="accent1"/>
+          </a:fillRef>
+          <a:effectRef idx="0">
+            <a:schemeClr val="accent1"/>
+          </a:effectRef>
+          <a:fontRef idx="minor">
+            <a:schemeClr val="tx1"/>
+          </a:fontRef>
+        </p:style>
+      </p:cxnSp>
+      <p:grpSp>
+        <p:nvGrpSpPr>
+          <p:cNvPr id="140" name="Group 139"/>
+          <p:cNvGrpSpPr/>
+          <p:nvPr/>
+        </p:nvGrpSpPr>
+        <p:grpSpPr>
+          <a:xfrm>
+            <a:off x="3043612" y="3615466"/>
+            <a:ext cx="744151" cy="762001"/>
+            <a:chOff x="2880000" y="2160000"/>
+            <a:chExt cx="744151" cy="762001"/>
+          </a:xfrm>
+        </p:grpSpPr>
+        <p:cxnSp>
+          <p:nvCxnSpPr>
+            <p:cNvPr id="163" name="Straight Arrow Connector 106"/>
+            <p:cNvCxnSpPr/>
+            <p:nvPr/>
+          </p:nvCxnSpPr>
+          <p:spPr>
+            <a:xfrm>
+              <a:off x="2880000" y="2160000"/>
+              <a:ext cx="744151" cy="1"/>
+            </a:xfrm>
+            <a:prstGeom prst="bentConnector3">
+              <a:avLst>
+                <a:gd name="adj1" fmla="val 50000"/>
+              </a:avLst>
+            </a:prstGeom>
+            <a:ln w="31750">
+              <a:solidFill>
+                <a:schemeClr val="tx1"/>
+              </a:solidFill>
+              <a:tailEnd type="arrow"/>
+            </a:ln>
+          </p:spPr>
+          <p:style>
+            <a:lnRef idx="1">
+              <a:schemeClr val="accent1"/>
+            </a:lnRef>
+            <a:fillRef idx="0">
+              <a:schemeClr val="accent1"/>
+            </a:fillRef>
+            <a:effectRef idx="0">
+              <a:schemeClr val="accent1"/>
+            </a:effectRef>
+            <a:fontRef idx="minor">
+              <a:schemeClr val="tx1"/>
+            </a:fontRef>
+          </p:style>
+        </p:cxnSp>
+        <p:cxnSp>
+          <p:nvCxnSpPr>
+            <p:cNvPr id="164" name="Straight Arrow Connector 106"/>
+            <p:cNvCxnSpPr/>
+            <p:nvPr/>
+          </p:nvCxnSpPr>
+          <p:spPr>
+            <a:xfrm>
+              <a:off x="2880000" y="2312400"/>
+              <a:ext cx="744151" cy="1"/>
+            </a:xfrm>
+            <a:prstGeom prst="bentConnector3">
+              <a:avLst>
+                <a:gd name="adj1" fmla="val 50000"/>
+              </a:avLst>
+            </a:prstGeom>
+            <a:ln w="31750">
+              <a:solidFill>
+                <a:schemeClr val="tx1"/>
+              </a:solidFill>
+              <a:tailEnd type="arrow"/>
+            </a:ln>
+          </p:spPr>
+          <p:style>
+            <a:lnRef idx="1">
+              <a:schemeClr val="accent1"/>
+            </a:lnRef>
+            <a:fillRef idx="0">
+              <a:schemeClr val="accent1"/>
+            </a:fillRef>
+            <a:effectRef idx="0">
+              <a:schemeClr val="accent1"/>
+            </a:effectRef>
+            <a:fontRef idx="minor">
+              <a:schemeClr val="tx1"/>
+            </a:fontRef>
+          </p:style>
+        </p:cxnSp>
+        <p:cxnSp>
+          <p:nvCxnSpPr>
+            <p:cNvPr id="165" name="Straight Arrow Connector 106"/>
+            <p:cNvCxnSpPr/>
+            <p:nvPr/>
+          </p:nvCxnSpPr>
+          <p:spPr>
+            <a:xfrm>
+              <a:off x="2880000" y="2464800"/>
+              <a:ext cx="744151" cy="1"/>
+            </a:xfrm>
+            <a:prstGeom prst="bentConnector3">
+              <a:avLst>
+                <a:gd name="adj1" fmla="val 50000"/>
+              </a:avLst>
+            </a:prstGeom>
+            <a:ln w="31750">
+              <a:solidFill>
+                <a:schemeClr val="tx1"/>
+              </a:solidFill>
+              <a:tailEnd type="arrow"/>
+            </a:ln>
+          </p:spPr>
+          <p:style>
+            <a:lnRef idx="1">
+              <a:schemeClr val="accent1"/>
+            </a:lnRef>
+            <a:fillRef idx="0">
+              <a:schemeClr val="accent1"/>
+            </a:fillRef>
+            <a:effectRef idx="0">
+              <a:schemeClr val="accent1"/>
+            </a:effectRef>
+            <a:fontRef idx="minor">
+              <a:schemeClr val="tx1"/>
+            </a:fontRef>
+          </p:style>
+        </p:cxnSp>
+        <p:cxnSp>
+          <p:nvCxnSpPr>
+            <p:cNvPr id="166" name="Straight Arrow Connector 106"/>
+            <p:cNvCxnSpPr/>
+            <p:nvPr/>
+          </p:nvCxnSpPr>
+          <p:spPr>
+            <a:xfrm>
+              <a:off x="2880000" y="2617200"/>
+              <a:ext cx="744151" cy="1"/>
+            </a:xfrm>
+            <a:prstGeom prst="bentConnector3">
+              <a:avLst>
+                <a:gd name="adj1" fmla="val 50000"/>
+              </a:avLst>
+            </a:prstGeom>
+            <a:ln w="31750">
+              <a:solidFill>
+                <a:schemeClr val="tx1"/>
+              </a:solidFill>
+              <a:tailEnd type="arrow"/>
+            </a:ln>
+          </p:spPr>
+          <p:style>
+            <a:lnRef idx="1">
+              <a:schemeClr val="accent1"/>
+            </a:lnRef>
+            <a:fillRef idx="0">
+              <a:schemeClr val="accent1"/>
+            </a:fillRef>
+            <a:effectRef idx="0">
+              <a:schemeClr val="accent1"/>
+            </a:effectRef>
+            <a:fontRef idx="minor">
+              <a:schemeClr val="tx1"/>
+            </a:fontRef>
+          </p:style>
+        </p:cxnSp>
+        <p:cxnSp>
+          <p:nvCxnSpPr>
+            <p:cNvPr id="167" name="Straight Arrow Connector 106"/>
+            <p:cNvCxnSpPr/>
+            <p:nvPr/>
+          </p:nvCxnSpPr>
+          <p:spPr>
+            <a:xfrm>
+              <a:off x="2880000" y="2769600"/>
+              <a:ext cx="744151" cy="1"/>
+            </a:xfrm>
+            <a:prstGeom prst="bentConnector3">
+              <a:avLst>
+                <a:gd name="adj1" fmla="val 50000"/>
+              </a:avLst>
+            </a:prstGeom>
+            <a:ln w="31750">
+              <a:solidFill>
+                <a:schemeClr val="tx1"/>
+              </a:solidFill>
+              <a:tailEnd type="arrow"/>
+            </a:ln>
+          </p:spPr>
+          <p:style>
+            <a:lnRef idx="1">
+              <a:schemeClr val="accent1"/>
+            </a:lnRef>
+            <a:fillRef idx="0">
+              <a:schemeClr val="accent1"/>
+            </a:fillRef>
+            <a:effectRef idx="0">
+              <a:schemeClr val="accent1"/>
+            </a:effectRef>
+            <a:fontRef idx="minor">
+              <a:schemeClr val="tx1"/>
+            </a:fontRef>
+          </p:style>
+        </p:cxnSp>
+        <p:cxnSp>
+          <p:nvCxnSpPr>
+            <p:cNvPr id="168" name="Straight Arrow Connector 106"/>
+            <p:cNvCxnSpPr/>
+            <p:nvPr/>
+          </p:nvCxnSpPr>
+          <p:spPr>
+            <a:xfrm>
+              <a:off x="2880000" y="2922000"/>
+              <a:ext cx="744151" cy="1"/>
+            </a:xfrm>
+            <a:prstGeom prst="bentConnector3">
+              <a:avLst>
+                <a:gd name="adj1" fmla="val 50000"/>
+              </a:avLst>
+            </a:prstGeom>
+            <a:ln w="31750">
+              <a:solidFill>
+                <a:schemeClr val="tx1"/>
+              </a:solidFill>
+              <a:tailEnd type="arrow"/>
+            </a:ln>
+          </p:spPr>
+          <p:style>
+            <a:lnRef idx="1">
+              <a:schemeClr val="accent1"/>
+            </a:lnRef>
+            <a:fillRef idx="0">
+              <a:schemeClr val="accent1"/>
+            </a:fillRef>
+            <a:effectRef idx="0">
+              <a:schemeClr val="accent1"/>
+            </a:effectRef>
+            <a:fontRef idx="minor">
+              <a:schemeClr val="tx1"/>
+            </a:fontRef>
+          </p:style>
+        </p:cxnSp>
+      </p:grpSp>
+      <p:sp>
+        <p:nvSpPr>
+          <p:cNvPr id="74" name="Rounded Rectangle 73">
+            <a:hlinkClick r:id="rId4"/>
+          </p:cNvPr>
+          <p:cNvSpPr/>
+          <p:nvPr/>
+        </p:nvSpPr>
+        <p:spPr>
+          <a:xfrm>
+            <a:off x="5335306" y="1503719"/>
+            <a:ext cx="1612958" cy="2348908"/>
+          </a:xfrm>
+          <a:prstGeom prst="roundRect">
+            <a:avLst>
+              <a:gd name="adj" fmla="val 0"/>
+            </a:avLst>
+          </a:prstGeom>
+          <a:solidFill>
+            <a:srgbClr val="FCFCFC"/>
+          </a:solidFill>
+          <a:ln>
+            <a:solidFill>
+              <a:srgbClr val="74B73F"/>
+            </a:solidFill>
+          </a:ln>
+        </p:spPr>
+        <p:style>
+          <a:lnRef idx="2">
+            <a:schemeClr val="accent1">
+              <a:shade val="50000"/>
+            </a:schemeClr>
+          </a:lnRef>
+          <a:fillRef idx="1">
+            <a:schemeClr val="accent1"/>
+          </a:fillRef>
+          <a:effectRef idx="0">
+            <a:schemeClr val="accent1"/>
+          </a:effectRef>
+          <a:fontRef idx="minor">
+            <a:schemeClr val="lt1"/>
+          </a:fontRef>
+        </p:style>
+        <p:txBody>
+          <a:bodyPr rtlCol="0" anchor="b" anchorCtr="0"/>
+          <a:lstStyle/>
+          <a:p>
+            <a:pPr algn="ctr"/>
+            <a:r>
+              <a:rPr lang="en-CA" sz="1200" b="1" dirty="0" smtClean="0">
+                <a:solidFill>
+                  <a:schemeClr val="tx1"/>
+                </a:solidFill>
+              </a:rPr>
+              <a:t>Coordinator</a:t>
+            </a:r>
+            <a:r>
+              <a:rPr lang="en-CA" sz="1200" b="1" dirty="0" smtClean="0">
+                <a:solidFill>
+                  <a:schemeClr val="tx1"/>
+                </a:solidFill>
+              </a:rPr>
+              <a:t/>
+            </a:r>
+            <a:br>
+              <a:rPr lang="en-CA" sz="1200" b="1" dirty="0" smtClean="0">
+                <a:solidFill>
+                  <a:schemeClr val="tx1"/>
+                </a:solidFill>
+              </a:rPr>
+            </a:br>
+            <a:r>
+              <a:rPr lang="en-CA" sz="1200" b="1" dirty="0" smtClean="0">
+                <a:solidFill>
+                  <a:schemeClr val="tx1"/>
+                </a:solidFill>
+              </a:rPr>
+              <a:t>(r3.xlarge)</a:t>
+            </a:r>
+          </a:p>
+        </p:txBody>
+      </p:sp>
+      <p:pic>
+        <p:nvPicPr>
+          <p:cNvPr id="75" name="Picture 74"/>
+          <p:cNvPicPr>
+            <a:picLocks noChangeAspect="1"/>
+          </p:cNvPicPr>
+          <p:nvPr/>
+        </p:nvPicPr>
+        <p:blipFill>
+          <a:blip r:embed="rId11" cstate="print">
+            <a:extLst>
+              <a:ext uri="{28A0092B-C50C-407E-A947-70E740481C1C}">
+                <a14:useLocalDpi xmlns:a14="http://schemas.microsoft.com/office/drawing/2010/main" val="0"/>
+              </a:ext>
+            </a:extLst>
+          </a:blip>
+          <a:stretch>
+            <a:fillRect/>
+          </a:stretch>
+        </p:blipFill>
+        <p:spPr>
+          <a:xfrm>
+            <a:off x="5812107" y="2713939"/>
+            <a:ext cx="750287" cy="743954"/>
+          </a:xfrm>
+          <a:prstGeom prst="rect">
+            <a:avLst/>
+          </a:prstGeom>
+        </p:spPr>
+      </p:pic>
       <p:cxnSp>
         <p:nvCxnSpPr>
           <p:cNvPr id="200" name="Elbow Connector 199"/>
@@ -5705,74 +5880,47 @@
           </a:fontRef>
         </p:style>
       </p:cxnSp>
-      <p:sp>
-        <p:nvSpPr>
-          <p:cNvPr id="199" name="TextBox 198"/>
-          <p:cNvSpPr txBox="1"/>
+      <p:cxnSp>
+        <p:nvCxnSpPr>
+          <p:cNvPr id="196" name="Elbow Connector 195"/>
+          <p:cNvCxnSpPr>
+            <a:stCxn id="94" idx="3"/>
+            <a:endCxn id="42" idx="1"/>
+          </p:cNvCxnSpPr>
           <p:nvPr/>
-        </p:nvSpPr>
+        </p:nvCxnSpPr>
         <p:spPr>
-          <a:xfrm>
-            <a:off x="263532" y="216063"/>
-            <a:ext cx="4657942" cy="400110"/>
+          <a:xfrm flipV="1">
+            <a:off x="6760806" y="2129223"/>
+            <a:ext cx="728266" cy="493"/>
           </a:xfrm>
-          <a:prstGeom prst="rect">
-            <a:avLst/>
+          <a:prstGeom prst="bentConnector3">
+            <a:avLst>
+              <a:gd name="adj1" fmla="val 50000"/>
+            </a:avLst>
           </a:prstGeom>
-          <a:noFill/>
+          <a:ln w="31750">
+            <a:solidFill>
+              <a:schemeClr val="tx1"/>
+            </a:solidFill>
+            <a:tailEnd type="arrow"/>
+          </a:ln>
         </p:spPr>
-        <p:txBody>
-          <a:bodyPr wrap="none" rtlCol="0">
-            <a:spAutoFit/>
-          </a:bodyPr>
-          <a:lstStyle/>
-          <a:p>
-            <a:r>
-              <a:rPr lang="en-CA" sz="2000" b="1" dirty="0" smtClean="0"/>
-              <a:t>Relevant Machines for </a:t>
-            </a:r>
-            <a:r>
-              <a:rPr lang="en-CA" sz="2000" b="1" dirty="0" err="1" smtClean="0"/>
-              <a:t>Unittest</a:t>
-            </a:r>
-            <a:r>
-              <a:rPr lang="en-CA" sz="2000" b="1" dirty="0" smtClean="0"/>
-              <a:t> Data Flow </a:t>
-            </a:r>
-            <a:endParaRPr lang="en-CA" sz="2000" b="1" dirty="0"/>
-          </a:p>
-        </p:txBody>
-      </p:sp>
-      <p:sp>
-        <p:nvSpPr>
-          <p:cNvPr id="2" name="TextBox 1"/>
-          <p:cNvSpPr txBox="1"/>
-          <p:nvPr/>
-        </p:nvSpPr>
-        <p:spPr>
-          <a:xfrm>
-            <a:off x="6264058" y="489215"/>
-            <a:ext cx="1225015" cy="253916"/>
-          </a:xfrm>
-          <a:prstGeom prst="rect">
-            <a:avLst/>
-          </a:prstGeom>
-          <a:noFill/>
-        </p:spPr>
-        <p:txBody>
-          <a:bodyPr wrap="none" rtlCol="0">
-            <a:spAutoFit/>
-          </a:bodyPr>
-          <a:lstStyle/>
-          <a:p>
-            <a:r>
-              <a:rPr lang="en-CA" sz="1050" dirty="0" smtClean="0"/>
-              <a:t>Programmer Alerts</a:t>
-            </a:r>
-            <a:endParaRPr lang="en-CA" sz="1050" dirty="0"/>
-          </a:p>
-        </p:txBody>
-      </p:sp>
+        <p:style>
+          <a:lnRef idx="1">
+            <a:schemeClr val="accent1"/>
+          </a:lnRef>
+          <a:fillRef idx="0">
+            <a:schemeClr val="accent1"/>
+          </a:fillRef>
+          <a:effectRef idx="0">
+            <a:schemeClr val="accent1"/>
+          </a:effectRef>
+          <a:fontRef idx="minor">
+            <a:schemeClr val="tx1"/>
+          </a:fontRef>
+        </p:style>
+      </p:cxnSp>
       <p:sp>
         <p:nvSpPr>
           <p:cNvPr id="65" name="TextBox 64"/>
@@ -5781,7 +5929,7 @@
         </p:nvSpPr>
         <p:spPr>
           <a:xfrm>
-            <a:off x="6732240" y="1814516"/>
+            <a:off x="6768904" y="1852350"/>
             <a:ext cx="583814" cy="253916"/>
           </a:xfrm>
           <a:prstGeom prst="rect">
@@ -5805,46 +5953,64 @@
       </p:sp>
       <p:sp>
         <p:nvSpPr>
-          <p:cNvPr id="66" name="TextBox 65"/>
-          <p:cNvSpPr txBox="1"/>
+          <p:cNvPr id="16" name="Rectangle 15"/>
+          <p:cNvSpPr/>
           <p:nvPr/>
         </p:nvSpPr>
         <p:spPr>
           <a:xfrm>
-            <a:off x="4757634" y="3073187"/>
-            <a:ext cx="721672" cy="253916"/>
+            <a:off x="5700926" y="2713940"/>
+            <a:ext cx="936104" cy="743953"/>
           </a:xfrm>
           <a:prstGeom prst="rect">
             <a:avLst/>
           </a:prstGeom>
-          <a:noFill/>
+          <a:solidFill>
+            <a:schemeClr val="bg1">
+              <a:alpha val="84000"/>
+            </a:schemeClr>
+          </a:solidFill>
+          <a:ln>
+            <a:noFill/>
+          </a:ln>
         </p:spPr>
-        <p:txBody>
-          <a:bodyPr wrap="none" rtlCol="0">
-            <a:spAutoFit/>
-          </a:bodyPr>
+        <p:style>
+          <a:lnRef idx="2">
+            <a:schemeClr val="accent1">
+              <a:shade val="50000"/>
+            </a:schemeClr>
+          </a:lnRef>
+          <a:fillRef idx="1">
+            <a:schemeClr val="accent1"/>
+          </a:fillRef>
+          <a:effectRef idx="0">
+            <a:schemeClr val="accent1"/>
+          </a:effectRef>
+          <a:fontRef idx="minor">
+            <a:schemeClr val="lt1"/>
+          </a:fontRef>
+        </p:style>
+        <p:txBody>
+          <a:bodyPr rtlCol="0" anchor="ctr"/>
           <a:lstStyle/>
           <a:p>
-            <a:r>
-              <a:rPr lang="en-CA" sz="1050" dirty="0" smtClean="0"/>
-              <a:t>Port 9200</a:t>
-            </a:r>
-            <a:endParaRPr lang="en-CA" sz="1050" dirty="0"/>
-          </a:p>
-        </p:txBody>
-      </p:sp>
-      <p:sp>
-        <p:nvSpPr>
-          <p:cNvPr id="68" name="Rounded Rectangle 67">
-            <a:hlinkClick r:id="rId6"/>
+            <a:pPr algn="ctr"/>
+            <a:endParaRPr lang="en-CA"/>
+          </a:p>
+        </p:txBody>
+      </p:sp>
+      <p:sp>
+        <p:nvSpPr>
+          <p:cNvPr id="91" name="Rounded Rectangle 90">
+            <a:hlinkClick r:id="rId8"/>
           </p:cNvPr>
           <p:cNvSpPr/>
           <p:nvPr/>
         </p:nvSpPr>
         <p:spPr>
           <a:xfrm>
-            <a:off x="7702910" y="3671077"/>
-            <a:ext cx="1033788" cy="650781"/>
+            <a:off x="5576729" y="1637559"/>
+            <a:ext cx="1187160" cy="245165"/>
           </a:xfrm>
           <a:prstGeom prst="roundRect">
             <a:avLst/>
@@ -5894,7 +6060,88 @@
           </a:fontRef>
         </p:style>
         <p:txBody>
-          <a:bodyPr rtlCol="0" anchor="ctr"/>
+          <a:bodyPr lIns="36000" rIns="36000" rtlCol="0" anchor="ctr"/>
+          <a:lstStyle/>
+          <a:p>
+            <a:pPr algn="ctr"/>
+            <a:r>
+              <a:rPr lang="en-CA" sz="1200" b="1" dirty="0" err="1" smtClean="0">
+                <a:solidFill>
+                  <a:schemeClr val="tx1"/>
+                </a:solidFill>
+              </a:rPr>
+              <a:t>SpotManager</a:t>
+            </a:r>
+            <a:endParaRPr lang="en-CA" sz="1200" b="1" dirty="0">
+              <a:solidFill>
+                <a:schemeClr val="tx1"/>
+              </a:solidFill>
+            </a:endParaRPr>
+          </a:p>
+        </p:txBody>
+      </p:sp>
+      <p:sp>
+        <p:nvSpPr>
+          <p:cNvPr id="92" name="Rounded Rectangle 91">
+            <a:hlinkClick r:id="rId8"/>
+          </p:cNvPr>
+          <p:cNvSpPr/>
+          <p:nvPr/>
+        </p:nvSpPr>
+        <p:spPr>
+          <a:xfrm>
+            <a:off x="5572795" y="2373669"/>
+            <a:ext cx="1187160" cy="244800"/>
+          </a:xfrm>
+          <a:prstGeom prst="roundRect">
+            <a:avLst/>
+          </a:prstGeom>
+          <a:gradFill>
+            <a:gsLst>
+              <a:gs pos="0">
+                <a:schemeClr val="bg1">
+                  <a:lumMod val="95000"/>
+                </a:schemeClr>
+              </a:gs>
+              <a:gs pos="50000">
+                <a:schemeClr val="bg1">
+                  <a:lumMod val="95000"/>
+                </a:schemeClr>
+              </a:gs>
+              <a:gs pos="100000">
+                <a:schemeClr val="bg1">
+                  <a:lumMod val="85000"/>
+                </a:schemeClr>
+              </a:gs>
+            </a:gsLst>
+            <a:lin ang="5400000" scaled="0"/>
+          </a:gradFill>
+          <a:ln>
+            <a:solidFill>
+              <a:schemeClr val="accent6">
+                <a:lumMod val="75000"/>
+              </a:schemeClr>
+            </a:solidFill>
+          </a:ln>
+        </p:spPr>
+        <p:style>
+          <a:lnRef idx="2">
+            <a:schemeClr val="accent1">
+              <a:shade val="50000"/>
+            </a:schemeClr>
+          </a:lnRef>
+          <a:fillRef idx="1">
+            <a:schemeClr val="accent1"/>
+          </a:fillRef>
+          <a:effectRef idx="0">
+            <a:schemeClr val="accent1"/>
+          </a:effectRef>
+          <a:fontRef idx="minor">
+            <a:schemeClr val="lt1"/>
+          </a:fontRef>
+        </p:style>
+        <p:txBody>
+          <a:bodyPr lIns="36000" rIns="36000" rtlCol="0" anchor="ctr"/>
           <a:lstStyle/>
           <a:p>
             <a:pPr algn="ctr"/>
@@ -5904,7 +6151,152 @@
                   <a:schemeClr val="tx1"/>
                 </a:solidFill>
               </a:rPr>
-              <a:t>Verification</a:t>
+              <a:t>Supervisor</a:t>
+            </a:r>
+            <a:endParaRPr lang="en-CA" sz="1200" b="1" dirty="0">
+              <a:solidFill>
+                <a:schemeClr val="tx1"/>
+              </a:solidFill>
+            </a:endParaRPr>
+          </a:p>
+        </p:txBody>
+      </p:sp>
+      <p:sp>
+        <p:nvSpPr>
+          <p:cNvPr id="94" name="Rounded Rectangle 93">
+            <a:hlinkClick r:id="rId8"/>
+          </p:cNvPr>
+          <p:cNvSpPr/>
+          <p:nvPr/>
+        </p:nvSpPr>
+        <p:spPr>
+          <a:xfrm>
+            <a:off x="5577149" y="2007316"/>
+            <a:ext cx="1183657" cy="244800"/>
+          </a:xfrm>
+          <a:prstGeom prst="roundRect">
+            <a:avLst/>
+          </a:prstGeom>
+          <a:gradFill>
+            <a:gsLst>
+              <a:gs pos="0">
+                <a:schemeClr val="bg1">
+                  <a:lumMod val="95000"/>
+                </a:schemeClr>
+              </a:gs>
+              <a:gs pos="50000">
+                <a:schemeClr val="bg1">
+                  <a:lumMod val="95000"/>
+                </a:schemeClr>
+              </a:gs>
+              <a:gs pos="100000">
+                <a:schemeClr val="bg1">
+                  <a:lumMod val="85000"/>
+                </a:schemeClr>
+              </a:gs>
+            </a:gsLst>
+            <a:lin ang="5400000" scaled="0"/>
+          </a:gradFill>
+          <a:ln>
+            <a:solidFill>
+              <a:schemeClr val="accent6">
+                <a:lumMod val="75000"/>
+              </a:schemeClr>
+            </a:solidFill>
+          </a:ln>
+        </p:spPr>
+        <p:style>
+          <a:lnRef idx="2">
+            <a:schemeClr val="accent1">
+              <a:shade val="50000"/>
+            </a:schemeClr>
+          </a:lnRef>
+          <a:fillRef idx="1">
+            <a:schemeClr val="accent1"/>
+          </a:fillRef>
+          <a:effectRef idx="0">
+            <a:schemeClr val="accent1"/>
+          </a:effectRef>
+          <a:fontRef idx="minor">
+            <a:schemeClr val="lt1"/>
+          </a:fontRef>
+        </p:style>
+        <p:txBody>
+          <a:bodyPr lIns="36000" rIns="36000" rtlCol="0" anchor="ctr"/>
+          <a:lstStyle/>
+          <a:p>
+            <a:pPr algn="ctr"/>
+            <a:r>
+              <a:rPr lang="en-CA" sz="1200" b="1" dirty="0" err="1" smtClean="0">
+                <a:solidFill>
+                  <a:schemeClr val="tx1"/>
+                </a:solidFill>
+              </a:rPr>
+              <a:t>ActiveData</a:t>
+            </a:r>
+            <a:endParaRPr lang="en-CA" sz="1200" b="1" dirty="0" smtClean="0">
+              <a:solidFill>
+                <a:schemeClr val="tx1"/>
+              </a:solidFill>
+            </a:endParaRPr>
+          </a:p>
+        </p:txBody>
+      </p:sp>
+      <p:sp>
+        <p:nvSpPr>
+          <p:cNvPr id="84" name="Rounded Rectangle 83">
+            <a:hlinkClick r:id="rId4"/>
+          </p:cNvPr>
+          <p:cNvSpPr/>
+          <p:nvPr/>
+        </p:nvSpPr>
+        <p:spPr>
+          <a:xfrm>
+            <a:off x="3869184" y="1515210"/>
+            <a:ext cx="1239751" cy="1288895"/>
+          </a:xfrm>
+          <a:prstGeom prst="roundRect">
+            <a:avLst>
+              <a:gd name="adj" fmla="val 0"/>
+            </a:avLst>
+          </a:prstGeom>
+          <a:solidFill>
+            <a:srgbClr val="FCFCFC"/>
+          </a:solidFill>
+          <a:ln>
+            <a:solidFill>
+              <a:srgbClr val="74B73F"/>
+            </a:solidFill>
+          </a:ln>
+        </p:spPr>
+        <p:style>
+          <a:lnRef idx="2">
+            <a:schemeClr val="accent1">
+              <a:shade val="50000"/>
+            </a:schemeClr>
+          </a:lnRef>
+          <a:fillRef idx="1">
+            <a:schemeClr val="accent1"/>
+          </a:fillRef>
+          <a:effectRef idx="0">
+            <a:schemeClr val="accent1"/>
+          </a:effectRef>
+          <a:fontRef idx="minor">
+            <a:schemeClr val="lt1"/>
+          </a:fontRef>
+        </p:style>
+        <p:txBody>
+          <a:bodyPr rtlCol="0" anchor="b" anchorCtr="0"/>
+          <a:lstStyle/>
+          <a:p>
+            <a:pPr algn="ctr"/>
+            <a:r>
+              <a:rPr lang="en-CA" sz="1200" b="1" dirty="0" smtClean="0">
+                <a:solidFill>
+                  <a:schemeClr val="tx1"/>
+                </a:solidFill>
+              </a:rPr>
+              <a:t>Master</a:t>
             </a:r>
             <a:br>
               <a:rPr lang="en-CA" sz="1200" b="1" dirty="0" smtClean="0">
@@ -5919,102 +6311,11 @@
                   <a:schemeClr val="tx1"/>
                 </a:solidFill>
               </a:rPr>
-              <a:t>and</a:t>
-            </a:r>
-            <a:br>
-              <a:rPr lang="en-CA" sz="1200" b="1" dirty="0" smtClean="0">
-                <a:solidFill>
-                  <a:schemeClr val="tx1"/>
-                </a:solidFill>
-              </a:rPr>
-            </a:br>
-            <a:r>
-              <a:rPr lang="en-CA" sz="1200" b="1" dirty="0" smtClean="0">
-                <a:solidFill>
-                  <a:schemeClr val="tx1"/>
-                </a:solidFill>
-              </a:rPr>
-              <a:t>Retrigger</a:t>
-            </a:r>
-            <a:endParaRPr lang="en-CA" sz="1200" b="1" dirty="0">
-              <a:solidFill>
-                <a:schemeClr val="tx1"/>
-              </a:solidFill>
-            </a:endParaRPr>
-          </a:p>
-        </p:txBody>
-      </p:sp>
-      <p:sp>
-        <p:nvSpPr>
-          <p:cNvPr id="78" name="TextBox 77"/>
-          <p:cNvSpPr txBox="1"/>
-          <p:nvPr/>
-        </p:nvSpPr>
-        <p:spPr>
-          <a:xfrm>
-            <a:off x="5495462" y="3200145"/>
-            <a:ext cx="721672" cy="253916"/>
-          </a:xfrm>
-          <a:prstGeom prst="rect">
-            <a:avLst/>
-          </a:prstGeom>
-          <a:noFill/>
-        </p:spPr>
-        <p:txBody>
-          <a:bodyPr wrap="none" rtlCol="0">
-            <a:spAutoFit/>
-          </a:bodyPr>
-          <a:lstStyle/>
-          <a:p>
-            <a:r>
-              <a:rPr lang="en-CA" sz="1050" dirty="0" smtClean="0"/>
-              <a:t>Port 9200</a:t>
-            </a:r>
-            <a:endParaRPr lang="en-CA" sz="1050" dirty="0"/>
-          </a:p>
-        </p:txBody>
-      </p:sp>
-      <p:cxnSp>
-        <p:nvCxnSpPr>
-          <p:cNvPr id="83" name="Straight Arrow Connector 106"/>
-          <p:cNvCxnSpPr>
-            <a:stCxn id="17" idx="0"/>
-            <a:endCxn id="80" idx="2"/>
-          </p:cNvCxnSpPr>
-          <p:nvPr/>
-        </p:nvCxnSpPr>
-        <p:spPr>
-          <a:xfrm rot="16200000" flipV="1">
-            <a:off x="1077777" y="3155631"/>
-            <a:ext cx="684266" cy="1"/>
-          </a:xfrm>
-          <a:prstGeom prst="bentConnector3">
-            <a:avLst>
-              <a:gd name="adj1" fmla="val 30512"/>
-            </a:avLst>
-          </a:prstGeom>
-          <a:ln w="31750">
-            <a:solidFill>
-              <a:schemeClr val="tx1"/>
-            </a:solidFill>
-            <a:tailEnd type="arrow"/>
-          </a:ln>
-        </p:spPr>
-        <p:style>
-          <a:lnRef idx="1">
-            <a:schemeClr val="accent1"/>
-          </a:lnRef>
-          <a:fillRef idx="0">
-            <a:schemeClr val="accent1"/>
-          </a:fillRef>
-          <a:effectRef idx="0">
-            <a:schemeClr val="accent1"/>
-          </a:effectRef>
-          <a:fontRef idx="minor">
-            <a:schemeClr val="tx1"/>
-          </a:fontRef>
-        </p:style>
-      </p:cxnSp>
+              <a:t>(r3.xlarge)</a:t>
+            </a:r>
+          </a:p>
+        </p:txBody>
+      </p:sp>
       <p:grpSp>
         <p:nvGrpSpPr>
           <p:cNvPr id="87" name="Group 86"/>
@@ -6409,37 +6710,8 @@
                     <a:schemeClr val="tx1"/>
                   </a:solidFill>
                 </a:rPr>
-                <a:t> </a:t>
+                <a:t> (spot)</a:t>
               </a:r>
-              <a:r>
-                <a:rPr lang="en-CA" sz="1200" b="1" dirty="0" smtClean="0">
-                  <a:solidFill>
-                    <a:schemeClr val="tx1"/>
-                  </a:solidFill>
-                </a:rPr>
-                <a:t>(</a:t>
-              </a:r>
-              <a:r>
-                <a:rPr lang="en-CA" sz="1200" b="1" dirty="0" smtClean="0">
-                  <a:solidFill>
-                    <a:schemeClr val="tx1"/>
-                  </a:solidFill>
-                </a:rPr>
-                <a:t>spot</a:t>
-              </a:r>
-              <a:r>
-                <a:rPr lang="en-CA" sz="1200" b="1" dirty="0" smtClean="0">
-                  <a:solidFill>
-                    <a:schemeClr val="tx1"/>
-                  </a:solidFill>
-                </a:rPr>
-                <a:t>)</a:t>
-              </a:r>
-              <a:endParaRPr lang="en-CA" sz="1200" b="1" dirty="0" smtClean="0">
-                <a:solidFill>
-                  <a:schemeClr val="tx1"/>
-                </a:solidFill>
-              </a:endParaRPr>
             </a:p>
           </p:txBody>
         </p:sp>
@@ -6474,249 +6746,36 @@
           </p:spPr>
         </p:pic>
       </p:grpSp>
-      <p:grpSp>
-        <p:nvGrpSpPr>
-          <p:cNvPr id="140" name="Group 139"/>
-          <p:cNvGrpSpPr/>
+      <p:pic>
+        <p:nvPicPr>
+          <p:cNvPr id="73" name="Picture 72"/>
+          <p:cNvPicPr>
+            <a:picLocks noChangeAspect="1"/>
+          </p:cNvPicPr>
           <p:nvPr/>
-        </p:nvGrpSpPr>
-        <p:grpSpPr>
+        </p:nvPicPr>
+        <p:blipFill>
+          <a:blip r:embed="rId11" cstate="print">
+            <a:extLst>
+              <a:ext uri="{28A0092B-C50C-407E-A947-70E740481C1C}">
+                <a14:useLocalDpi xmlns:a14="http://schemas.microsoft.com/office/drawing/2010/main" val="0"/>
+              </a:ext>
+            </a:extLst>
+          </a:blip>
+          <a:stretch>
+            <a:fillRect/>
+          </a:stretch>
+        </p:blipFill>
+        <p:spPr>
           <a:xfrm>
-            <a:off x="3043612" y="3615466"/>
-            <a:ext cx="744151" cy="762001"/>
-            <a:chOff x="2880000" y="2160000"/>
-            <a:chExt cx="744151" cy="762001"/>
+            <a:off x="4113915" y="1629715"/>
+            <a:ext cx="750287" cy="743954"/>
           </a:xfrm>
-        </p:grpSpPr>
-        <p:cxnSp>
-          <p:nvCxnSpPr>
-            <p:cNvPr id="163" name="Straight Arrow Connector 106"/>
-            <p:cNvCxnSpPr/>
-            <p:nvPr/>
-          </p:nvCxnSpPr>
-          <p:spPr>
-            <a:xfrm>
-              <a:off x="2880000" y="2160000"/>
-              <a:ext cx="744151" cy="1"/>
-            </a:xfrm>
-            <a:prstGeom prst="bentConnector3">
-              <a:avLst>
-                <a:gd name="adj1" fmla="val 50000"/>
-              </a:avLst>
-            </a:prstGeom>
-            <a:ln w="31750">
-              <a:solidFill>
-                <a:schemeClr val="tx1"/>
-              </a:solidFill>
-              <a:tailEnd type="arrow"/>
-            </a:ln>
-          </p:spPr>
-          <p:style>
-            <a:lnRef idx="1">
-              <a:schemeClr val="accent1"/>
-            </a:lnRef>
-            <a:fillRef idx="0">
-              <a:schemeClr val="accent1"/>
-            </a:fillRef>
-            <a:effectRef idx="0">
-              <a:schemeClr val="accent1"/>
-            </a:effectRef>
-            <a:fontRef idx="minor">
-              <a:schemeClr val="tx1"/>
-            </a:fontRef>
-          </p:style>
-        </p:cxnSp>
-        <p:cxnSp>
-          <p:nvCxnSpPr>
-            <p:cNvPr id="164" name="Straight Arrow Connector 106"/>
-            <p:cNvCxnSpPr/>
-            <p:nvPr/>
-          </p:nvCxnSpPr>
-          <p:spPr>
-            <a:xfrm>
-              <a:off x="2880000" y="2312400"/>
-              <a:ext cx="744151" cy="1"/>
-            </a:xfrm>
-            <a:prstGeom prst="bentConnector3">
-              <a:avLst>
-                <a:gd name="adj1" fmla="val 50000"/>
-              </a:avLst>
-            </a:prstGeom>
-            <a:ln w="31750">
-              <a:solidFill>
-                <a:schemeClr val="tx1"/>
-              </a:solidFill>
-              <a:tailEnd type="arrow"/>
-            </a:ln>
-          </p:spPr>
-          <p:style>
-            <a:lnRef idx="1">
-              <a:schemeClr val="accent1"/>
-            </a:lnRef>
-            <a:fillRef idx="0">
-              <a:schemeClr val="accent1"/>
-            </a:fillRef>
-            <a:effectRef idx="0">
-              <a:schemeClr val="accent1"/>
-            </a:effectRef>
-            <a:fontRef idx="minor">
-              <a:schemeClr val="tx1"/>
-            </a:fontRef>
-          </p:style>
-        </p:cxnSp>
-        <p:cxnSp>
-          <p:nvCxnSpPr>
-            <p:cNvPr id="165" name="Straight Arrow Connector 106"/>
-            <p:cNvCxnSpPr/>
-            <p:nvPr/>
-          </p:nvCxnSpPr>
-          <p:spPr>
-            <a:xfrm>
-              <a:off x="2880000" y="2464800"/>
-              <a:ext cx="744151" cy="1"/>
-            </a:xfrm>
-            <a:prstGeom prst="bentConnector3">
-              <a:avLst>
-                <a:gd name="adj1" fmla="val 50000"/>
-              </a:avLst>
-            </a:prstGeom>
-            <a:ln w="31750">
-              <a:solidFill>
-                <a:schemeClr val="tx1"/>
-              </a:solidFill>
-              <a:tailEnd type="arrow"/>
-            </a:ln>
-          </p:spPr>
-          <p:style>
-            <a:lnRef idx="1">
-              <a:schemeClr val="accent1"/>
-            </a:lnRef>
-            <a:fillRef idx="0">
-              <a:schemeClr val="accent1"/>
-            </a:fillRef>
-            <a:effectRef idx="0">
-              <a:schemeClr val="accent1"/>
-            </a:effectRef>
-            <a:fontRef idx="minor">
-              <a:schemeClr val="tx1"/>
-            </a:fontRef>
-          </p:style>
-        </p:cxnSp>
-        <p:cxnSp>
-          <p:nvCxnSpPr>
-            <p:cNvPr id="166" name="Straight Arrow Connector 106"/>
-            <p:cNvCxnSpPr/>
-            <p:nvPr/>
-          </p:nvCxnSpPr>
-          <p:spPr>
-            <a:xfrm>
-              <a:off x="2880000" y="2617200"/>
-              <a:ext cx="744151" cy="1"/>
-            </a:xfrm>
-            <a:prstGeom prst="bentConnector3">
-              <a:avLst>
-                <a:gd name="adj1" fmla="val 50000"/>
-              </a:avLst>
-            </a:prstGeom>
-            <a:ln w="31750">
-              <a:solidFill>
-                <a:schemeClr val="tx1"/>
-              </a:solidFill>
-              <a:tailEnd type="arrow"/>
-            </a:ln>
-          </p:spPr>
-          <p:style>
-            <a:lnRef idx="1">
-              <a:schemeClr val="accent1"/>
-            </a:lnRef>
-            <a:fillRef idx="0">
-              <a:schemeClr val="accent1"/>
-            </a:fillRef>
-            <a:effectRef idx="0">
-              <a:schemeClr val="accent1"/>
-            </a:effectRef>
-            <a:fontRef idx="minor">
-              <a:schemeClr val="tx1"/>
-            </a:fontRef>
-          </p:style>
-        </p:cxnSp>
-        <p:cxnSp>
-          <p:nvCxnSpPr>
-            <p:cNvPr id="167" name="Straight Arrow Connector 106"/>
-            <p:cNvCxnSpPr/>
-            <p:nvPr/>
-          </p:nvCxnSpPr>
-          <p:spPr>
-            <a:xfrm>
-              <a:off x="2880000" y="2769600"/>
-              <a:ext cx="744151" cy="1"/>
-            </a:xfrm>
-            <a:prstGeom prst="bentConnector3">
-              <a:avLst>
-                <a:gd name="adj1" fmla="val 50000"/>
-              </a:avLst>
-            </a:prstGeom>
-            <a:ln w="31750">
-              <a:solidFill>
-                <a:schemeClr val="tx1"/>
-              </a:solidFill>
-              <a:tailEnd type="arrow"/>
-            </a:ln>
-          </p:spPr>
-          <p:style>
-            <a:lnRef idx="1">
-              <a:schemeClr val="accent1"/>
-            </a:lnRef>
-            <a:fillRef idx="0">
-              <a:schemeClr val="accent1"/>
-            </a:fillRef>
-            <a:effectRef idx="0">
-              <a:schemeClr val="accent1"/>
-            </a:effectRef>
-            <a:fontRef idx="minor">
-              <a:schemeClr val="tx1"/>
-            </a:fontRef>
-          </p:style>
-        </p:cxnSp>
-        <p:cxnSp>
-          <p:nvCxnSpPr>
-            <p:cNvPr id="168" name="Straight Arrow Connector 106"/>
-            <p:cNvCxnSpPr/>
-            <p:nvPr/>
-          </p:nvCxnSpPr>
-          <p:spPr>
-            <a:xfrm>
-              <a:off x="2880000" y="2922000"/>
-              <a:ext cx="744151" cy="1"/>
-            </a:xfrm>
-            <a:prstGeom prst="bentConnector3">
-              <a:avLst>
-                <a:gd name="adj1" fmla="val 50000"/>
-              </a:avLst>
-            </a:prstGeom>
-            <a:ln w="31750">
-              <a:solidFill>
-                <a:schemeClr val="tx1"/>
-              </a:solidFill>
-              <a:tailEnd type="arrow"/>
-            </a:ln>
-          </p:spPr>
-          <p:style>
-            <a:lnRef idx="1">
-              <a:schemeClr val="accent1"/>
-            </a:lnRef>
-            <a:fillRef idx="0">
-              <a:schemeClr val="accent1"/>
-            </a:fillRef>
-            <a:effectRef idx="0">
-              <a:schemeClr val="accent1"/>
-            </a:effectRef>
-            <a:fontRef idx="minor">
-              <a:schemeClr val="tx1"/>
-            </a:fontRef>
-          </p:style>
-        </p:cxnSp>
-      </p:grpSp>
+          <a:prstGeom prst="rect">
+            <a:avLst/>
+          </a:prstGeom>
+        </p:spPr>
+      </p:pic>
     </p:spTree>
     <p:extLst>
       <p:ext uri="{BB962C8B-B14F-4D97-AF65-F5344CB8AC3E}">

--- a/docs/Architecture.pptx
+++ b/docs/Architecture.pptx
@@ -192,7 +192,7 @@
           <a:p>
             <a:fld id="{12C73BD1-E919-4514-A897-6086B61B6A01}" type="datetimeFigureOut">
               <a:rPr lang="en-CA" smtClean="0"/>
-              <a:t>2015-08-03</a:t>
+              <a:t>2018-06-04</a:t>
             </a:fld>
             <a:endParaRPr lang="en-CA"/>
           </a:p>
@@ -725,7 +725,7 @@
           <a:p>
             <a:fld id="{57E13E19-9712-4C08-A35C-78B78B9B3BC2}" type="datetimeFigureOut">
               <a:rPr lang="en-CA" smtClean="0"/>
-              <a:t>2015-08-03</a:t>
+              <a:t>2018-06-04</a:t>
             </a:fld>
             <a:endParaRPr lang="en-CA"/>
           </a:p>
@@ -895,7 +895,7 @@
           <a:p>
             <a:fld id="{57E13E19-9712-4C08-A35C-78B78B9B3BC2}" type="datetimeFigureOut">
               <a:rPr lang="en-CA" smtClean="0"/>
-              <a:t>2015-08-03</a:t>
+              <a:t>2018-06-04</a:t>
             </a:fld>
             <a:endParaRPr lang="en-CA"/>
           </a:p>
@@ -1075,7 +1075,7 @@
           <a:p>
             <a:fld id="{57E13E19-9712-4C08-A35C-78B78B9B3BC2}" type="datetimeFigureOut">
               <a:rPr lang="en-CA" smtClean="0"/>
-              <a:t>2015-08-03</a:t>
+              <a:t>2018-06-04</a:t>
             </a:fld>
             <a:endParaRPr lang="en-CA"/>
           </a:p>
@@ -1245,7 +1245,7 @@
           <a:p>
             <a:fld id="{57E13E19-9712-4C08-A35C-78B78B9B3BC2}" type="datetimeFigureOut">
               <a:rPr lang="en-CA" smtClean="0"/>
-              <a:t>2015-08-03</a:t>
+              <a:t>2018-06-04</a:t>
             </a:fld>
             <a:endParaRPr lang="en-CA"/>
           </a:p>
@@ -1491,7 +1491,7 @@
           <a:p>
             <a:fld id="{57E13E19-9712-4C08-A35C-78B78B9B3BC2}" type="datetimeFigureOut">
               <a:rPr lang="en-CA" smtClean="0"/>
-              <a:t>2015-08-03</a:t>
+              <a:t>2018-06-04</a:t>
             </a:fld>
             <a:endParaRPr lang="en-CA"/>
           </a:p>
@@ -1779,7 +1779,7 @@
           <a:p>
             <a:fld id="{57E13E19-9712-4C08-A35C-78B78B9B3BC2}" type="datetimeFigureOut">
               <a:rPr lang="en-CA" smtClean="0"/>
-              <a:t>2015-08-03</a:t>
+              <a:t>2018-06-04</a:t>
             </a:fld>
             <a:endParaRPr lang="en-CA"/>
           </a:p>
@@ -2201,7 +2201,7 @@
           <a:p>
             <a:fld id="{57E13E19-9712-4C08-A35C-78B78B9B3BC2}" type="datetimeFigureOut">
               <a:rPr lang="en-CA" smtClean="0"/>
-              <a:t>2015-08-03</a:t>
+              <a:t>2018-06-04</a:t>
             </a:fld>
             <a:endParaRPr lang="en-CA"/>
           </a:p>
@@ -2319,7 +2319,7 @@
           <a:p>
             <a:fld id="{57E13E19-9712-4C08-A35C-78B78B9B3BC2}" type="datetimeFigureOut">
               <a:rPr lang="en-CA" smtClean="0"/>
-              <a:t>2015-08-03</a:t>
+              <a:t>2018-06-04</a:t>
             </a:fld>
             <a:endParaRPr lang="en-CA"/>
           </a:p>
@@ -2414,7 +2414,7 @@
           <a:p>
             <a:fld id="{57E13E19-9712-4C08-A35C-78B78B9B3BC2}" type="datetimeFigureOut">
               <a:rPr lang="en-CA" smtClean="0"/>
-              <a:t>2015-08-03</a:t>
+              <a:t>2018-06-04</a:t>
             </a:fld>
             <a:endParaRPr lang="en-CA"/>
           </a:p>
@@ -2691,7 +2691,7 @@
           <a:p>
             <a:fld id="{57E13E19-9712-4C08-A35C-78B78B9B3BC2}" type="datetimeFigureOut">
               <a:rPr lang="en-CA" smtClean="0"/>
-              <a:t>2015-08-03</a:t>
+              <a:t>2018-06-04</a:t>
             </a:fld>
             <a:endParaRPr lang="en-CA"/>
           </a:p>
@@ -2944,7 +2944,7 @@
           <a:p>
             <a:fld id="{57E13E19-9712-4C08-A35C-78B78B9B3BC2}" type="datetimeFigureOut">
               <a:rPr lang="en-CA" smtClean="0"/>
-              <a:t>2015-08-03</a:t>
+              <a:t>2018-06-04</a:t>
             </a:fld>
             <a:endParaRPr lang="en-CA"/>
           </a:p>
@@ -3157,7 +3157,7 @@
           <a:p>
             <a:fld id="{57E13E19-9712-4C08-A35C-78B78B9B3BC2}" type="datetimeFigureOut">
               <a:rPr lang="en-CA" smtClean="0"/>
-              <a:t>2015-08-03</a:t>
+              <a:t>2018-06-04</a:t>
             </a:fld>
             <a:endParaRPr lang="en-CA"/>
           </a:p>
@@ -5740,7 +5740,7 @@
         <p:spPr>
           <a:xfrm>
             <a:off x="5335306" y="1503719"/>
-            <a:ext cx="1612958" cy="2348908"/>
+            <a:ext cx="1612958" cy="3148714"/>
           </a:xfrm>
           <a:prstGeom prst="roundRect">
             <a:avLst>
@@ -5784,14 +5784,6 @@
                 </a:solidFill>
               </a:rPr>
               <a:t>Coordinator</a:t>
-            </a:r>
-            <a:r>
-              <a:rPr lang="en-CA" sz="1200" b="1" dirty="0" smtClean="0">
-                <a:solidFill>
-                  <a:schemeClr val="tx1"/>
-                </a:solidFill>
-              </a:rPr>
-              <a:t/>
             </a:r>
             <a:br>
               <a:rPr lang="en-CA" sz="1200" b="1" dirty="0" smtClean="0">
@@ -6239,80 +6231,6 @@
                 <a:schemeClr val="tx1"/>
               </a:solidFill>
             </a:endParaRPr>
-          </a:p>
-        </p:txBody>
-      </p:sp>
-      <p:sp>
-        <p:nvSpPr>
-          <p:cNvPr id="84" name="Rounded Rectangle 83">
-            <a:hlinkClick r:id="rId4"/>
-          </p:cNvPr>
-          <p:cNvSpPr/>
-          <p:nvPr/>
-        </p:nvSpPr>
-        <p:spPr>
-          <a:xfrm>
-            <a:off x="3869184" y="1515210"/>
-            <a:ext cx="1239751" cy="1288895"/>
-          </a:xfrm>
-          <a:prstGeom prst="roundRect">
-            <a:avLst>
-              <a:gd name="adj" fmla="val 0"/>
-            </a:avLst>
-          </a:prstGeom>
-          <a:solidFill>
-            <a:srgbClr val="FCFCFC"/>
-          </a:solidFill>
-          <a:ln>
-            <a:solidFill>
-              <a:srgbClr val="74B73F"/>
-            </a:solidFill>
-          </a:ln>
-        </p:spPr>
-        <p:style>
-          <a:lnRef idx="2">
-            <a:schemeClr val="accent1">
-              <a:shade val="50000"/>
-            </a:schemeClr>
-          </a:lnRef>
-          <a:fillRef idx="1">
-            <a:schemeClr val="accent1"/>
-          </a:fillRef>
-          <a:effectRef idx="0">
-            <a:schemeClr val="accent1"/>
-          </a:effectRef>
-          <a:fontRef idx="minor">
-            <a:schemeClr val="lt1"/>
-          </a:fontRef>
-        </p:style>
-        <p:txBody>
-          <a:bodyPr rtlCol="0" anchor="b" anchorCtr="0"/>
-          <a:lstStyle/>
-          <a:p>
-            <a:pPr algn="ctr"/>
-            <a:r>
-              <a:rPr lang="en-CA" sz="1200" b="1" dirty="0" smtClean="0">
-                <a:solidFill>
-                  <a:schemeClr val="tx1"/>
-                </a:solidFill>
-              </a:rPr>
-              <a:t>Master</a:t>
-            </a:r>
-            <a:br>
-              <a:rPr lang="en-CA" sz="1200" b="1" dirty="0" smtClean="0">
-                <a:solidFill>
-                  <a:schemeClr val="tx1"/>
-                </a:solidFill>
-              </a:rPr>
-            </a:br>
-            <a:r>
-              <a:rPr lang="en-CA" sz="1200" b="1" dirty="0" smtClean="0">
-                <a:solidFill>
-                  <a:schemeClr val="tx1"/>
-                </a:solidFill>
-              </a:rPr>
-              <a:t>(r3.xlarge)</a:t>
-            </a:r>
           </a:p>
         </p:txBody>
       </p:sp>
@@ -6746,36 +6664,411 @@
           </p:spPr>
         </p:pic>
       </p:grpSp>
-      <p:pic>
-        <p:nvPicPr>
-          <p:cNvPr id="73" name="Picture 72"/>
-          <p:cNvPicPr>
-            <a:picLocks noChangeAspect="1"/>
-          </p:cNvPicPr>
+      <p:sp>
+        <p:nvSpPr>
+          <p:cNvPr id="82" name="Rounded Rectangle 81">
+            <a:hlinkClick r:id="rId4"/>
+          </p:cNvPr>
+          <p:cNvSpPr/>
           <p:nvPr/>
-        </p:nvPicPr>
-        <p:blipFill>
-          <a:blip r:embed="rId11" cstate="print">
-            <a:extLst>
-              <a:ext uri="{28A0092B-C50C-407E-A947-70E740481C1C}">
-                <a14:useLocalDpi xmlns:a14="http://schemas.microsoft.com/office/drawing/2010/main" val="0"/>
-              </a:ext>
-            </a:extLst>
-          </a:blip>
-          <a:stretch>
-            <a:fillRect/>
-          </a:stretch>
-        </p:blipFill>
+        </p:nvSpPr>
         <p:spPr>
           <a:xfrm>
-            <a:off x="4113915" y="1629715"/>
-            <a:ext cx="750287" cy="743954"/>
+            <a:off x="3942000" y="1422000"/>
+            <a:ext cx="1239751" cy="1288895"/>
           </a:xfrm>
-          <a:prstGeom prst="rect">
-            <a:avLst/>
+          <a:prstGeom prst="roundRect">
+            <a:avLst>
+              <a:gd name="adj" fmla="val 0"/>
+            </a:avLst>
           </a:prstGeom>
+          <a:solidFill>
+            <a:srgbClr val="FCFCFC"/>
+          </a:solidFill>
+          <a:ln>
+            <a:solidFill>
+              <a:srgbClr val="74B73F"/>
+            </a:solidFill>
+          </a:ln>
         </p:spPr>
-      </p:pic>
+        <p:style>
+          <a:lnRef idx="2">
+            <a:schemeClr val="accent1">
+              <a:shade val="50000"/>
+            </a:schemeClr>
+          </a:lnRef>
+          <a:fillRef idx="1">
+            <a:schemeClr val="accent1"/>
+          </a:fillRef>
+          <a:effectRef idx="0">
+            <a:schemeClr val="accent1"/>
+          </a:effectRef>
+          <a:fontRef idx="minor">
+            <a:schemeClr val="lt1"/>
+          </a:fontRef>
+        </p:style>
+        <p:txBody>
+          <a:bodyPr rtlCol="0" anchor="b" anchorCtr="0"/>
+          <a:lstStyle/>
+          <a:p>
+            <a:pPr algn="ctr"/>
+            <a:r>
+              <a:rPr lang="en-CA" sz="1200" b="1" dirty="0" smtClean="0">
+                <a:solidFill>
+                  <a:schemeClr val="tx1"/>
+                </a:solidFill>
+              </a:rPr>
+              <a:t>Backup</a:t>
+            </a:r>
+            <a:r>
+              <a:rPr lang="en-CA" sz="1200" b="1" dirty="0" smtClean="0">
+                <a:solidFill>
+                  <a:schemeClr val="tx1"/>
+                </a:solidFill>
+              </a:rPr>
+              <a:t/>
+            </a:r>
+            <a:br>
+              <a:rPr lang="en-CA" sz="1200" b="1" dirty="0" smtClean="0">
+                <a:solidFill>
+                  <a:schemeClr val="tx1"/>
+                </a:solidFill>
+              </a:rPr>
+            </a:br>
+            <a:r>
+              <a:rPr lang="en-CA" sz="1200" b="1" dirty="0" smtClean="0">
+                <a:solidFill>
+                  <a:schemeClr val="tx1"/>
+                </a:solidFill>
+              </a:rPr>
+              <a:t>(d2.2xlarge</a:t>
+            </a:r>
+            <a:r>
+              <a:rPr lang="en-CA" sz="1200" b="1" dirty="0" smtClean="0">
+                <a:solidFill>
+                  <a:schemeClr val="tx1"/>
+                </a:solidFill>
+              </a:rPr>
+              <a:t>)</a:t>
+            </a:r>
+          </a:p>
+        </p:txBody>
+      </p:sp>
+      <p:sp>
+        <p:nvSpPr>
+          <p:cNvPr id="85" name="Rounded Rectangle 84">
+            <a:hlinkClick r:id="rId4"/>
+          </p:cNvPr>
+          <p:cNvSpPr/>
+          <p:nvPr/>
+        </p:nvSpPr>
+        <p:spPr>
+          <a:xfrm>
+            <a:off x="3887730" y="1476000"/>
+            <a:ext cx="1239751" cy="1288895"/>
+          </a:xfrm>
+          <a:prstGeom prst="roundRect">
+            <a:avLst>
+              <a:gd name="adj" fmla="val 0"/>
+            </a:avLst>
+          </a:prstGeom>
+          <a:solidFill>
+            <a:srgbClr val="FCFCFC"/>
+          </a:solidFill>
+          <a:ln>
+            <a:solidFill>
+              <a:srgbClr val="74B73F"/>
+            </a:solidFill>
+          </a:ln>
+        </p:spPr>
+        <p:style>
+          <a:lnRef idx="2">
+            <a:schemeClr val="accent1">
+              <a:shade val="50000"/>
+            </a:schemeClr>
+          </a:lnRef>
+          <a:fillRef idx="1">
+            <a:schemeClr val="accent1"/>
+          </a:fillRef>
+          <a:effectRef idx="0">
+            <a:schemeClr val="accent1"/>
+          </a:effectRef>
+          <a:fontRef idx="minor">
+            <a:schemeClr val="lt1"/>
+          </a:fontRef>
+        </p:style>
+        <p:txBody>
+          <a:bodyPr rtlCol="0" anchor="b" anchorCtr="0"/>
+          <a:lstStyle/>
+          <a:p>
+            <a:pPr algn="ctr"/>
+            <a:r>
+              <a:rPr lang="en-CA" sz="1200" b="1" dirty="0" smtClean="0">
+                <a:solidFill>
+                  <a:schemeClr val="tx1"/>
+                </a:solidFill>
+              </a:rPr>
+              <a:t>Backup</a:t>
+            </a:r>
+            <a:r>
+              <a:rPr lang="en-CA" sz="1200" b="1" dirty="0" smtClean="0">
+                <a:solidFill>
+                  <a:schemeClr val="tx1"/>
+                </a:solidFill>
+              </a:rPr>
+              <a:t/>
+            </a:r>
+            <a:br>
+              <a:rPr lang="en-CA" sz="1200" b="1" dirty="0" smtClean="0">
+                <a:solidFill>
+                  <a:schemeClr val="tx1"/>
+                </a:solidFill>
+              </a:rPr>
+            </a:br>
+            <a:r>
+              <a:rPr lang="en-CA" sz="1200" b="1" dirty="0" smtClean="0">
+                <a:solidFill>
+                  <a:schemeClr val="tx1"/>
+                </a:solidFill>
+              </a:rPr>
+              <a:t>(d2.2xlarge</a:t>
+            </a:r>
+            <a:r>
+              <a:rPr lang="en-CA" sz="1200" b="1" dirty="0" smtClean="0">
+                <a:solidFill>
+                  <a:schemeClr val="tx1"/>
+                </a:solidFill>
+              </a:rPr>
+              <a:t>)</a:t>
+            </a:r>
+          </a:p>
+        </p:txBody>
+      </p:sp>
+      <p:sp>
+        <p:nvSpPr>
+          <p:cNvPr id="86" name="Rounded Rectangle 85">
+            <a:hlinkClick r:id="rId4"/>
+          </p:cNvPr>
+          <p:cNvSpPr/>
+          <p:nvPr/>
+        </p:nvSpPr>
+        <p:spPr>
+          <a:xfrm>
+            <a:off x="3834000" y="1530000"/>
+            <a:ext cx="1239751" cy="1288895"/>
+          </a:xfrm>
+          <a:prstGeom prst="roundRect">
+            <a:avLst>
+              <a:gd name="adj" fmla="val 0"/>
+            </a:avLst>
+          </a:prstGeom>
+          <a:solidFill>
+            <a:srgbClr val="FCFCFC"/>
+          </a:solidFill>
+          <a:ln>
+            <a:solidFill>
+              <a:srgbClr val="74B73F"/>
+            </a:solidFill>
+          </a:ln>
+        </p:spPr>
+        <p:style>
+          <a:lnRef idx="2">
+            <a:schemeClr val="accent1">
+              <a:shade val="50000"/>
+            </a:schemeClr>
+          </a:lnRef>
+          <a:fillRef idx="1">
+            <a:schemeClr val="accent1"/>
+          </a:fillRef>
+          <a:effectRef idx="0">
+            <a:schemeClr val="accent1"/>
+          </a:effectRef>
+          <a:fontRef idx="minor">
+            <a:schemeClr val="lt1"/>
+          </a:fontRef>
+        </p:style>
+        <p:txBody>
+          <a:bodyPr rtlCol="0" anchor="b" anchorCtr="0"/>
+          <a:lstStyle/>
+          <a:p>
+            <a:pPr algn="ctr"/>
+            <a:r>
+              <a:rPr lang="en-CA" sz="1200" b="1" dirty="0" smtClean="0">
+                <a:solidFill>
+                  <a:schemeClr val="tx1"/>
+                </a:solidFill>
+              </a:rPr>
+              <a:t>Backup</a:t>
+            </a:r>
+            <a:r>
+              <a:rPr lang="en-CA" sz="1200" b="1" dirty="0" smtClean="0">
+                <a:solidFill>
+                  <a:schemeClr val="tx1"/>
+                </a:solidFill>
+              </a:rPr>
+              <a:t/>
+            </a:r>
+            <a:br>
+              <a:rPr lang="en-CA" sz="1200" b="1" dirty="0" smtClean="0">
+                <a:solidFill>
+                  <a:schemeClr val="tx1"/>
+                </a:solidFill>
+              </a:rPr>
+            </a:br>
+            <a:r>
+              <a:rPr lang="en-CA" sz="1200" b="1" dirty="0" smtClean="0">
+                <a:solidFill>
+                  <a:schemeClr val="tx1"/>
+                </a:solidFill>
+              </a:rPr>
+              <a:t>(d2.2xlarge</a:t>
+            </a:r>
+            <a:r>
+              <a:rPr lang="en-CA" sz="1200" b="1" dirty="0" smtClean="0">
+                <a:solidFill>
+                  <a:schemeClr val="tx1"/>
+                </a:solidFill>
+              </a:rPr>
+              <a:t>)</a:t>
+            </a:r>
+          </a:p>
+        </p:txBody>
+      </p:sp>
+      <p:grpSp>
+        <p:nvGrpSpPr>
+          <p:cNvPr id="3" name="Group 2"/>
+          <p:cNvGrpSpPr/>
+          <p:nvPr/>
+        </p:nvGrpSpPr>
+        <p:grpSpPr>
+          <a:xfrm>
+            <a:off x="3779910" y="1582832"/>
+            <a:ext cx="1239751" cy="1288895"/>
+            <a:chOff x="2918266" y="1289613"/>
+            <a:chExt cx="1239751" cy="1288895"/>
+          </a:xfrm>
+        </p:grpSpPr>
+        <p:sp>
+          <p:nvSpPr>
+            <p:cNvPr id="84" name="Rounded Rectangle 83">
+              <a:hlinkClick r:id="rId4"/>
+            </p:cNvPr>
+            <p:cNvSpPr/>
+            <p:nvPr/>
+          </p:nvSpPr>
+          <p:spPr>
+            <a:xfrm>
+              <a:off x="2918266" y="1289613"/>
+              <a:ext cx="1239751" cy="1288895"/>
+            </a:xfrm>
+            <a:prstGeom prst="roundRect">
+              <a:avLst>
+                <a:gd name="adj" fmla="val 0"/>
+              </a:avLst>
+            </a:prstGeom>
+            <a:solidFill>
+              <a:srgbClr val="FCFCFC"/>
+            </a:solidFill>
+            <a:ln>
+              <a:solidFill>
+                <a:srgbClr val="74B73F"/>
+              </a:solidFill>
+            </a:ln>
+          </p:spPr>
+          <p:style>
+            <a:lnRef idx="2">
+              <a:schemeClr val="accent1">
+                <a:shade val="50000"/>
+              </a:schemeClr>
+            </a:lnRef>
+            <a:fillRef idx="1">
+              <a:schemeClr val="accent1"/>
+            </a:fillRef>
+            <a:effectRef idx="0">
+              <a:schemeClr val="accent1"/>
+            </a:effectRef>
+            <a:fontRef idx="minor">
+              <a:schemeClr val="lt1"/>
+            </a:fontRef>
+          </p:style>
+          <p:txBody>
+            <a:bodyPr rtlCol="0" anchor="b" anchorCtr="0"/>
+            <a:lstStyle/>
+            <a:p>
+              <a:pPr algn="ctr"/>
+              <a:r>
+                <a:rPr lang="en-CA" sz="1200" b="1" dirty="0" smtClean="0">
+                  <a:solidFill>
+                    <a:schemeClr val="tx1"/>
+                  </a:solidFill>
+                </a:rPr>
+                <a:t>Backup</a:t>
+              </a:r>
+              <a:r>
+                <a:rPr lang="en-CA" sz="1200" b="1" dirty="0" smtClean="0">
+                  <a:solidFill>
+                    <a:schemeClr val="tx1"/>
+                  </a:solidFill>
+                </a:rPr>
+                <a:t/>
+              </a:r>
+              <a:br>
+                <a:rPr lang="en-CA" sz="1200" b="1" dirty="0" smtClean="0">
+                  <a:solidFill>
+                    <a:schemeClr val="tx1"/>
+                  </a:solidFill>
+                </a:rPr>
+              </a:br>
+              <a:r>
+                <a:rPr lang="en-CA" sz="1200" b="1" dirty="0" smtClean="0">
+                  <a:solidFill>
+                    <a:schemeClr val="tx1"/>
+                  </a:solidFill>
+                </a:rPr>
+                <a:t>(d2.2xlarge</a:t>
+              </a:r>
+              <a:r>
+                <a:rPr lang="en-CA" sz="1200" b="1" dirty="0" smtClean="0">
+                  <a:solidFill>
+                    <a:schemeClr val="tx1"/>
+                  </a:solidFill>
+                </a:rPr>
+                <a:t>)</a:t>
+              </a:r>
+            </a:p>
+          </p:txBody>
+        </p:sp>
+        <p:pic>
+          <p:nvPicPr>
+            <p:cNvPr id="73" name="Picture 72"/>
+            <p:cNvPicPr>
+              <a:picLocks noChangeAspect="1"/>
+            </p:cNvPicPr>
+            <p:nvPr/>
+          </p:nvPicPr>
+          <p:blipFill>
+            <a:blip r:embed="rId11" cstate="print">
+              <a:extLst>
+                <a:ext uri="{28A0092B-C50C-407E-A947-70E740481C1C}">
+                  <a14:useLocalDpi xmlns:a14="http://schemas.microsoft.com/office/drawing/2010/main" val="0"/>
+                </a:ext>
+              </a:extLst>
+            </a:blip>
+            <a:stretch>
+              <a:fillRect/>
+            </a:stretch>
+          </p:blipFill>
+          <p:spPr>
+            <a:xfrm>
+              <a:off x="3162997" y="1399174"/>
+              <a:ext cx="750287" cy="743954"/>
+            </a:xfrm>
+            <a:prstGeom prst="rect">
+              <a:avLst/>
+            </a:prstGeom>
+          </p:spPr>
+        </p:pic>
+      </p:grpSp>
     </p:spTree>
     <p:extLst>
       <p:ext uri="{BB962C8B-B14F-4D97-AF65-F5344CB8AC3E}">

--- a/docs/Architecture.pptx
+++ b/docs/Architecture.pptx
@@ -192,7 +192,7 @@
           <a:p>
             <a:fld id="{12C73BD1-E919-4514-A897-6086B61B6A01}" type="datetimeFigureOut">
               <a:rPr lang="en-CA" smtClean="0"/>
-              <a:t>2018-06-04</a:t>
+              <a:t>2018-09-10</a:t>
             </a:fld>
             <a:endParaRPr lang="en-CA"/>
           </a:p>
@@ -725,7 +725,7 @@
           <a:p>
             <a:fld id="{57E13E19-9712-4C08-A35C-78B78B9B3BC2}" type="datetimeFigureOut">
               <a:rPr lang="en-CA" smtClean="0"/>
-              <a:t>2018-06-04</a:t>
+              <a:t>2018-09-10</a:t>
             </a:fld>
             <a:endParaRPr lang="en-CA"/>
           </a:p>
@@ -895,7 +895,7 @@
           <a:p>
             <a:fld id="{57E13E19-9712-4C08-A35C-78B78B9B3BC2}" type="datetimeFigureOut">
               <a:rPr lang="en-CA" smtClean="0"/>
-              <a:t>2018-06-04</a:t>
+              <a:t>2018-09-10</a:t>
             </a:fld>
             <a:endParaRPr lang="en-CA"/>
           </a:p>
@@ -1075,7 +1075,7 @@
           <a:p>
             <a:fld id="{57E13E19-9712-4C08-A35C-78B78B9B3BC2}" type="datetimeFigureOut">
               <a:rPr lang="en-CA" smtClean="0"/>
-              <a:t>2018-06-04</a:t>
+              <a:t>2018-09-10</a:t>
             </a:fld>
             <a:endParaRPr lang="en-CA"/>
           </a:p>
@@ -1245,7 +1245,7 @@
           <a:p>
             <a:fld id="{57E13E19-9712-4C08-A35C-78B78B9B3BC2}" type="datetimeFigureOut">
               <a:rPr lang="en-CA" smtClean="0"/>
-              <a:t>2018-06-04</a:t>
+              <a:t>2018-09-10</a:t>
             </a:fld>
             <a:endParaRPr lang="en-CA"/>
           </a:p>
@@ -1491,7 +1491,7 @@
           <a:p>
             <a:fld id="{57E13E19-9712-4C08-A35C-78B78B9B3BC2}" type="datetimeFigureOut">
               <a:rPr lang="en-CA" smtClean="0"/>
-              <a:t>2018-06-04</a:t>
+              <a:t>2018-09-10</a:t>
             </a:fld>
             <a:endParaRPr lang="en-CA"/>
           </a:p>
@@ -1779,7 +1779,7 @@
           <a:p>
             <a:fld id="{57E13E19-9712-4C08-A35C-78B78B9B3BC2}" type="datetimeFigureOut">
               <a:rPr lang="en-CA" smtClean="0"/>
-              <a:t>2018-06-04</a:t>
+              <a:t>2018-09-10</a:t>
             </a:fld>
             <a:endParaRPr lang="en-CA"/>
           </a:p>
@@ -2201,7 +2201,7 @@
           <a:p>
             <a:fld id="{57E13E19-9712-4C08-A35C-78B78B9B3BC2}" type="datetimeFigureOut">
               <a:rPr lang="en-CA" smtClean="0"/>
-              <a:t>2018-06-04</a:t>
+              <a:t>2018-09-10</a:t>
             </a:fld>
             <a:endParaRPr lang="en-CA"/>
           </a:p>
@@ -2319,7 +2319,7 @@
           <a:p>
             <a:fld id="{57E13E19-9712-4C08-A35C-78B78B9B3BC2}" type="datetimeFigureOut">
               <a:rPr lang="en-CA" smtClean="0"/>
-              <a:t>2018-06-04</a:t>
+              <a:t>2018-09-10</a:t>
             </a:fld>
             <a:endParaRPr lang="en-CA"/>
           </a:p>
@@ -2414,7 +2414,7 @@
           <a:p>
             <a:fld id="{57E13E19-9712-4C08-A35C-78B78B9B3BC2}" type="datetimeFigureOut">
               <a:rPr lang="en-CA" smtClean="0"/>
-              <a:t>2018-06-04</a:t>
+              <a:t>2018-09-10</a:t>
             </a:fld>
             <a:endParaRPr lang="en-CA"/>
           </a:p>
@@ -2691,7 +2691,7 @@
           <a:p>
             <a:fld id="{57E13E19-9712-4C08-A35C-78B78B9B3BC2}" type="datetimeFigureOut">
               <a:rPr lang="en-CA" smtClean="0"/>
-              <a:t>2018-06-04</a:t>
+              <a:t>2018-09-10</a:t>
             </a:fld>
             <a:endParaRPr lang="en-CA"/>
           </a:p>
@@ -2944,7 +2944,7 @@
           <a:p>
             <a:fld id="{57E13E19-9712-4C08-A35C-78B78B9B3BC2}" type="datetimeFigureOut">
               <a:rPr lang="en-CA" smtClean="0"/>
-              <a:t>2018-06-04</a:t>
+              <a:t>2018-09-10</a:t>
             </a:fld>
             <a:endParaRPr lang="en-CA"/>
           </a:p>
@@ -3157,7 +3157,7 @@
           <a:p>
             <a:fld id="{57E13E19-9712-4C08-A35C-78B78B9B3BC2}" type="datetimeFigureOut">
               <a:rPr lang="en-CA" smtClean="0"/>
-              <a:t>2018-06-04</a:t>
+              <a:t>2018-09-10</a:t>
             </a:fld>
             <a:endParaRPr lang="en-CA"/>
           </a:p>
@@ -3543,7 +3543,7 @@
         <p:spPr>
           <a:xfrm>
             <a:off x="263532" y="990625"/>
-            <a:ext cx="6850561" cy="4984967"/>
+            <a:ext cx="7122388" cy="4984967"/>
           </a:xfrm>
           <a:prstGeom prst="roundRect">
             <a:avLst>
@@ -3593,6 +3593,289 @@
           </a:p>
         </p:txBody>
       </p:sp>
+      <p:sp>
+        <p:nvSpPr>
+          <p:cNvPr id="88" name="Rounded Rectangle 87">
+            <a:hlinkClick r:id="rId4"/>
+          </p:cNvPr>
+          <p:cNvSpPr/>
+          <p:nvPr/>
+        </p:nvSpPr>
+        <p:spPr>
+          <a:xfrm>
+            <a:off x="2286000" y="2042127"/>
+            <a:ext cx="1612958" cy="1216761"/>
+          </a:xfrm>
+          <a:prstGeom prst="roundRect">
+            <a:avLst>
+              <a:gd name="adj" fmla="val 0"/>
+            </a:avLst>
+          </a:prstGeom>
+          <a:solidFill>
+            <a:srgbClr val="FCFCFC"/>
+          </a:solidFill>
+          <a:ln>
+            <a:solidFill>
+              <a:srgbClr val="74B73F"/>
+            </a:solidFill>
+          </a:ln>
+        </p:spPr>
+        <p:style>
+          <a:lnRef idx="2">
+            <a:schemeClr val="accent1">
+              <a:shade val="50000"/>
+            </a:schemeClr>
+          </a:lnRef>
+          <a:fillRef idx="1">
+            <a:schemeClr val="accent1"/>
+          </a:fillRef>
+          <a:effectRef idx="0">
+            <a:schemeClr val="accent1"/>
+          </a:effectRef>
+          <a:fontRef idx="minor">
+            <a:schemeClr val="lt1"/>
+          </a:fontRef>
+        </p:style>
+        <p:txBody>
+          <a:bodyPr rtlCol="0" anchor="b" anchorCtr="0"/>
+          <a:lstStyle/>
+          <a:p>
+            <a:pPr algn="ctr"/>
+            <a:r>
+              <a:rPr lang="en-CA" sz="1200" b="1" dirty="0" smtClean="0">
+                <a:solidFill>
+                  <a:schemeClr val="tx1"/>
+                </a:solidFill>
+              </a:rPr>
+              <a:t>Manager</a:t>
+            </a:r>
+            <a:r>
+              <a:rPr lang="en-CA" sz="1200" b="1" dirty="0" smtClean="0">
+                <a:solidFill>
+                  <a:schemeClr val="tx1"/>
+                </a:solidFill>
+              </a:rPr>
+              <a:t/>
+            </a:r>
+            <a:br>
+              <a:rPr lang="en-CA" sz="1200" b="1" dirty="0" smtClean="0">
+                <a:solidFill>
+                  <a:schemeClr val="tx1"/>
+                </a:solidFill>
+              </a:rPr>
+            </a:br>
+            <a:r>
+              <a:rPr lang="en-CA" sz="1200" b="1" dirty="0" smtClean="0">
+                <a:solidFill>
+                  <a:schemeClr val="tx1"/>
+                </a:solidFill>
+              </a:rPr>
+              <a:t>(r3.xlarge)</a:t>
+            </a:r>
+          </a:p>
+        </p:txBody>
+      </p:sp>
+      <p:sp>
+        <p:nvSpPr>
+          <p:cNvPr id="91" name="Rounded Rectangle 90">
+            <a:hlinkClick r:id="rId5"/>
+          </p:cNvPr>
+          <p:cNvSpPr/>
+          <p:nvPr/>
+        </p:nvSpPr>
+        <p:spPr>
+          <a:xfrm>
+            <a:off x="2498899" y="2168947"/>
+            <a:ext cx="1187160" cy="245165"/>
+          </a:xfrm>
+          <a:prstGeom prst="roundRect">
+            <a:avLst/>
+          </a:prstGeom>
+          <a:gradFill>
+            <a:gsLst>
+              <a:gs pos="0">
+                <a:schemeClr val="bg1">
+                  <a:lumMod val="95000"/>
+                </a:schemeClr>
+              </a:gs>
+              <a:gs pos="50000">
+                <a:schemeClr val="bg1">
+                  <a:lumMod val="95000"/>
+                </a:schemeClr>
+              </a:gs>
+              <a:gs pos="100000">
+                <a:schemeClr val="bg1">
+                  <a:lumMod val="85000"/>
+                </a:schemeClr>
+              </a:gs>
+            </a:gsLst>
+            <a:lin ang="5400000" scaled="0"/>
+          </a:gradFill>
+          <a:ln>
+            <a:solidFill>
+              <a:schemeClr val="accent6">
+                <a:lumMod val="75000"/>
+              </a:schemeClr>
+            </a:solidFill>
+          </a:ln>
+        </p:spPr>
+        <p:style>
+          <a:lnRef idx="2">
+            <a:schemeClr val="accent1">
+              <a:shade val="50000"/>
+            </a:schemeClr>
+          </a:lnRef>
+          <a:fillRef idx="1">
+            <a:schemeClr val="accent1"/>
+          </a:fillRef>
+          <a:effectRef idx="0">
+            <a:schemeClr val="accent1"/>
+          </a:effectRef>
+          <a:fontRef idx="minor">
+            <a:schemeClr val="lt1"/>
+          </a:fontRef>
+        </p:style>
+        <p:txBody>
+          <a:bodyPr lIns="36000" rIns="36000" rtlCol="0" anchor="ctr"/>
+          <a:lstStyle/>
+          <a:p>
+            <a:pPr algn="ctr"/>
+            <a:r>
+              <a:rPr lang="en-CA" sz="1200" b="1" dirty="0" err="1" smtClean="0">
+                <a:solidFill>
+                  <a:schemeClr val="tx1"/>
+                </a:solidFill>
+              </a:rPr>
+              <a:t>SpotManager</a:t>
+            </a:r>
+            <a:endParaRPr lang="en-CA" sz="1200" b="1" dirty="0">
+              <a:solidFill>
+                <a:schemeClr val="tx1"/>
+              </a:solidFill>
+            </a:endParaRPr>
+          </a:p>
+        </p:txBody>
+      </p:sp>
+      <p:sp>
+        <p:nvSpPr>
+          <p:cNvPr id="90" name="Rounded Rectangle 89">
+            <a:hlinkClick r:id="rId5"/>
+          </p:cNvPr>
+          <p:cNvSpPr/>
+          <p:nvPr/>
+        </p:nvSpPr>
+        <p:spPr>
+          <a:xfrm>
+            <a:off x="2504842" y="2512127"/>
+            <a:ext cx="1187160" cy="245165"/>
+          </a:xfrm>
+          <a:prstGeom prst="roundRect">
+            <a:avLst/>
+          </a:prstGeom>
+          <a:gradFill>
+            <a:gsLst>
+              <a:gs pos="0">
+                <a:schemeClr val="bg1">
+                  <a:lumMod val="95000"/>
+                </a:schemeClr>
+              </a:gs>
+              <a:gs pos="50000">
+                <a:schemeClr val="bg1">
+                  <a:lumMod val="95000"/>
+                </a:schemeClr>
+              </a:gs>
+              <a:gs pos="100000">
+                <a:schemeClr val="bg1">
+                  <a:lumMod val="85000"/>
+                </a:schemeClr>
+              </a:gs>
+            </a:gsLst>
+            <a:lin ang="5400000" scaled="0"/>
+          </a:gradFill>
+          <a:ln>
+            <a:solidFill>
+              <a:schemeClr val="accent6">
+                <a:lumMod val="75000"/>
+              </a:schemeClr>
+            </a:solidFill>
+          </a:ln>
+        </p:spPr>
+        <p:style>
+          <a:lnRef idx="2">
+            <a:schemeClr val="accent1">
+              <a:shade val="50000"/>
+            </a:schemeClr>
+          </a:lnRef>
+          <a:fillRef idx="1">
+            <a:schemeClr val="accent1"/>
+          </a:fillRef>
+          <a:effectRef idx="0">
+            <a:schemeClr val="accent1"/>
+          </a:effectRef>
+          <a:fontRef idx="minor">
+            <a:schemeClr val="lt1"/>
+          </a:fontRef>
+        </p:style>
+        <p:txBody>
+          <a:bodyPr lIns="36000" rIns="36000" rtlCol="0" anchor="ctr"/>
+          <a:lstStyle/>
+          <a:p>
+            <a:pPr algn="ctr"/>
+            <a:r>
+              <a:rPr lang="en-CA" sz="1200" b="1" dirty="0" err="1" smtClean="0">
+                <a:solidFill>
+                  <a:schemeClr val="tx1"/>
+                </a:solidFill>
+              </a:rPr>
+              <a:t>esShardBalancer</a:t>
+            </a:r>
+            <a:endParaRPr lang="en-CA" sz="1200" b="1" dirty="0">
+              <a:solidFill>
+                <a:schemeClr val="tx1"/>
+              </a:solidFill>
+            </a:endParaRPr>
+          </a:p>
+        </p:txBody>
+      </p:sp>
+      <p:cxnSp>
+        <p:nvCxnSpPr>
+          <p:cNvPr id="189" name="Elbow Connector 188"/>
+          <p:cNvCxnSpPr>
+            <a:stCxn id="141" idx="1"/>
+            <a:endCxn id="94" idx="0"/>
+          </p:cNvCxnSpPr>
+          <p:nvPr/>
+        </p:nvCxnSpPr>
+        <p:spPr>
+          <a:xfrm rot="10800000" flipV="1">
+            <a:off x="6403909" y="731324"/>
+            <a:ext cx="1066922" cy="890397"/>
+          </a:xfrm>
+          <a:prstGeom prst="bentConnector2">
+            <a:avLst/>
+          </a:prstGeom>
+          <a:ln w="31750">
+            <a:solidFill>
+              <a:schemeClr val="tx1"/>
+            </a:solidFill>
+            <a:tailEnd type="none"/>
+          </a:ln>
+        </p:spPr>
+        <p:style>
+          <a:lnRef idx="1">
+            <a:schemeClr val="accent1"/>
+          </a:lnRef>
+          <a:fillRef idx="0">
+            <a:schemeClr val="accent1"/>
+          </a:fillRef>
+          <a:effectRef idx="0">
+            <a:schemeClr val="accent1"/>
+          </a:effectRef>
+          <a:fontRef idx="minor">
+            <a:schemeClr val="tx1"/>
+          </a:fontRef>
+        </p:style>
+      </p:cxnSp>
       <p:sp>
         <p:nvSpPr>
           <p:cNvPr id="171" name="Rounded Rectangle 170">
@@ -4081,7 +4364,7 @@
             <p:nvPr/>
           </p:nvPicPr>
           <p:blipFill>
-            <a:blip r:embed="rId5">
+            <a:blip r:embed="rId6">
               <a:extLst>
                 <a:ext uri="{28A0092B-C50C-407E-A947-70E740481C1C}">
                   <a14:useLocalDpi xmlns:a14="http://schemas.microsoft.com/office/drawing/2010/main" val="0"/>
@@ -4329,7 +4612,7 @@
             <p:nvPr/>
           </p:nvPicPr>
           <p:blipFill>
-            <a:blip r:embed="rId6" cstate="print">
+            <a:blip r:embed="rId7" cstate="print">
               <a:extLst>
                 <a:ext uri="{28A0092B-C50C-407E-A947-70E740481C1C}">
                   <a14:useLocalDpi xmlns:a14="http://schemas.microsoft.com/office/drawing/2010/main" val="0"/>
@@ -4411,7 +4694,7 @@
             <p:nvPr/>
           </p:nvPicPr>
           <p:blipFill>
-            <a:blip r:embed="rId7" cstate="print">
+            <a:blip r:embed="rId8" cstate="print">
               <a:extLst>
                 <a:ext uri="{28A0092B-C50C-407E-A947-70E740481C1C}">
                   <a14:useLocalDpi xmlns:a14="http://schemas.microsoft.com/office/drawing/2010/main" val="0"/>
@@ -4480,7 +4763,7 @@
       <p:sp>
         <p:nvSpPr>
           <p:cNvPr id="79" name="Rounded Rectangle 78">
-            <a:hlinkClick r:id="rId8"/>
+            <a:hlinkClick r:id="rId5"/>
           </p:cNvPr>
           <p:cNvSpPr/>
           <p:nvPr/>
@@ -4576,7 +4859,7 @@
       <p:sp>
         <p:nvSpPr>
           <p:cNvPr id="80" name="Rounded Rectangle 79">
-            <a:hlinkClick r:id="rId8"/>
+            <a:hlinkClick r:id="rId5"/>
           </p:cNvPr>
           <p:cNvSpPr/>
           <p:nvPr/>
@@ -4757,7 +5040,7 @@
             <p:nvPr/>
           </p:nvPicPr>
           <p:blipFill>
-            <a:blip r:embed="rId6" cstate="print">
+            <a:blip r:embed="rId7" cstate="print">
               <a:extLst>
                 <a:ext uri="{28A0092B-C50C-407E-A947-70E740481C1C}">
                   <a14:useLocalDpi xmlns:a14="http://schemas.microsoft.com/office/drawing/2010/main" val="0"/>
@@ -4862,7 +5145,7 @@
         </p:nvGrpSpPr>
         <p:grpSpPr>
           <a:xfrm>
-            <a:off x="7489072" y="1573200"/>
+            <a:off x="7675292" y="1618424"/>
             <a:ext cx="1311374" cy="1112045"/>
             <a:chOff x="7537974" y="1855490"/>
             <a:chExt cx="1311374" cy="1185696"/>
@@ -5240,83 +5523,6 @@
           </a:fontRef>
         </p:style>
       </p:cxnSp>
-      <p:cxnSp>
-        <p:nvCxnSpPr>
-          <p:cNvPr id="189" name="Elbow Connector 188"/>
-          <p:cNvCxnSpPr>
-            <a:stCxn id="141" idx="1"/>
-            <a:endCxn id="94" idx="0"/>
-          </p:cNvCxnSpPr>
-          <p:nvPr/>
-        </p:nvCxnSpPr>
-        <p:spPr>
-          <a:xfrm rot="10800000" flipV="1">
-            <a:off x="6168979" y="731324"/>
-            <a:ext cx="1301853" cy="1275991"/>
-          </a:xfrm>
-          <a:prstGeom prst="bentConnector2">
-            <a:avLst/>
-          </a:prstGeom>
-          <a:ln w="31750">
-            <a:solidFill>
-              <a:schemeClr val="tx1"/>
-            </a:solidFill>
-            <a:tailEnd type="none"/>
-          </a:ln>
-        </p:spPr>
-        <p:style>
-          <a:lnRef idx="1">
-            <a:schemeClr val="accent1"/>
-          </a:lnRef>
-          <a:fillRef idx="0">
-            <a:schemeClr val="accent1"/>
-          </a:fillRef>
-          <a:effectRef idx="0">
-            <a:schemeClr val="accent1"/>
-          </a:effectRef>
-          <a:fontRef idx="minor">
-            <a:schemeClr val="tx1"/>
-          </a:fontRef>
-        </p:style>
-      </p:cxnSp>
-      <p:cxnSp>
-        <p:nvCxnSpPr>
-          <p:cNvPr id="197" name="Elbow Connector 196"/>
-          <p:cNvCxnSpPr/>
-          <p:nvPr/>
-        </p:nvCxnSpPr>
-        <p:spPr>
-          <a:xfrm rot="5400000" flipH="1" flipV="1">
-            <a:off x="5996704" y="1279096"/>
-            <a:ext cx="350474" cy="1"/>
-          </a:xfrm>
-          <a:prstGeom prst="bentConnector3">
-            <a:avLst>
-              <a:gd name="adj1" fmla="val 50000"/>
-            </a:avLst>
-          </a:prstGeom>
-          <a:ln w="31750">
-            <a:solidFill>
-              <a:schemeClr val="tx1"/>
-            </a:solidFill>
-            <a:tailEnd type="arrow"/>
-          </a:ln>
-        </p:spPr>
-        <p:style>
-          <a:lnRef idx="1">
-            <a:schemeClr val="accent1"/>
-          </a:lnRef>
-          <a:fillRef idx="0">
-            <a:schemeClr val="accent1"/>
-          </a:fillRef>
-          <a:effectRef idx="0">
-            <a:schemeClr val="accent1"/>
-          </a:effectRef>
-          <a:fontRef idx="minor">
-            <a:schemeClr val="tx1"/>
-          </a:fontRef>
-        </p:style>
-      </p:cxnSp>
       <p:sp>
         <p:nvSpPr>
           <p:cNvPr id="199" name="TextBox 198"/>
@@ -5394,36 +5600,6 @@
         <p:spPr>
           <a:xfrm>
             <a:off x="4757634" y="3073187"/>
-            <a:ext cx="721672" cy="253916"/>
-          </a:xfrm>
-          <a:prstGeom prst="rect">
-            <a:avLst/>
-          </a:prstGeom>
-          <a:noFill/>
-        </p:spPr>
-        <p:txBody>
-          <a:bodyPr wrap="none" rtlCol="0">
-            <a:spAutoFit/>
-          </a:bodyPr>
-          <a:lstStyle/>
-          <a:p>
-            <a:r>
-              <a:rPr lang="en-CA" sz="1050" dirty="0" smtClean="0"/>
-              <a:t>Port 9200</a:t>
-            </a:r>
-            <a:endParaRPr lang="en-CA" sz="1050" dirty="0"/>
-          </a:p>
-        </p:txBody>
-      </p:sp>
-      <p:sp>
-        <p:nvSpPr>
-          <p:cNvPr id="78" name="TextBox 77"/>
-          <p:cNvSpPr txBox="1"/>
-          <p:nvPr/>
-        </p:nvSpPr>
-        <p:spPr>
-          <a:xfrm>
-            <a:off x="5495462" y="3200145"/>
             <a:ext cx="721672" cy="253916"/>
           </a:xfrm>
           <a:prstGeom prst="rect">
@@ -5739,8 +5915,8 @@
         </p:nvSpPr>
         <p:spPr>
           <a:xfrm>
-            <a:off x="5335306" y="1503719"/>
-            <a:ext cx="1612958" cy="3148714"/>
+            <a:off x="5689365" y="1455158"/>
+            <a:ext cx="1430291" cy="1406149"/>
           </a:xfrm>
           <a:prstGeom prst="roundRect">
             <a:avLst>
@@ -5783,7 +5959,15 @@
                   <a:schemeClr val="tx1"/>
                 </a:solidFill>
               </a:rPr>
-              <a:t>Coordinator</a:t>
+              <a:t>Frontend</a:t>
+            </a:r>
+            <a:r>
+              <a:rPr lang="en-CA" sz="1200" b="1" dirty="0" smtClean="0">
+                <a:solidFill>
+                  <a:schemeClr val="tx1"/>
+                </a:solidFill>
+              </a:rPr>
+              <a:t/>
             </a:r>
             <a:br>
               <a:rPr lang="en-CA" sz="1200" b="1" dirty="0" smtClean="0">
@@ -5825,8 +6009,8 @@
         </p:blipFill>
         <p:spPr>
           <a:xfrm>
-            <a:off x="5812107" y="2713939"/>
-            <a:ext cx="750287" cy="743954"/>
+            <a:off x="6188177" y="1945368"/>
+            <a:ext cx="431461" cy="427819"/>
           </a:xfrm>
           <a:prstGeom prst="rect">
             <a:avLst/>
@@ -5882,9 +6066,9 @@
           <p:nvPr/>
         </p:nvCxnSpPr>
         <p:spPr>
-          <a:xfrm flipV="1">
-            <a:off x="6760806" y="2129223"/>
-            <a:ext cx="728266" cy="493"/>
+          <a:xfrm>
+            <a:off x="6995737" y="1744122"/>
+            <a:ext cx="679555" cy="430325"/>
           </a:xfrm>
           <a:prstGeom prst="bentConnector3">
             <a:avLst>
@@ -5921,7 +6105,7 @@
         </p:nvSpPr>
         <p:spPr>
           <a:xfrm>
-            <a:off x="6768904" y="1852350"/>
+            <a:off x="7119656" y="1472024"/>
             <a:ext cx="583814" cy="253916"/>
           </a:xfrm>
           <a:prstGeom prst="rect">
@@ -5945,225 +6129,15 @@
       </p:sp>
       <p:sp>
         <p:nvSpPr>
-          <p:cNvPr id="16" name="Rectangle 15"/>
-          <p:cNvSpPr/>
-          <p:nvPr/>
-        </p:nvSpPr>
-        <p:spPr>
-          <a:xfrm>
-            <a:off x="5700926" y="2713940"/>
-            <a:ext cx="936104" cy="743953"/>
-          </a:xfrm>
-          <a:prstGeom prst="rect">
-            <a:avLst/>
-          </a:prstGeom>
-          <a:solidFill>
-            <a:schemeClr val="bg1">
-              <a:alpha val="84000"/>
-            </a:schemeClr>
-          </a:solidFill>
-          <a:ln>
-            <a:noFill/>
-          </a:ln>
-        </p:spPr>
-        <p:style>
-          <a:lnRef idx="2">
-            <a:schemeClr val="accent1">
-              <a:shade val="50000"/>
-            </a:schemeClr>
-          </a:lnRef>
-          <a:fillRef idx="1">
-            <a:schemeClr val="accent1"/>
-          </a:fillRef>
-          <a:effectRef idx="0">
-            <a:schemeClr val="accent1"/>
-          </a:effectRef>
-          <a:fontRef idx="minor">
-            <a:schemeClr val="lt1"/>
-          </a:fontRef>
-        </p:style>
-        <p:txBody>
-          <a:bodyPr rtlCol="0" anchor="ctr"/>
-          <a:lstStyle/>
-          <a:p>
-            <a:pPr algn="ctr"/>
-            <a:endParaRPr lang="en-CA"/>
-          </a:p>
-        </p:txBody>
-      </p:sp>
-      <p:sp>
-        <p:nvSpPr>
-          <p:cNvPr id="91" name="Rounded Rectangle 90">
-            <a:hlinkClick r:id="rId8"/>
+          <p:cNvPr id="94" name="Rounded Rectangle 93">
+            <a:hlinkClick r:id="rId5"/>
           </p:cNvPr>
           <p:cNvSpPr/>
           <p:nvPr/>
         </p:nvSpPr>
         <p:spPr>
           <a:xfrm>
-            <a:off x="5576729" y="1637559"/>
-            <a:ext cx="1187160" cy="245165"/>
-          </a:xfrm>
-          <a:prstGeom prst="roundRect">
-            <a:avLst/>
-          </a:prstGeom>
-          <a:gradFill>
-            <a:gsLst>
-              <a:gs pos="0">
-                <a:schemeClr val="bg1">
-                  <a:lumMod val="95000"/>
-                </a:schemeClr>
-              </a:gs>
-              <a:gs pos="50000">
-                <a:schemeClr val="bg1">
-                  <a:lumMod val="95000"/>
-                </a:schemeClr>
-              </a:gs>
-              <a:gs pos="100000">
-                <a:schemeClr val="bg1">
-                  <a:lumMod val="85000"/>
-                </a:schemeClr>
-              </a:gs>
-            </a:gsLst>
-            <a:lin ang="5400000" scaled="0"/>
-          </a:gradFill>
-          <a:ln>
-            <a:solidFill>
-              <a:schemeClr val="accent6">
-                <a:lumMod val="75000"/>
-              </a:schemeClr>
-            </a:solidFill>
-          </a:ln>
-        </p:spPr>
-        <p:style>
-          <a:lnRef idx="2">
-            <a:schemeClr val="accent1">
-              <a:shade val="50000"/>
-            </a:schemeClr>
-          </a:lnRef>
-          <a:fillRef idx="1">
-            <a:schemeClr val="accent1"/>
-          </a:fillRef>
-          <a:effectRef idx="0">
-            <a:schemeClr val="accent1"/>
-          </a:effectRef>
-          <a:fontRef idx="minor">
-            <a:schemeClr val="lt1"/>
-          </a:fontRef>
-        </p:style>
-        <p:txBody>
-          <a:bodyPr lIns="36000" rIns="36000" rtlCol="0" anchor="ctr"/>
-          <a:lstStyle/>
-          <a:p>
-            <a:pPr algn="ctr"/>
-            <a:r>
-              <a:rPr lang="en-CA" sz="1200" b="1" dirty="0" err="1" smtClean="0">
-                <a:solidFill>
-                  <a:schemeClr val="tx1"/>
-                </a:solidFill>
-              </a:rPr>
-              <a:t>SpotManager</a:t>
-            </a:r>
-            <a:endParaRPr lang="en-CA" sz="1200" b="1" dirty="0">
-              <a:solidFill>
-                <a:schemeClr val="tx1"/>
-              </a:solidFill>
-            </a:endParaRPr>
-          </a:p>
-        </p:txBody>
-      </p:sp>
-      <p:sp>
-        <p:nvSpPr>
-          <p:cNvPr id="92" name="Rounded Rectangle 91">
-            <a:hlinkClick r:id="rId8"/>
-          </p:cNvPr>
-          <p:cNvSpPr/>
-          <p:nvPr/>
-        </p:nvSpPr>
-        <p:spPr>
-          <a:xfrm>
-            <a:off x="5572795" y="2373669"/>
-            <a:ext cx="1187160" cy="244800"/>
-          </a:xfrm>
-          <a:prstGeom prst="roundRect">
-            <a:avLst/>
-          </a:prstGeom>
-          <a:gradFill>
-            <a:gsLst>
-              <a:gs pos="0">
-                <a:schemeClr val="bg1">
-                  <a:lumMod val="95000"/>
-                </a:schemeClr>
-              </a:gs>
-              <a:gs pos="50000">
-                <a:schemeClr val="bg1">
-                  <a:lumMod val="95000"/>
-                </a:schemeClr>
-              </a:gs>
-              <a:gs pos="100000">
-                <a:schemeClr val="bg1">
-                  <a:lumMod val="85000"/>
-                </a:schemeClr>
-              </a:gs>
-            </a:gsLst>
-            <a:lin ang="5400000" scaled="0"/>
-          </a:gradFill>
-          <a:ln>
-            <a:solidFill>
-              <a:schemeClr val="accent6">
-                <a:lumMod val="75000"/>
-              </a:schemeClr>
-            </a:solidFill>
-          </a:ln>
-        </p:spPr>
-        <p:style>
-          <a:lnRef idx="2">
-            <a:schemeClr val="accent1">
-              <a:shade val="50000"/>
-            </a:schemeClr>
-          </a:lnRef>
-          <a:fillRef idx="1">
-            <a:schemeClr val="accent1"/>
-          </a:fillRef>
-          <a:effectRef idx="0">
-            <a:schemeClr val="accent1"/>
-          </a:effectRef>
-          <a:fontRef idx="minor">
-            <a:schemeClr val="lt1"/>
-          </a:fontRef>
-        </p:style>
-        <p:txBody>
-          <a:bodyPr lIns="36000" rIns="36000" rtlCol="0" anchor="ctr"/>
-          <a:lstStyle/>
-          <a:p>
-            <a:pPr algn="ctr"/>
-            <a:r>
-              <a:rPr lang="en-CA" sz="1200" b="1" dirty="0" smtClean="0">
-                <a:solidFill>
-                  <a:schemeClr val="tx1"/>
-                </a:solidFill>
-              </a:rPr>
-              <a:t>Supervisor</a:t>
-            </a:r>
-            <a:endParaRPr lang="en-CA" sz="1200" b="1" dirty="0">
-              <a:solidFill>
-                <a:schemeClr val="tx1"/>
-              </a:solidFill>
-            </a:endParaRPr>
-          </a:p>
-        </p:txBody>
-      </p:sp>
-      <p:sp>
-        <p:nvSpPr>
-          <p:cNvPr id="94" name="Rounded Rectangle 93">
-            <a:hlinkClick r:id="rId8"/>
-          </p:cNvPr>
-          <p:cNvSpPr/>
-          <p:nvPr/>
-        </p:nvSpPr>
-        <p:spPr>
-          <a:xfrm>
-            <a:off x="5577149" y="2007316"/>
+            <a:off x="5812080" y="1621722"/>
             <a:ext cx="1183657" cy="244800"/>
           </a:xfrm>
           <a:prstGeom prst="roundRect">
@@ -6642,7 +6616,7 @@
             <p:nvPr/>
           </p:nvPicPr>
           <p:blipFill>
-            <a:blip r:embed="rId11" cstate="print">
+            <a:blip r:embed="rId12" cstate="print">
               <a:extLst>
                 <a:ext uri="{28A0092B-C50C-407E-A947-70E740481C1C}">
                   <a14:useLocalDpi xmlns:a14="http://schemas.microsoft.com/office/drawing/2010/main" val="0"/>
@@ -6720,14 +6694,6 @@
               </a:rPr>
               <a:t>Backup</a:t>
             </a:r>
-            <a:r>
-              <a:rPr lang="en-CA" sz="1200" b="1" dirty="0" smtClean="0">
-                <a:solidFill>
-                  <a:schemeClr val="tx1"/>
-                </a:solidFill>
-              </a:rPr>
-              <a:t/>
-            </a:r>
             <a:br>
               <a:rPr lang="en-CA" sz="1200" b="1" dirty="0" smtClean="0">
                 <a:solidFill>
@@ -6741,15 +6707,7 @@
                   <a:schemeClr val="tx1"/>
                 </a:solidFill>
               </a:rPr>
-              <a:t>(d2.2xlarge</a:t>
-            </a:r>
-            <a:r>
-              <a:rPr lang="en-CA" sz="1200" b="1" dirty="0" smtClean="0">
-                <a:solidFill>
-                  <a:schemeClr val="tx1"/>
-                </a:solidFill>
-              </a:rPr>
-              <a:t>)</a:t>
+              <a:t>(d2.2xlarge)</a:t>
             </a:r>
           </a:p>
         </p:txBody>
@@ -6810,14 +6768,6 @@
               </a:rPr>
               <a:t>Backup</a:t>
             </a:r>
-            <a:r>
-              <a:rPr lang="en-CA" sz="1200" b="1" dirty="0" smtClean="0">
-                <a:solidFill>
-                  <a:schemeClr val="tx1"/>
-                </a:solidFill>
-              </a:rPr>
-              <a:t/>
-            </a:r>
             <a:br>
               <a:rPr lang="en-CA" sz="1200" b="1" dirty="0" smtClean="0">
                 <a:solidFill>
@@ -6831,15 +6781,7 @@
                   <a:schemeClr val="tx1"/>
                 </a:solidFill>
               </a:rPr>
-              <a:t>(d2.2xlarge</a:t>
-            </a:r>
-            <a:r>
-              <a:rPr lang="en-CA" sz="1200" b="1" dirty="0" smtClean="0">
-                <a:solidFill>
-                  <a:schemeClr val="tx1"/>
-                </a:solidFill>
-              </a:rPr>
-              <a:t>)</a:t>
+              <a:t>(d2.2xlarge)</a:t>
             </a:r>
           </a:p>
         </p:txBody>
@@ -6900,14 +6842,6 @@
               </a:rPr>
               <a:t>Backup</a:t>
             </a:r>
-            <a:r>
-              <a:rPr lang="en-CA" sz="1200" b="1" dirty="0" smtClean="0">
-                <a:solidFill>
-                  <a:schemeClr val="tx1"/>
-                </a:solidFill>
-              </a:rPr>
-              <a:t/>
-            </a:r>
             <a:br>
               <a:rPr lang="en-CA" sz="1200" b="1" dirty="0" smtClean="0">
                 <a:solidFill>
@@ -6921,15 +6855,7 @@
                   <a:schemeClr val="tx1"/>
                 </a:solidFill>
               </a:rPr>
-              <a:t>(d2.2xlarge</a:t>
-            </a:r>
-            <a:r>
-              <a:rPr lang="en-CA" sz="1200" b="1" dirty="0" smtClean="0">
-                <a:solidFill>
-                  <a:schemeClr val="tx1"/>
-                </a:solidFill>
-              </a:rPr>
-              <a:t>)</a:t>
+              <a:t>(d2.2xlarge)</a:t>
             </a:r>
           </a:p>
         </p:txBody>
@@ -7004,14 +6930,6 @@
                 </a:rPr>
                 <a:t>Backup</a:t>
               </a:r>
-              <a:r>
-                <a:rPr lang="en-CA" sz="1200" b="1" dirty="0" smtClean="0">
-                  <a:solidFill>
-                    <a:schemeClr val="tx1"/>
-                  </a:solidFill>
-                </a:rPr>
-                <a:t/>
-              </a:r>
               <a:br>
                 <a:rPr lang="en-CA" sz="1200" b="1" dirty="0" smtClean="0">
                   <a:solidFill>
@@ -7025,15 +6943,7 @@
                     <a:schemeClr val="tx1"/>
                   </a:solidFill>
                 </a:rPr>
-                <a:t>(d2.2xlarge</a:t>
-              </a:r>
-              <a:r>
-                <a:rPr lang="en-CA" sz="1200" b="1" dirty="0" smtClean="0">
-                  <a:solidFill>
-                    <a:schemeClr val="tx1"/>
-                  </a:solidFill>
-                </a:rPr>
-                <a:t>)</a:t>
+                <a:t>(d2.2xlarge)</a:t>
               </a:r>
             </a:p>
           </p:txBody>
@@ -7047,7 +6957,7 @@
             <p:nvPr/>
           </p:nvPicPr>
           <p:blipFill>
-            <a:blip r:embed="rId11" cstate="print">
+            <a:blip r:embed="rId12" cstate="print">
               <a:extLst>
                 <a:ext uri="{28A0092B-C50C-407E-A947-70E740481C1C}">
                   <a14:useLocalDpi xmlns:a14="http://schemas.microsoft.com/office/drawing/2010/main" val="0"/>
@@ -7069,6 +6979,283 @@
           </p:spPr>
         </p:pic>
       </p:grpSp>
+      <p:cxnSp>
+        <p:nvCxnSpPr>
+          <p:cNvPr id="197" name="Elbow Connector 196"/>
+          <p:cNvCxnSpPr>
+            <a:stCxn id="94" idx="0"/>
+          </p:cNvCxnSpPr>
+          <p:nvPr/>
+        </p:nvCxnSpPr>
+        <p:spPr>
+          <a:xfrm rot="5400000" flipH="1" flipV="1">
+            <a:off x="6150283" y="1368096"/>
+            <a:ext cx="507253" cy="1"/>
+          </a:xfrm>
+          <a:prstGeom prst="bentConnector3">
+            <a:avLst>
+              <a:gd name="adj1" fmla="val 50000"/>
+            </a:avLst>
+          </a:prstGeom>
+          <a:ln w="31750">
+            <a:solidFill>
+              <a:schemeClr val="tx1"/>
+            </a:solidFill>
+            <a:tailEnd type="arrow"/>
+          </a:ln>
+        </p:spPr>
+        <p:style>
+          <a:lnRef idx="1">
+            <a:schemeClr val="accent1"/>
+          </a:lnRef>
+          <a:fillRef idx="0">
+            <a:schemeClr val="accent1"/>
+          </a:fillRef>
+          <a:effectRef idx="0">
+            <a:schemeClr val="accent1"/>
+          </a:effectRef>
+          <a:fontRef idx="minor">
+            <a:schemeClr val="tx1"/>
+          </a:fontRef>
+        </p:style>
+      </p:cxnSp>
+      <p:sp>
+        <p:nvSpPr>
+          <p:cNvPr id="97" name="Rounded Rectangle 96">
+            <a:hlinkClick r:id="rId4"/>
+          </p:cNvPr>
+          <p:cNvSpPr/>
+          <p:nvPr/>
+        </p:nvSpPr>
+        <p:spPr>
+          <a:xfrm>
+            <a:off x="5696207" y="3396162"/>
+            <a:ext cx="1430291" cy="1406149"/>
+          </a:xfrm>
+          <a:prstGeom prst="roundRect">
+            <a:avLst>
+              <a:gd name="adj" fmla="val 0"/>
+            </a:avLst>
+          </a:prstGeom>
+          <a:solidFill>
+            <a:srgbClr val="FCFCFC"/>
+          </a:solidFill>
+          <a:ln>
+            <a:solidFill>
+              <a:srgbClr val="74B73F"/>
+            </a:solidFill>
+          </a:ln>
+        </p:spPr>
+        <p:style>
+          <a:lnRef idx="2">
+            <a:schemeClr val="accent1">
+              <a:shade val="50000"/>
+            </a:schemeClr>
+          </a:lnRef>
+          <a:fillRef idx="1">
+            <a:schemeClr val="accent1"/>
+          </a:fillRef>
+          <a:effectRef idx="0">
+            <a:schemeClr val="accent1"/>
+          </a:effectRef>
+          <a:fontRef idx="minor">
+            <a:schemeClr val="lt1"/>
+          </a:fontRef>
+        </p:style>
+        <p:txBody>
+          <a:bodyPr rtlCol="0" anchor="b" anchorCtr="0"/>
+          <a:lstStyle/>
+          <a:p>
+            <a:pPr algn="ctr"/>
+            <a:r>
+              <a:rPr lang="en-CA" sz="1200" b="1" dirty="0" err="1" smtClean="0">
+                <a:solidFill>
+                  <a:schemeClr val="tx1"/>
+                </a:solidFill>
+              </a:rPr>
+              <a:t>tuid</a:t>
+            </a:r>
+            <a:r>
+              <a:rPr lang="en-CA" sz="1200" b="1" dirty="0" smtClean="0">
+                <a:solidFill>
+                  <a:schemeClr val="tx1"/>
+                </a:solidFill>
+              </a:rPr>
+              <a:t/>
+            </a:r>
+            <a:br>
+              <a:rPr lang="en-CA" sz="1200" b="1" dirty="0" smtClean="0">
+                <a:solidFill>
+                  <a:schemeClr val="tx1"/>
+                </a:solidFill>
+              </a:rPr>
+            </a:br>
+            <a:r>
+              <a:rPr lang="en-CA" sz="1200" b="1" dirty="0" smtClean="0">
+                <a:solidFill>
+                  <a:schemeClr val="tx1"/>
+                </a:solidFill>
+              </a:rPr>
+              <a:t>(t2.large)</a:t>
+            </a:r>
+            <a:endParaRPr lang="en-CA" sz="1200" b="1" dirty="0" smtClean="0">
+              <a:solidFill>
+                <a:schemeClr val="tx1"/>
+              </a:solidFill>
+            </a:endParaRPr>
+          </a:p>
+        </p:txBody>
+      </p:sp>
+      <p:pic>
+        <p:nvPicPr>
+          <p:cNvPr id="98" name="Picture 97"/>
+          <p:cNvPicPr>
+            <a:picLocks noChangeAspect="1"/>
+          </p:cNvPicPr>
+          <p:nvPr/>
+        </p:nvPicPr>
+        <p:blipFill>
+          <a:blip r:embed="rId11" cstate="print">
+            <a:extLst>
+              <a:ext uri="{28A0092B-C50C-407E-A947-70E740481C1C}">
+                <a14:useLocalDpi xmlns:a14="http://schemas.microsoft.com/office/drawing/2010/main" val="0"/>
+              </a:ext>
+            </a:extLst>
+          </a:blip>
+          <a:stretch>
+            <a:fillRect/>
+          </a:stretch>
+        </p:blipFill>
+        <p:spPr>
+          <a:xfrm>
+            <a:off x="6195019" y="3886372"/>
+            <a:ext cx="431461" cy="427819"/>
+          </a:xfrm>
+          <a:prstGeom prst="rect">
+            <a:avLst/>
+          </a:prstGeom>
+        </p:spPr>
+      </p:pic>
+      <p:sp>
+        <p:nvSpPr>
+          <p:cNvPr id="99" name="Rounded Rectangle 98">
+            <a:hlinkClick r:id="rId5"/>
+          </p:cNvPr>
+          <p:cNvSpPr/>
+          <p:nvPr/>
+        </p:nvSpPr>
+        <p:spPr>
+          <a:xfrm>
+            <a:off x="5818922" y="3562726"/>
+            <a:ext cx="1183657" cy="244800"/>
+          </a:xfrm>
+          <a:prstGeom prst="roundRect">
+            <a:avLst/>
+          </a:prstGeom>
+          <a:gradFill>
+            <a:gsLst>
+              <a:gs pos="0">
+                <a:schemeClr val="bg1">
+                  <a:lumMod val="95000"/>
+                </a:schemeClr>
+              </a:gs>
+              <a:gs pos="50000">
+                <a:schemeClr val="bg1">
+                  <a:lumMod val="95000"/>
+                </a:schemeClr>
+              </a:gs>
+              <a:gs pos="100000">
+                <a:schemeClr val="bg1">
+                  <a:lumMod val="85000"/>
+                </a:schemeClr>
+              </a:gs>
+            </a:gsLst>
+            <a:lin ang="5400000" scaled="0"/>
+          </a:gradFill>
+          <a:ln>
+            <a:solidFill>
+              <a:schemeClr val="accent6">
+                <a:lumMod val="75000"/>
+              </a:schemeClr>
+            </a:solidFill>
+          </a:ln>
+        </p:spPr>
+        <p:style>
+          <a:lnRef idx="2">
+            <a:schemeClr val="accent1">
+              <a:shade val="50000"/>
+            </a:schemeClr>
+          </a:lnRef>
+          <a:fillRef idx="1">
+            <a:schemeClr val="accent1"/>
+          </a:fillRef>
+          <a:effectRef idx="0">
+            <a:schemeClr val="accent1"/>
+          </a:effectRef>
+          <a:fontRef idx="minor">
+            <a:schemeClr val="lt1"/>
+          </a:fontRef>
+        </p:style>
+        <p:txBody>
+          <a:bodyPr lIns="36000" rIns="36000" rtlCol="0" anchor="ctr"/>
+          <a:lstStyle/>
+          <a:p>
+            <a:pPr algn="ctr"/>
+            <a:r>
+              <a:rPr lang="en-CA" sz="1200" b="1" dirty="0" smtClean="0">
+                <a:solidFill>
+                  <a:schemeClr val="tx1"/>
+                </a:solidFill>
+              </a:rPr>
+              <a:t>TUID</a:t>
+            </a:r>
+            <a:endParaRPr lang="en-CA" sz="1200" b="1" dirty="0" smtClean="0">
+              <a:solidFill>
+                <a:schemeClr val="tx1"/>
+              </a:solidFill>
+            </a:endParaRPr>
+          </a:p>
+        </p:txBody>
+      </p:sp>
+      <p:cxnSp>
+        <p:nvCxnSpPr>
+          <p:cNvPr id="100" name="Elbow Connector 99"/>
+          <p:cNvCxnSpPr>
+            <a:stCxn id="99" idx="3"/>
+            <a:endCxn id="42" idx="2"/>
+          </p:cNvCxnSpPr>
+          <p:nvPr/>
+        </p:nvCxnSpPr>
+        <p:spPr>
+          <a:xfrm flipV="1">
+            <a:off x="7002579" y="2730469"/>
+            <a:ext cx="1328400" cy="954657"/>
+          </a:xfrm>
+          <a:prstGeom prst="bentConnector2">
+            <a:avLst/>
+          </a:prstGeom>
+          <a:ln w="31750">
+            <a:solidFill>
+              <a:schemeClr val="tx1"/>
+            </a:solidFill>
+            <a:tailEnd type="arrow"/>
+          </a:ln>
+        </p:spPr>
+        <p:style>
+          <a:lnRef idx="1">
+            <a:schemeClr val="accent1"/>
+          </a:lnRef>
+          <a:fillRef idx="0">
+            <a:schemeClr val="accent1"/>
+          </a:fillRef>
+          <a:effectRef idx="0">
+            <a:schemeClr val="accent1"/>
+          </a:effectRef>
+          <a:fontRef idx="minor">
+            <a:schemeClr val="tx1"/>
+          </a:fontRef>
+        </p:style>
+      </p:cxnSp>
     </p:spTree>
     <p:extLst>
       <p:ext uri="{BB962C8B-B14F-4D97-AF65-F5344CB8AC3E}">

--- a/docs/Architecture.pptx
+++ b/docs/Architecture.pptx
@@ -192,7 +192,7 @@
           <a:p>
             <a:fld id="{12C73BD1-E919-4514-A897-6086B61B6A01}" type="datetimeFigureOut">
               <a:rPr lang="en-CA" smtClean="0"/>
-              <a:t>2018-09-10</a:t>
+              <a:t>2018-09-24</a:t>
             </a:fld>
             <a:endParaRPr lang="en-CA"/>
           </a:p>
@@ -725,7 +725,7 @@
           <a:p>
             <a:fld id="{57E13E19-9712-4C08-A35C-78B78B9B3BC2}" type="datetimeFigureOut">
               <a:rPr lang="en-CA" smtClean="0"/>
-              <a:t>2018-09-10</a:t>
+              <a:t>2018-09-24</a:t>
             </a:fld>
             <a:endParaRPr lang="en-CA"/>
           </a:p>
@@ -895,7 +895,7 @@
           <a:p>
             <a:fld id="{57E13E19-9712-4C08-A35C-78B78B9B3BC2}" type="datetimeFigureOut">
               <a:rPr lang="en-CA" smtClean="0"/>
-              <a:t>2018-09-10</a:t>
+              <a:t>2018-09-24</a:t>
             </a:fld>
             <a:endParaRPr lang="en-CA"/>
           </a:p>
@@ -1075,7 +1075,7 @@
           <a:p>
             <a:fld id="{57E13E19-9712-4C08-A35C-78B78B9B3BC2}" type="datetimeFigureOut">
               <a:rPr lang="en-CA" smtClean="0"/>
-              <a:t>2018-09-10</a:t>
+              <a:t>2018-09-24</a:t>
             </a:fld>
             <a:endParaRPr lang="en-CA"/>
           </a:p>
@@ -1245,7 +1245,7 @@
           <a:p>
             <a:fld id="{57E13E19-9712-4C08-A35C-78B78B9B3BC2}" type="datetimeFigureOut">
               <a:rPr lang="en-CA" smtClean="0"/>
-              <a:t>2018-09-10</a:t>
+              <a:t>2018-09-24</a:t>
             </a:fld>
             <a:endParaRPr lang="en-CA"/>
           </a:p>
@@ -1491,7 +1491,7 @@
           <a:p>
             <a:fld id="{57E13E19-9712-4C08-A35C-78B78B9B3BC2}" type="datetimeFigureOut">
               <a:rPr lang="en-CA" smtClean="0"/>
-              <a:t>2018-09-10</a:t>
+              <a:t>2018-09-24</a:t>
             </a:fld>
             <a:endParaRPr lang="en-CA"/>
           </a:p>
@@ -1779,7 +1779,7 @@
           <a:p>
             <a:fld id="{57E13E19-9712-4C08-A35C-78B78B9B3BC2}" type="datetimeFigureOut">
               <a:rPr lang="en-CA" smtClean="0"/>
-              <a:t>2018-09-10</a:t>
+              <a:t>2018-09-24</a:t>
             </a:fld>
             <a:endParaRPr lang="en-CA"/>
           </a:p>
@@ -2201,7 +2201,7 @@
           <a:p>
             <a:fld id="{57E13E19-9712-4C08-A35C-78B78B9B3BC2}" type="datetimeFigureOut">
               <a:rPr lang="en-CA" smtClean="0"/>
-              <a:t>2018-09-10</a:t>
+              <a:t>2018-09-24</a:t>
             </a:fld>
             <a:endParaRPr lang="en-CA"/>
           </a:p>
@@ -2319,7 +2319,7 @@
           <a:p>
             <a:fld id="{57E13E19-9712-4C08-A35C-78B78B9B3BC2}" type="datetimeFigureOut">
               <a:rPr lang="en-CA" smtClean="0"/>
-              <a:t>2018-09-10</a:t>
+              <a:t>2018-09-24</a:t>
             </a:fld>
             <a:endParaRPr lang="en-CA"/>
           </a:p>
@@ -2414,7 +2414,7 @@
           <a:p>
             <a:fld id="{57E13E19-9712-4C08-A35C-78B78B9B3BC2}" type="datetimeFigureOut">
               <a:rPr lang="en-CA" smtClean="0"/>
-              <a:t>2018-09-10</a:t>
+              <a:t>2018-09-24</a:t>
             </a:fld>
             <a:endParaRPr lang="en-CA"/>
           </a:p>
@@ -2691,7 +2691,7 @@
           <a:p>
             <a:fld id="{57E13E19-9712-4C08-A35C-78B78B9B3BC2}" type="datetimeFigureOut">
               <a:rPr lang="en-CA" smtClean="0"/>
-              <a:t>2018-09-10</a:t>
+              <a:t>2018-09-24</a:t>
             </a:fld>
             <a:endParaRPr lang="en-CA"/>
           </a:p>
@@ -2944,7 +2944,7 @@
           <a:p>
             <a:fld id="{57E13E19-9712-4C08-A35C-78B78B9B3BC2}" type="datetimeFigureOut">
               <a:rPr lang="en-CA" smtClean="0"/>
-              <a:t>2018-09-10</a:t>
+              <a:t>2018-09-24</a:t>
             </a:fld>
             <a:endParaRPr lang="en-CA"/>
           </a:p>
@@ -3157,7 +3157,7 @@
           <a:p>
             <a:fld id="{57E13E19-9712-4C08-A35C-78B78B9B3BC2}" type="datetimeFigureOut">
               <a:rPr lang="en-CA" smtClean="0"/>
-              <a:t>2018-09-10</a:t>
+              <a:t>2018-09-24</a:t>
             </a:fld>
             <a:endParaRPr lang="en-CA"/>
           </a:p>
@@ -3649,14 +3649,6 @@
               </a:rPr>
               <a:t>Manager</a:t>
             </a:r>
-            <a:r>
-              <a:rPr lang="en-CA" sz="1200" b="1" dirty="0" smtClean="0">
-                <a:solidFill>
-                  <a:schemeClr val="tx1"/>
-                </a:solidFill>
-              </a:rPr>
-              <a:t/>
-            </a:r>
             <a:br>
               <a:rPr lang="en-CA" sz="1200" b="1" dirty="0" smtClean="0">
                 <a:solidFill>
@@ -3848,8 +3840,8 @@
         </p:nvCxnSpPr>
         <p:spPr>
           <a:xfrm rot="10800000" flipV="1">
-            <a:off x="6403909" y="731324"/>
-            <a:ext cx="1066922" cy="890397"/>
+            <a:off x="6071135" y="731325"/>
+            <a:ext cx="1399696" cy="838668"/>
           </a:xfrm>
           <a:prstGeom prst="bentConnector2">
             <a:avLst/>
@@ -5145,7 +5137,7 @@
         </p:nvGrpSpPr>
         <p:grpSpPr>
           <a:xfrm>
-            <a:off x="7675292" y="1618424"/>
+            <a:off x="7689138" y="1618424"/>
             <a:ext cx="1311374" cy="1112045"/>
             <a:chOff x="7537974" y="1855490"/>
             <a:chExt cx="1311374" cy="1185696"/>
@@ -5915,8 +5907,8 @@
         </p:nvSpPr>
         <p:spPr>
           <a:xfrm>
-            <a:off x="5689365" y="1455158"/>
-            <a:ext cx="1430291" cy="1406149"/>
+            <a:off x="5407306" y="1400257"/>
+            <a:ext cx="1791192" cy="1548380"/>
           </a:xfrm>
           <a:prstGeom prst="roundRect">
             <a:avLst>
@@ -5959,7 +5951,7 @@
                   <a:schemeClr val="tx1"/>
                 </a:solidFill>
               </a:rPr>
-              <a:t>Frontend</a:t>
+              <a:t>Frontend (r3.xlarge</a:t>
             </a:r>
             <a:r>
               <a:rPr lang="en-CA" sz="1200" b="1" dirty="0" smtClean="0">
@@ -5967,22 +5959,7 @@
                   <a:schemeClr val="tx1"/>
                 </a:solidFill>
               </a:rPr>
-              <a:t/>
-            </a:r>
-            <a:br>
-              <a:rPr lang="en-CA" sz="1200" b="1" dirty="0" smtClean="0">
-                <a:solidFill>
-                  <a:schemeClr val="tx1"/>
-                </a:solidFill>
-              </a:rPr>
-            </a:br>
-            <a:r>
-              <a:rPr lang="en-CA" sz="1200" b="1" dirty="0" smtClean="0">
-                <a:solidFill>
-                  <a:schemeClr val="tx1"/>
-                </a:solidFill>
-              </a:rPr>
-              <a:t>(r3.xlarge)</a:t>
+              <a:t>)</a:t>
             </a:r>
           </a:p>
         </p:txBody>
@@ -6009,7 +5986,7 @@
         </p:blipFill>
         <p:spPr>
           <a:xfrm>
-            <a:off x="6188177" y="1945368"/>
+            <a:off x="5639885" y="2169956"/>
             <a:ext cx="431461" cy="427819"/>
           </a:xfrm>
           <a:prstGeom prst="rect">
@@ -6056,47 +6033,6 @@
           </a:fontRef>
         </p:style>
       </p:cxnSp>
-      <p:cxnSp>
-        <p:nvCxnSpPr>
-          <p:cNvPr id="196" name="Elbow Connector 195"/>
-          <p:cNvCxnSpPr>
-            <a:stCxn id="94" idx="3"/>
-            <a:endCxn id="42" idx="1"/>
-          </p:cNvCxnSpPr>
-          <p:nvPr/>
-        </p:nvCxnSpPr>
-        <p:spPr>
-          <a:xfrm>
-            <a:off x="6995737" y="1744122"/>
-            <a:ext cx="679555" cy="430325"/>
-          </a:xfrm>
-          <a:prstGeom prst="bentConnector3">
-            <a:avLst>
-              <a:gd name="adj1" fmla="val 50000"/>
-            </a:avLst>
-          </a:prstGeom>
-          <a:ln w="31750">
-            <a:solidFill>
-              <a:schemeClr val="tx1"/>
-            </a:solidFill>
-            <a:tailEnd type="arrow"/>
-          </a:ln>
-        </p:spPr>
-        <p:style>
-          <a:lnRef idx="1">
-            <a:schemeClr val="accent1"/>
-          </a:lnRef>
-          <a:fillRef idx="0">
-            <a:schemeClr val="accent1"/>
-          </a:fillRef>
-          <a:effectRef idx="0">
-            <a:schemeClr val="accent1"/>
-          </a:effectRef>
-          <a:fontRef idx="minor">
-            <a:schemeClr val="tx1"/>
-          </a:fontRef>
-        </p:style>
-      </p:cxnSp>
       <p:sp>
         <p:nvSpPr>
           <p:cNvPr id="65" name="TextBox 64"/>
@@ -6137,7 +6073,7 @@
         </p:nvSpPr>
         <p:spPr>
           <a:xfrm>
-            <a:off x="5812080" y="1621722"/>
+            <a:off x="5479306" y="1569993"/>
             <a:ext cx="1183657" cy="244800"/>
           </a:xfrm>
           <a:prstGeom prst="roundRect">
@@ -6988,9 +6924,9 @@
           <p:nvPr/>
         </p:nvCxnSpPr>
         <p:spPr>
-          <a:xfrm rot="5400000" flipH="1" flipV="1">
-            <a:off x="6150283" y="1368096"/>
-            <a:ext cx="507253" cy="1"/>
+          <a:xfrm rot="16200000" flipV="1">
+            <a:off x="5879377" y="1378234"/>
+            <a:ext cx="383517" cy="1"/>
           </a:xfrm>
           <a:prstGeom prst="bentConnector3">
             <a:avLst>
@@ -7030,7 +6966,7 @@
         <p:spPr>
           <a:xfrm>
             <a:off x="5696207" y="3396162"/>
-            <a:ext cx="1430291" cy="1406149"/>
+            <a:ext cx="1430291" cy="1798528"/>
           </a:xfrm>
           <a:prstGeom prst="roundRect">
             <a:avLst>
@@ -7068,41 +7004,21 @@
           <a:p>
             <a:pPr algn="ctr"/>
             <a:r>
-              <a:rPr lang="en-CA" sz="1200" b="1" dirty="0" err="1" smtClean="0">
-                <a:solidFill>
-                  <a:schemeClr val="tx1"/>
-                </a:solidFill>
-              </a:rPr>
-              <a:t>tuid</a:t>
-            </a:r>
-            <a:r>
               <a:rPr lang="en-CA" sz="1200" b="1" dirty="0" smtClean="0">
                 <a:solidFill>
                   <a:schemeClr val="tx1"/>
                 </a:solidFill>
               </a:rPr>
-              <a:t/>
-            </a:r>
-            <a:br>
+              <a:t>TUID (</a:t>
+            </a:r>
+            <a:r>
               <a:rPr lang="en-CA" sz="1200" b="1" dirty="0" smtClean="0">
                 <a:solidFill>
                   <a:schemeClr val="tx1"/>
                 </a:solidFill>
               </a:rPr>
-            </a:br>
-            <a:r>
-              <a:rPr lang="en-CA" sz="1200" b="1" dirty="0" smtClean="0">
-                <a:solidFill>
-                  <a:schemeClr val="tx1"/>
-                </a:solidFill>
-              </a:rPr>
-              <a:t>(t2.large)</a:t>
-            </a:r>
-            <a:endParaRPr lang="en-CA" sz="1200" b="1" dirty="0" smtClean="0">
-              <a:solidFill>
-                <a:schemeClr val="tx1"/>
-              </a:solidFill>
-            </a:endParaRPr>
+              <a:t>t2.large)</a:t>
+            </a:r>
           </a:p>
         </p:txBody>
       </p:sp>
@@ -7128,7 +7044,7 @@
         </p:blipFill>
         <p:spPr>
           <a:xfrm>
-            <a:off x="6195019" y="3886372"/>
+            <a:off x="5868025" y="4299220"/>
             <a:ext cx="431461" cy="427819"/>
           </a:xfrm>
           <a:prstGeom prst="rect">
@@ -7209,36 +7125,490 @@
               </a:rPr>
               <a:t>TUID</a:t>
             </a:r>
-            <a:endParaRPr lang="en-CA" sz="1200" b="1" dirty="0" smtClean="0">
-              <a:solidFill>
-                <a:schemeClr val="tx1"/>
-              </a:solidFill>
-            </a:endParaRPr>
           </a:p>
         </p:txBody>
       </p:sp>
       <p:cxnSp>
         <p:nvCxnSpPr>
           <p:cNvPr id="100" name="Elbow Connector 99"/>
+          <p:cNvCxnSpPr/>
+          <p:nvPr/>
+        </p:nvCxnSpPr>
+        <p:spPr>
+          <a:xfrm rot="5400000" flipH="1" flipV="1">
+            <a:off x="6087862" y="2835618"/>
+            <a:ext cx="1050600" cy="403618"/>
+          </a:xfrm>
+          <a:prstGeom prst="bentConnector3">
+            <a:avLst>
+              <a:gd name="adj1" fmla="val 100133"/>
+            </a:avLst>
+          </a:prstGeom>
+          <a:ln w="31750">
+            <a:solidFill>
+              <a:schemeClr val="tx1"/>
+            </a:solidFill>
+            <a:tailEnd type="arrow"/>
+          </a:ln>
+        </p:spPr>
+        <p:style>
+          <a:lnRef idx="1">
+            <a:schemeClr val="accent1"/>
+          </a:lnRef>
+          <a:fillRef idx="0">
+            <a:schemeClr val="accent1"/>
+          </a:fillRef>
+          <a:effectRef idx="0">
+            <a:schemeClr val="accent1"/>
+          </a:effectRef>
+          <a:fontRef idx="minor">
+            <a:schemeClr val="tx1"/>
+          </a:fontRef>
+        </p:style>
+      </p:cxnSp>
+      <p:sp>
+        <p:nvSpPr>
+          <p:cNvPr id="92" name="Rounded Rectangle 91">
+            <a:hlinkClick r:id="rId5"/>
+          </p:cNvPr>
+          <p:cNvSpPr/>
+          <p:nvPr/>
+        </p:nvSpPr>
+        <p:spPr>
+          <a:xfrm rot="5400000">
+            <a:off x="6345541" y="2043064"/>
+            <a:ext cx="1183657" cy="244800"/>
+          </a:xfrm>
+          <a:prstGeom prst="roundRect">
+            <a:avLst/>
+          </a:prstGeom>
+          <a:gradFill>
+            <a:gsLst>
+              <a:gs pos="0">
+                <a:schemeClr val="bg1">
+                  <a:lumMod val="95000"/>
+                </a:schemeClr>
+              </a:gs>
+              <a:gs pos="50000">
+                <a:schemeClr val="bg1">
+                  <a:lumMod val="95000"/>
+                </a:schemeClr>
+              </a:gs>
+              <a:gs pos="100000">
+                <a:schemeClr val="bg1">
+                  <a:lumMod val="85000"/>
+                </a:schemeClr>
+              </a:gs>
+            </a:gsLst>
+            <a:lin ang="5400000" scaled="0"/>
+          </a:gradFill>
+          <a:ln>
+            <a:solidFill>
+              <a:schemeClr val="accent6">
+                <a:lumMod val="75000"/>
+              </a:schemeClr>
+            </a:solidFill>
+          </a:ln>
+        </p:spPr>
+        <p:style>
+          <a:lnRef idx="2">
+            <a:schemeClr val="accent1">
+              <a:shade val="50000"/>
+            </a:schemeClr>
+          </a:lnRef>
+          <a:fillRef idx="1">
+            <a:schemeClr val="accent1"/>
+          </a:fillRef>
+          <a:effectRef idx="0">
+            <a:schemeClr val="accent1"/>
+          </a:effectRef>
+          <a:fontRef idx="minor">
+            <a:schemeClr val="lt1"/>
+          </a:fontRef>
+        </p:style>
+        <p:txBody>
+          <a:bodyPr lIns="36000" rIns="36000" rtlCol="0" anchor="ctr"/>
+          <a:lstStyle/>
+          <a:p>
+            <a:pPr algn="ctr"/>
+            <a:r>
+              <a:rPr lang="en-CA" sz="1200" b="1" dirty="0" smtClean="0">
+                <a:solidFill>
+                  <a:schemeClr val="tx1"/>
+                </a:solidFill>
+              </a:rPr>
+              <a:t>Nginx</a:t>
+            </a:r>
+          </a:p>
+        </p:txBody>
+      </p:sp>
+      <p:cxnSp>
+        <p:nvCxnSpPr>
+          <p:cNvPr id="93" name="Elbow Connector 92"/>
+          <p:cNvCxnSpPr/>
+          <p:nvPr/>
+        </p:nvCxnSpPr>
+        <p:spPr>
+          <a:xfrm>
+            <a:off x="6410751" y="1814793"/>
+            <a:ext cx="404221" cy="120524"/>
+          </a:xfrm>
+          <a:prstGeom prst="bentConnector3">
+            <a:avLst>
+              <a:gd name="adj1" fmla="val -4124"/>
+            </a:avLst>
+          </a:prstGeom>
+          <a:ln w="31750">
+            <a:solidFill>
+              <a:schemeClr val="tx1"/>
+            </a:solidFill>
+            <a:tailEnd type="arrow"/>
+          </a:ln>
+        </p:spPr>
+        <p:style>
+          <a:lnRef idx="1">
+            <a:schemeClr val="accent1"/>
+          </a:lnRef>
+          <a:fillRef idx="0">
+            <a:schemeClr val="accent1"/>
+          </a:fillRef>
+          <a:effectRef idx="0">
+            <a:schemeClr val="accent1"/>
+          </a:effectRef>
+          <a:fontRef idx="minor">
+            <a:schemeClr val="tx1"/>
+          </a:fontRef>
+        </p:style>
+      </p:cxnSp>
+      <p:cxnSp>
+        <p:nvCxnSpPr>
+          <p:cNvPr id="108" name="Straight Arrow Connector 106"/>
           <p:cNvCxnSpPr>
-            <a:stCxn id="99" idx="3"/>
-            <a:endCxn id="42" idx="2"/>
+            <a:stCxn id="75" idx="0"/>
           </p:cNvCxnSpPr>
           <p:nvPr/>
         </p:nvCxnSpPr>
         <p:spPr>
-          <a:xfrm flipV="1">
-            <a:off x="7002579" y="2730469"/>
-            <a:ext cx="1328400" cy="954657"/>
-          </a:xfrm>
-          <a:prstGeom prst="bentConnector2">
+          <a:xfrm rot="16200000" flipV="1">
+            <a:off x="5678035" y="1992374"/>
+            <a:ext cx="355163" cy="1"/>
+          </a:xfrm>
+          <a:prstGeom prst="bentConnector3">
+            <a:avLst>
+              <a:gd name="adj1" fmla="val 50000"/>
+            </a:avLst>
+          </a:prstGeom>
+          <a:ln w="31750">
+            <a:solidFill>
+              <a:schemeClr val="tx1"/>
+            </a:solidFill>
+            <a:tailEnd type="arrow"/>
+          </a:ln>
+        </p:spPr>
+        <p:style>
+          <a:lnRef idx="1">
+            <a:schemeClr val="accent1"/>
+          </a:lnRef>
+          <a:fillRef idx="0">
+            <a:schemeClr val="accent1"/>
+          </a:fillRef>
+          <a:effectRef idx="0">
+            <a:schemeClr val="accent1"/>
+          </a:effectRef>
+          <a:fontRef idx="minor">
+            <a:schemeClr val="tx1"/>
+          </a:fontRef>
+        </p:style>
+      </p:cxnSp>
+      <p:cxnSp>
+        <p:nvCxnSpPr>
+          <p:cNvPr id="114" name="Straight Arrow Connector 106"/>
+          <p:cNvCxnSpPr/>
+          <p:nvPr/>
+        </p:nvCxnSpPr>
+        <p:spPr>
+          <a:xfrm>
+            <a:off x="7059770" y="2186507"/>
+            <a:ext cx="712630" cy="1383"/>
+          </a:xfrm>
+          <a:prstGeom prst="bentConnector3">
+            <a:avLst>
+              <a:gd name="adj1" fmla="val 50000"/>
+            </a:avLst>
+          </a:prstGeom>
+          <a:ln w="31750">
+            <a:solidFill>
+              <a:schemeClr val="tx1"/>
+            </a:solidFill>
+            <a:tailEnd type="arrow"/>
+          </a:ln>
+        </p:spPr>
+        <p:style>
+          <a:lnRef idx="1">
+            <a:schemeClr val="accent1"/>
+          </a:lnRef>
+          <a:fillRef idx="0">
+            <a:schemeClr val="accent1"/>
+          </a:fillRef>
+          <a:effectRef idx="0">
+            <a:schemeClr val="accent1"/>
+          </a:effectRef>
+          <a:fontRef idx="minor">
+            <a:schemeClr val="tx1"/>
+          </a:fontRef>
+        </p:style>
+      </p:cxnSp>
+      <p:pic>
+        <p:nvPicPr>
+          <p:cNvPr id="132" name="Picture 131"/>
+          <p:cNvPicPr>
+            <a:picLocks noChangeAspect="1"/>
+          </p:cNvPicPr>
+          <p:nvPr/>
+        </p:nvPicPr>
+        <p:blipFill>
+          <a:blip r:embed="rId11" cstate="print">
+            <a:extLst>
+              <a:ext uri="{28A0092B-C50C-407E-A947-70E740481C1C}">
+                <a14:useLocalDpi xmlns:a14="http://schemas.microsoft.com/office/drawing/2010/main" val="0"/>
+              </a:ext>
+            </a:extLst>
+          </a:blip>
+          <a:stretch>
+            <a:fillRect/>
+          </a:stretch>
+        </p:blipFill>
+        <p:spPr>
+          <a:xfrm>
+            <a:off x="6502965" y="4314516"/>
+            <a:ext cx="431461" cy="427819"/>
+          </a:xfrm>
+          <a:prstGeom prst="rect">
+            <a:avLst/>
+          </a:prstGeom>
+        </p:spPr>
+      </p:pic>
+      <p:sp>
+        <p:nvSpPr>
+          <p:cNvPr id="36" name="TextBox 35"/>
+          <p:cNvSpPr txBox="1"/>
+          <p:nvPr/>
+        </p:nvSpPr>
+        <p:spPr>
+          <a:xfrm>
+            <a:off x="5930508" y="4692439"/>
+            <a:ext cx="306494" cy="246221"/>
+          </a:xfrm>
+          <a:prstGeom prst="rect">
+            <a:avLst/>
+          </a:prstGeom>
+          <a:noFill/>
+        </p:spPr>
+        <p:txBody>
+          <a:bodyPr wrap="none" rtlCol="0">
+            <a:spAutoFit/>
+          </a:bodyPr>
+          <a:lstStyle/>
+          <a:p>
+            <a:r>
+              <a:rPr lang="en-US" sz="1000" b="1" dirty="0" smtClean="0"/>
+              <a:t>ES</a:t>
+            </a:r>
+          </a:p>
+        </p:txBody>
+      </p:sp>
+      <p:sp>
+        <p:nvSpPr>
+          <p:cNvPr id="133" name="TextBox 132"/>
+          <p:cNvSpPr txBox="1"/>
+          <p:nvPr/>
+        </p:nvSpPr>
+        <p:spPr>
+          <a:xfrm>
+            <a:off x="6474878" y="4691813"/>
+            <a:ext cx="487634" cy="246221"/>
+          </a:xfrm>
+          <a:prstGeom prst="rect">
+            <a:avLst/>
+          </a:prstGeom>
+          <a:noFill/>
+        </p:spPr>
+        <p:txBody>
+          <a:bodyPr wrap="none" rtlCol="0">
+            <a:spAutoFit/>
+          </a:bodyPr>
+          <a:lstStyle/>
+          <a:p>
+            <a:r>
+              <a:rPr lang="en-US" sz="1000" b="1" dirty="0" err="1" smtClean="0"/>
+              <a:t>Sqlite</a:t>
+            </a:r>
+            <a:endParaRPr lang="en-US" sz="1000" b="1" dirty="0" smtClean="0"/>
+          </a:p>
+        </p:txBody>
+      </p:sp>
+      <p:cxnSp>
+        <p:nvCxnSpPr>
+          <p:cNvPr id="47" name="Straight Arrow Connector 46"/>
+          <p:cNvCxnSpPr/>
+          <p:nvPr/>
+        </p:nvCxnSpPr>
+        <p:spPr>
+          <a:xfrm>
+            <a:off x="6083756" y="3807526"/>
+            <a:ext cx="1" cy="327250"/>
+          </a:xfrm>
+          <a:prstGeom prst="straightConnector1">
             <a:avLst/>
           </a:prstGeom>
           <a:ln w="31750">
             <a:solidFill>
               <a:schemeClr val="tx1"/>
             </a:solidFill>
+            <a:headEnd type="arrow"/>
             <a:tailEnd type="arrow"/>
+          </a:ln>
+        </p:spPr>
+        <p:style>
+          <a:lnRef idx="1">
+            <a:schemeClr val="accent1"/>
+          </a:lnRef>
+          <a:fillRef idx="0">
+            <a:schemeClr val="accent1"/>
+          </a:fillRef>
+          <a:effectRef idx="0">
+            <a:schemeClr val="accent1"/>
+          </a:effectRef>
+          <a:fontRef idx="minor">
+            <a:schemeClr val="tx1"/>
+          </a:fontRef>
+        </p:style>
+      </p:cxnSp>
+      <p:cxnSp>
+        <p:nvCxnSpPr>
+          <p:cNvPr id="142" name="Straight Arrow Connector 141"/>
+          <p:cNvCxnSpPr>
+            <a:endCxn id="132" idx="0"/>
+          </p:cNvCxnSpPr>
+          <p:nvPr/>
+        </p:nvCxnSpPr>
+        <p:spPr>
+          <a:xfrm>
+            <a:off x="6718695" y="3807526"/>
+            <a:ext cx="1" cy="506990"/>
+          </a:xfrm>
+          <a:prstGeom prst="straightConnector1">
+            <a:avLst/>
+          </a:prstGeom>
+          <a:ln w="31750">
+            <a:solidFill>
+              <a:schemeClr val="tx1"/>
+            </a:solidFill>
+            <a:headEnd type="none"/>
+            <a:tailEnd type="none"/>
+          </a:ln>
+        </p:spPr>
+        <p:style>
+          <a:lnRef idx="1">
+            <a:schemeClr val="accent1"/>
+          </a:lnRef>
+          <a:fillRef idx="0">
+            <a:schemeClr val="accent1"/>
+          </a:fillRef>
+          <a:effectRef idx="0">
+            <a:schemeClr val="accent1"/>
+          </a:effectRef>
+          <a:fontRef idx="minor">
+            <a:schemeClr val="tx1"/>
+          </a:fontRef>
+        </p:style>
+      </p:cxnSp>
+      <p:sp>
+        <p:nvSpPr>
+          <p:cNvPr id="146" name="TextBox 145"/>
+          <p:cNvSpPr txBox="1"/>
+          <p:nvPr/>
+        </p:nvSpPr>
+        <p:spPr>
+          <a:xfrm>
+            <a:off x="5702370" y="2527397"/>
+            <a:ext cx="306494" cy="246221"/>
+          </a:xfrm>
+          <a:prstGeom prst="rect">
+            <a:avLst/>
+          </a:prstGeom>
+          <a:noFill/>
+        </p:spPr>
+        <p:txBody>
+          <a:bodyPr wrap="none" rtlCol="0">
+            <a:spAutoFit/>
+          </a:bodyPr>
+          <a:lstStyle/>
+          <a:p>
+            <a:r>
+              <a:rPr lang="en-US" sz="1000" b="1" dirty="0" smtClean="0"/>
+              <a:t>ES</a:t>
+            </a:r>
+          </a:p>
+        </p:txBody>
+      </p:sp>
+      <p:cxnSp>
+        <p:nvCxnSpPr>
+          <p:cNvPr id="148" name="Straight Arrow Connector 147"/>
+          <p:cNvCxnSpPr/>
+          <p:nvPr/>
+        </p:nvCxnSpPr>
+        <p:spPr>
+          <a:xfrm>
+            <a:off x="6718695" y="3791985"/>
+            <a:ext cx="1" cy="326104"/>
+          </a:xfrm>
+          <a:prstGeom prst="straightConnector1">
+            <a:avLst/>
+          </a:prstGeom>
+          <a:ln w="31750">
+            <a:solidFill>
+              <a:schemeClr val="tx1"/>
+            </a:solidFill>
+            <a:headEnd type="arrow"/>
+            <a:tailEnd type="arrow"/>
+          </a:ln>
+        </p:spPr>
+        <p:style>
+          <a:lnRef idx="1">
+            <a:schemeClr val="accent1"/>
+          </a:lnRef>
+          <a:fillRef idx="0">
+            <a:schemeClr val="accent1"/>
+          </a:fillRef>
+          <a:effectRef idx="0">
+            <a:schemeClr val="accent1"/>
+          </a:effectRef>
+          <a:fontRef idx="minor">
+            <a:schemeClr val="tx1"/>
+          </a:fontRef>
+        </p:style>
+      </p:cxnSp>
+      <p:cxnSp>
+        <p:nvCxnSpPr>
+          <p:cNvPr id="149" name="Straight Arrow Connector 148"/>
+          <p:cNvCxnSpPr/>
+          <p:nvPr/>
+        </p:nvCxnSpPr>
+        <p:spPr>
+          <a:xfrm>
+            <a:off x="6083755" y="3863985"/>
+            <a:ext cx="3" cy="450531"/>
+          </a:xfrm>
+          <a:prstGeom prst="straightConnector1">
+            <a:avLst/>
+          </a:prstGeom>
+          <a:ln w="31750">
+            <a:solidFill>
+              <a:schemeClr val="tx1"/>
+            </a:solidFill>
+            <a:headEnd type="none"/>
+            <a:tailEnd type="none"/>
           </a:ln>
         </p:spPr>
         <p:style>
